--- a/Figures_for_Documentation/TPM_pictures_drawn_in_PPT.pptx
+++ b/Figures_for_Documentation/TPM_pictures_drawn_in_PPT.pptx
@@ -12,6 +12,7 @@
     <p:sldId id="260" r:id="rId6"/>
     <p:sldId id="261" r:id="rId7"/>
     <p:sldId id="262" r:id="rId8"/>
+    <p:sldId id="263" r:id="rId9"/>
   </p:sldIdLst>
   <p:sldSz cx="12192000" cy="6858000"/>
   <p:notesSz cx="6858000" cy="9144000"/>
@@ -110,6 +111,11 @@
       </a:defRPr>
     </a:lvl9pPr>
   </p:defaultTextStyle>
+  <p:extLst>
+    <p:ext uri="{EFAFB233-063F-42B5-8137-9DF3F51BA10A}">
+      <p15:sldGuideLst xmlns:p15="http://schemas.microsoft.com/office/powerpoint/2012/main"/>
+    </p:ext>
+  </p:extLst>
 </p:presentation>
 </file>
 
@@ -155,7 +161,7 @@
           </a:lstStyle>
           <a:p>
             <a:r>
-              <a:rPr lang="zh-CN" altLang="en-US" smtClean="0"/>
+              <a:rPr lang="zh-CN" altLang="en-US"/>
               <a:t>单击此处编辑母版标题样式</a:t>
             </a:r>
             <a:endParaRPr lang="en-US"/>
@@ -220,7 +226,7 @@
           </a:lstStyle>
           <a:p>
             <a:r>
-              <a:rPr lang="zh-CN" altLang="en-US" smtClean="0"/>
+              <a:rPr lang="zh-CN" altLang="en-US"/>
               <a:t>单击以编辑母版副标题样式</a:t>
             </a:r>
             <a:endParaRPr lang="en-US"/>
@@ -244,7 +250,7 @@
           <a:p>
             <a:fld id="{DC766539-A8EA-4018-A2EC-1BB034971F18}" type="datetimeFigureOut">
               <a:rPr lang="en-US" smtClean="0"/>
-              <a:t>9/11/2018</a:t>
+              <a:t>9/12/2018</a:t>
             </a:fld>
             <a:endParaRPr lang="en-US"/>
           </a:p>
@@ -338,7 +344,7 @@
           <a:lstStyle/>
           <a:p>
             <a:r>
-              <a:rPr lang="zh-CN" altLang="en-US" smtClean="0"/>
+              <a:rPr lang="zh-CN" altLang="en-US"/>
               <a:t>单击此处编辑母版标题样式</a:t>
             </a:r>
             <a:endParaRPr lang="en-US"/>
@@ -362,35 +368,35 @@
           <a:p>
             <a:pPr lvl="0"/>
             <a:r>
-              <a:rPr lang="zh-CN" altLang="en-US" smtClean="0"/>
+              <a:rPr lang="zh-CN" altLang="en-US"/>
               <a:t>编辑母版文本样式</a:t>
             </a:r>
           </a:p>
           <a:p>
             <a:pPr lvl="1"/>
             <a:r>
-              <a:rPr lang="zh-CN" altLang="en-US" smtClean="0"/>
+              <a:rPr lang="zh-CN" altLang="en-US"/>
               <a:t>第二级</a:t>
             </a:r>
           </a:p>
           <a:p>
             <a:pPr lvl="2"/>
             <a:r>
-              <a:rPr lang="zh-CN" altLang="en-US" smtClean="0"/>
+              <a:rPr lang="zh-CN" altLang="en-US"/>
               <a:t>第三级</a:t>
             </a:r>
           </a:p>
           <a:p>
             <a:pPr lvl="3"/>
             <a:r>
-              <a:rPr lang="zh-CN" altLang="en-US" smtClean="0"/>
+              <a:rPr lang="zh-CN" altLang="en-US"/>
               <a:t>第四级</a:t>
             </a:r>
           </a:p>
           <a:p>
             <a:pPr lvl="4"/>
             <a:r>
-              <a:rPr lang="zh-CN" altLang="en-US" smtClean="0"/>
+              <a:rPr lang="zh-CN" altLang="en-US"/>
               <a:t>第五级</a:t>
             </a:r>
             <a:endParaRPr lang="en-US"/>
@@ -414,7 +420,7 @@
           <a:p>
             <a:fld id="{DC766539-A8EA-4018-A2EC-1BB034971F18}" type="datetimeFigureOut">
               <a:rPr lang="en-US" smtClean="0"/>
-              <a:t>9/11/2018</a:t>
+              <a:t>9/12/2018</a:t>
             </a:fld>
             <a:endParaRPr lang="en-US"/>
           </a:p>
@@ -513,7 +519,7 @@
           <a:lstStyle/>
           <a:p>
             <a:r>
-              <a:rPr lang="zh-CN" altLang="en-US" smtClean="0"/>
+              <a:rPr lang="zh-CN" altLang="en-US"/>
               <a:t>单击此处编辑母版标题样式</a:t>
             </a:r>
             <a:endParaRPr lang="en-US"/>
@@ -542,35 +548,35 @@
           <a:p>
             <a:pPr lvl="0"/>
             <a:r>
-              <a:rPr lang="zh-CN" altLang="en-US" smtClean="0"/>
+              <a:rPr lang="zh-CN" altLang="en-US"/>
               <a:t>编辑母版文本样式</a:t>
             </a:r>
           </a:p>
           <a:p>
             <a:pPr lvl="1"/>
             <a:r>
-              <a:rPr lang="zh-CN" altLang="en-US" smtClean="0"/>
+              <a:rPr lang="zh-CN" altLang="en-US"/>
               <a:t>第二级</a:t>
             </a:r>
           </a:p>
           <a:p>
             <a:pPr lvl="2"/>
             <a:r>
-              <a:rPr lang="zh-CN" altLang="en-US" smtClean="0"/>
+              <a:rPr lang="zh-CN" altLang="en-US"/>
               <a:t>第三级</a:t>
             </a:r>
           </a:p>
           <a:p>
             <a:pPr lvl="3"/>
             <a:r>
-              <a:rPr lang="zh-CN" altLang="en-US" smtClean="0"/>
+              <a:rPr lang="zh-CN" altLang="en-US"/>
               <a:t>第四级</a:t>
             </a:r>
           </a:p>
           <a:p>
             <a:pPr lvl="4"/>
             <a:r>
-              <a:rPr lang="zh-CN" altLang="en-US" smtClean="0"/>
+              <a:rPr lang="zh-CN" altLang="en-US"/>
               <a:t>第五级</a:t>
             </a:r>
             <a:endParaRPr lang="en-US"/>
@@ -594,7 +600,7 @@
           <a:p>
             <a:fld id="{DC766539-A8EA-4018-A2EC-1BB034971F18}" type="datetimeFigureOut">
               <a:rPr lang="en-US" smtClean="0"/>
-              <a:t>9/11/2018</a:t>
+              <a:t>9/12/2018</a:t>
             </a:fld>
             <a:endParaRPr lang="en-US"/>
           </a:p>
@@ -688,7 +694,7 @@
           <a:lstStyle/>
           <a:p>
             <a:r>
-              <a:rPr lang="zh-CN" altLang="en-US" smtClean="0"/>
+              <a:rPr lang="zh-CN" altLang="en-US"/>
               <a:t>单击此处编辑母版标题样式</a:t>
             </a:r>
             <a:endParaRPr lang="en-US"/>
@@ -712,35 +718,35 @@
           <a:p>
             <a:pPr lvl="0"/>
             <a:r>
-              <a:rPr lang="zh-CN" altLang="en-US" smtClean="0"/>
+              <a:rPr lang="zh-CN" altLang="en-US"/>
               <a:t>编辑母版文本样式</a:t>
             </a:r>
           </a:p>
           <a:p>
             <a:pPr lvl="1"/>
             <a:r>
-              <a:rPr lang="zh-CN" altLang="en-US" smtClean="0"/>
+              <a:rPr lang="zh-CN" altLang="en-US"/>
               <a:t>第二级</a:t>
             </a:r>
           </a:p>
           <a:p>
             <a:pPr lvl="2"/>
             <a:r>
-              <a:rPr lang="zh-CN" altLang="en-US" smtClean="0"/>
+              <a:rPr lang="zh-CN" altLang="en-US"/>
               <a:t>第三级</a:t>
             </a:r>
           </a:p>
           <a:p>
             <a:pPr lvl="3"/>
             <a:r>
-              <a:rPr lang="zh-CN" altLang="en-US" smtClean="0"/>
+              <a:rPr lang="zh-CN" altLang="en-US"/>
               <a:t>第四级</a:t>
             </a:r>
           </a:p>
           <a:p>
             <a:pPr lvl="4"/>
             <a:r>
-              <a:rPr lang="zh-CN" altLang="en-US" smtClean="0"/>
+              <a:rPr lang="zh-CN" altLang="en-US"/>
               <a:t>第五级</a:t>
             </a:r>
             <a:endParaRPr lang="en-US"/>
@@ -764,7 +770,7 @@
           <a:p>
             <a:fld id="{DC766539-A8EA-4018-A2EC-1BB034971F18}" type="datetimeFigureOut">
               <a:rPr lang="en-US" smtClean="0"/>
-              <a:t>9/11/2018</a:t>
+              <a:t>9/12/2018</a:t>
             </a:fld>
             <a:endParaRPr lang="en-US"/>
           </a:p>
@@ -867,7 +873,7 @@
           </a:lstStyle>
           <a:p>
             <a:r>
-              <a:rPr lang="zh-CN" altLang="en-US" smtClean="0"/>
+              <a:rPr lang="zh-CN" altLang="en-US"/>
               <a:t>单击此处编辑母版标题样式</a:t>
             </a:r>
             <a:endParaRPr lang="en-US"/>
@@ -987,7 +993,7 @@
           <a:p>
             <a:pPr lvl="0"/>
             <a:r>
-              <a:rPr lang="zh-CN" altLang="en-US" smtClean="0"/>
+              <a:rPr lang="zh-CN" altLang="en-US"/>
               <a:t>编辑母版文本样式</a:t>
             </a:r>
           </a:p>
@@ -1010,7 +1016,7 @@
           <a:p>
             <a:fld id="{DC766539-A8EA-4018-A2EC-1BB034971F18}" type="datetimeFigureOut">
               <a:rPr lang="en-US" smtClean="0"/>
-              <a:t>9/11/2018</a:t>
+              <a:t>9/12/2018</a:t>
             </a:fld>
             <a:endParaRPr lang="en-US"/>
           </a:p>
@@ -1104,7 +1110,7 @@
           <a:lstStyle/>
           <a:p>
             <a:r>
-              <a:rPr lang="zh-CN" altLang="en-US" smtClean="0"/>
+              <a:rPr lang="zh-CN" altLang="en-US"/>
               <a:t>单击此处编辑母版标题样式</a:t>
             </a:r>
             <a:endParaRPr lang="en-US"/>
@@ -1133,35 +1139,35 @@
           <a:p>
             <a:pPr lvl="0"/>
             <a:r>
-              <a:rPr lang="zh-CN" altLang="en-US" smtClean="0"/>
+              <a:rPr lang="zh-CN" altLang="en-US"/>
               <a:t>编辑母版文本样式</a:t>
             </a:r>
           </a:p>
           <a:p>
             <a:pPr lvl="1"/>
             <a:r>
-              <a:rPr lang="zh-CN" altLang="en-US" smtClean="0"/>
+              <a:rPr lang="zh-CN" altLang="en-US"/>
               <a:t>第二级</a:t>
             </a:r>
           </a:p>
           <a:p>
             <a:pPr lvl="2"/>
             <a:r>
-              <a:rPr lang="zh-CN" altLang="en-US" smtClean="0"/>
+              <a:rPr lang="zh-CN" altLang="en-US"/>
               <a:t>第三级</a:t>
             </a:r>
           </a:p>
           <a:p>
             <a:pPr lvl="3"/>
             <a:r>
-              <a:rPr lang="zh-CN" altLang="en-US" smtClean="0"/>
+              <a:rPr lang="zh-CN" altLang="en-US"/>
               <a:t>第四级</a:t>
             </a:r>
           </a:p>
           <a:p>
             <a:pPr lvl="4"/>
             <a:r>
-              <a:rPr lang="zh-CN" altLang="en-US" smtClean="0"/>
+              <a:rPr lang="zh-CN" altLang="en-US"/>
               <a:t>第五级</a:t>
             </a:r>
             <a:endParaRPr lang="en-US"/>
@@ -1190,35 +1196,35 @@
           <a:p>
             <a:pPr lvl="0"/>
             <a:r>
-              <a:rPr lang="zh-CN" altLang="en-US" smtClean="0"/>
+              <a:rPr lang="zh-CN" altLang="en-US"/>
               <a:t>编辑母版文本样式</a:t>
             </a:r>
           </a:p>
           <a:p>
             <a:pPr lvl="1"/>
             <a:r>
-              <a:rPr lang="zh-CN" altLang="en-US" smtClean="0"/>
+              <a:rPr lang="zh-CN" altLang="en-US"/>
               <a:t>第二级</a:t>
             </a:r>
           </a:p>
           <a:p>
             <a:pPr lvl="2"/>
             <a:r>
-              <a:rPr lang="zh-CN" altLang="en-US" smtClean="0"/>
+              <a:rPr lang="zh-CN" altLang="en-US"/>
               <a:t>第三级</a:t>
             </a:r>
           </a:p>
           <a:p>
             <a:pPr lvl="3"/>
             <a:r>
-              <a:rPr lang="zh-CN" altLang="en-US" smtClean="0"/>
+              <a:rPr lang="zh-CN" altLang="en-US"/>
               <a:t>第四级</a:t>
             </a:r>
           </a:p>
           <a:p>
             <a:pPr lvl="4"/>
             <a:r>
-              <a:rPr lang="zh-CN" altLang="en-US" smtClean="0"/>
+              <a:rPr lang="zh-CN" altLang="en-US"/>
               <a:t>第五级</a:t>
             </a:r>
             <a:endParaRPr lang="en-US"/>
@@ -1242,7 +1248,7 @@
           <a:p>
             <a:fld id="{DC766539-A8EA-4018-A2EC-1BB034971F18}" type="datetimeFigureOut">
               <a:rPr lang="en-US" smtClean="0"/>
-              <a:t>9/11/2018</a:t>
+              <a:t>9/12/2018</a:t>
             </a:fld>
             <a:endParaRPr lang="en-US"/>
           </a:p>
@@ -1341,7 +1347,7 @@
           <a:lstStyle/>
           <a:p>
             <a:r>
-              <a:rPr lang="zh-CN" altLang="en-US" smtClean="0"/>
+              <a:rPr lang="zh-CN" altLang="en-US"/>
               <a:t>单击此处编辑母版标题样式</a:t>
             </a:r>
             <a:endParaRPr lang="en-US"/>
@@ -1407,7 +1413,7 @@
           <a:p>
             <a:pPr lvl="0"/>
             <a:r>
-              <a:rPr lang="zh-CN" altLang="en-US" smtClean="0"/>
+              <a:rPr lang="zh-CN" altLang="en-US"/>
               <a:t>编辑母版文本样式</a:t>
             </a:r>
           </a:p>
@@ -1435,35 +1441,35 @@
           <a:p>
             <a:pPr lvl="0"/>
             <a:r>
-              <a:rPr lang="zh-CN" altLang="en-US" smtClean="0"/>
+              <a:rPr lang="zh-CN" altLang="en-US"/>
               <a:t>编辑母版文本样式</a:t>
             </a:r>
           </a:p>
           <a:p>
             <a:pPr lvl="1"/>
             <a:r>
-              <a:rPr lang="zh-CN" altLang="en-US" smtClean="0"/>
+              <a:rPr lang="zh-CN" altLang="en-US"/>
               <a:t>第二级</a:t>
             </a:r>
           </a:p>
           <a:p>
             <a:pPr lvl="2"/>
             <a:r>
-              <a:rPr lang="zh-CN" altLang="en-US" smtClean="0"/>
+              <a:rPr lang="zh-CN" altLang="en-US"/>
               <a:t>第三级</a:t>
             </a:r>
           </a:p>
           <a:p>
             <a:pPr lvl="3"/>
             <a:r>
-              <a:rPr lang="zh-CN" altLang="en-US" smtClean="0"/>
+              <a:rPr lang="zh-CN" altLang="en-US"/>
               <a:t>第四级</a:t>
             </a:r>
           </a:p>
           <a:p>
             <a:pPr lvl="4"/>
             <a:r>
-              <a:rPr lang="zh-CN" altLang="en-US" smtClean="0"/>
+              <a:rPr lang="zh-CN" altLang="en-US"/>
               <a:t>第五级</a:t>
             </a:r>
             <a:endParaRPr lang="en-US"/>
@@ -1529,7 +1535,7 @@
           <a:p>
             <a:pPr lvl="0"/>
             <a:r>
-              <a:rPr lang="zh-CN" altLang="en-US" smtClean="0"/>
+              <a:rPr lang="zh-CN" altLang="en-US"/>
               <a:t>编辑母版文本样式</a:t>
             </a:r>
           </a:p>
@@ -1557,35 +1563,35 @@
           <a:p>
             <a:pPr lvl="0"/>
             <a:r>
-              <a:rPr lang="zh-CN" altLang="en-US" smtClean="0"/>
+              <a:rPr lang="zh-CN" altLang="en-US"/>
               <a:t>编辑母版文本样式</a:t>
             </a:r>
           </a:p>
           <a:p>
             <a:pPr lvl="1"/>
             <a:r>
-              <a:rPr lang="zh-CN" altLang="en-US" smtClean="0"/>
+              <a:rPr lang="zh-CN" altLang="en-US"/>
               <a:t>第二级</a:t>
             </a:r>
           </a:p>
           <a:p>
             <a:pPr lvl="2"/>
             <a:r>
-              <a:rPr lang="zh-CN" altLang="en-US" smtClean="0"/>
+              <a:rPr lang="zh-CN" altLang="en-US"/>
               <a:t>第三级</a:t>
             </a:r>
           </a:p>
           <a:p>
             <a:pPr lvl="3"/>
             <a:r>
-              <a:rPr lang="zh-CN" altLang="en-US" smtClean="0"/>
+              <a:rPr lang="zh-CN" altLang="en-US"/>
               <a:t>第四级</a:t>
             </a:r>
           </a:p>
           <a:p>
             <a:pPr lvl="4"/>
             <a:r>
-              <a:rPr lang="zh-CN" altLang="en-US" smtClean="0"/>
+              <a:rPr lang="zh-CN" altLang="en-US"/>
               <a:t>第五级</a:t>
             </a:r>
             <a:endParaRPr lang="en-US"/>
@@ -1609,7 +1615,7 @@
           <a:p>
             <a:fld id="{DC766539-A8EA-4018-A2EC-1BB034971F18}" type="datetimeFigureOut">
               <a:rPr lang="en-US" smtClean="0"/>
-              <a:t>9/11/2018</a:t>
+              <a:t>9/12/2018</a:t>
             </a:fld>
             <a:endParaRPr lang="en-US"/>
           </a:p>
@@ -1703,7 +1709,7 @@
           <a:lstStyle/>
           <a:p>
             <a:r>
-              <a:rPr lang="zh-CN" altLang="en-US" smtClean="0"/>
+              <a:rPr lang="zh-CN" altLang="en-US"/>
               <a:t>单击此处编辑母版标题样式</a:t>
             </a:r>
             <a:endParaRPr lang="en-US"/>
@@ -1727,7 +1733,7 @@
           <a:p>
             <a:fld id="{DC766539-A8EA-4018-A2EC-1BB034971F18}" type="datetimeFigureOut">
               <a:rPr lang="en-US" smtClean="0"/>
-              <a:t>9/11/2018</a:t>
+              <a:t>9/12/2018</a:t>
             </a:fld>
             <a:endParaRPr lang="en-US"/>
           </a:p>
@@ -1822,7 +1828,7 @@
           <a:p>
             <a:fld id="{DC766539-A8EA-4018-A2EC-1BB034971F18}" type="datetimeFigureOut">
               <a:rPr lang="en-US" smtClean="0"/>
-              <a:t>9/11/2018</a:t>
+              <a:t>9/12/2018</a:t>
             </a:fld>
             <a:endParaRPr lang="en-US"/>
           </a:p>
@@ -1925,7 +1931,7 @@
           </a:lstStyle>
           <a:p>
             <a:r>
-              <a:rPr lang="zh-CN" altLang="en-US" smtClean="0"/>
+              <a:rPr lang="zh-CN" altLang="en-US"/>
               <a:t>单击此处编辑母版标题样式</a:t>
             </a:r>
             <a:endParaRPr lang="en-US"/>
@@ -1982,35 +1988,35 @@
           <a:p>
             <a:pPr lvl="0"/>
             <a:r>
-              <a:rPr lang="zh-CN" altLang="en-US" smtClean="0"/>
+              <a:rPr lang="zh-CN" altLang="en-US"/>
               <a:t>编辑母版文本样式</a:t>
             </a:r>
           </a:p>
           <a:p>
             <a:pPr lvl="1"/>
             <a:r>
-              <a:rPr lang="zh-CN" altLang="en-US" smtClean="0"/>
+              <a:rPr lang="zh-CN" altLang="en-US"/>
               <a:t>第二级</a:t>
             </a:r>
           </a:p>
           <a:p>
             <a:pPr lvl="2"/>
             <a:r>
-              <a:rPr lang="zh-CN" altLang="en-US" smtClean="0"/>
+              <a:rPr lang="zh-CN" altLang="en-US"/>
               <a:t>第三级</a:t>
             </a:r>
           </a:p>
           <a:p>
             <a:pPr lvl="3"/>
             <a:r>
-              <a:rPr lang="zh-CN" altLang="en-US" smtClean="0"/>
+              <a:rPr lang="zh-CN" altLang="en-US"/>
               <a:t>第四级</a:t>
             </a:r>
           </a:p>
           <a:p>
             <a:pPr lvl="4"/>
             <a:r>
-              <a:rPr lang="zh-CN" altLang="en-US" smtClean="0"/>
+              <a:rPr lang="zh-CN" altLang="en-US"/>
               <a:t>第五级</a:t>
             </a:r>
             <a:endParaRPr lang="en-US"/>
@@ -2076,7 +2082,7 @@
           <a:p>
             <a:pPr lvl="0"/>
             <a:r>
-              <a:rPr lang="zh-CN" altLang="en-US" smtClean="0"/>
+              <a:rPr lang="zh-CN" altLang="en-US"/>
               <a:t>编辑母版文本样式</a:t>
             </a:r>
           </a:p>
@@ -2099,7 +2105,7 @@
           <a:p>
             <a:fld id="{DC766539-A8EA-4018-A2EC-1BB034971F18}" type="datetimeFigureOut">
               <a:rPr lang="en-US" smtClean="0"/>
-              <a:t>9/11/2018</a:t>
+              <a:t>9/12/2018</a:t>
             </a:fld>
             <a:endParaRPr lang="en-US"/>
           </a:p>
@@ -2202,7 +2208,7 @@
           </a:lstStyle>
           <a:p>
             <a:r>
-              <a:rPr lang="zh-CN" altLang="en-US" smtClean="0"/>
+              <a:rPr lang="zh-CN" altLang="en-US"/>
               <a:t>单击此处编辑母版标题样式</a:t>
             </a:r>
             <a:endParaRPr lang="en-US"/>
@@ -2329,7 +2335,7 @@
           <a:p>
             <a:pPr lvl="0"/>
             <a:r>
-              <a:rPr lang="zh-CN" altLang="en-US" smtClean="0"/>
+              <a:rPr lang="zh-CN" altLang="en-US"/>
               <a:t>编辑母版文本样式</a:t>
             </a:r>
           </a:p>
@@ -2352,7 +2358,7 @@
           <a:p>
             <a:fld id="{DC766539-A8EA-4018-A2EC-1BB034971F18}" type="datetimeFigureOut">
               <a:rPr lang="en-US" smtClean="0"/>
-              <a:t>9/11/2018</a:t>
+              <a:t>9/12/2018</a:t>
             </a:fld>
             <a:endParaRPr lang="en-US"/>
           </a:p>
@@ -2461,7 +2467,7 @@
           <a:lstStyle/>
           <a:p>
             <a:r>
-              <a:rPr lang="zh-CN" altLang="en-US" smtClean="0"/>
+              <a:rPr lang="zh-CN" altLang="en-US"/>
               <a:t>单击此处编辑母版标题样式</a:t>
             </a:r>
             <a:endParaRPr lang="en-US"/>
@@ -2495,35 +2501,35 @@
           <a:p>
             <a:pPr lvl="0"/>
             <a:r>
-              <a:rPr lang="zh-CN" altLang="en-US" smtClean="0"/>
+              <a:rPr lang="zh-CN" altLang="en-US"/>
               <a:t>编辑母版文本样式</a:t>
             </a:r>
           </a:p>
           <a:p>
             <a:pPr lvl="1"/>
             <a:r>
-              <a:rPr lang="zh-CN" altLang="en-US" smtClean="0"/>
+              <a:rPr lang="zh-CN" altLang="en-US"/>
               <a:t>第二级</a:t>
             </a:r>
           </a:p>
           <a:p>
             <a:pPr lvl="2"/>
             <a:r>
-              <a:rPr lang="zh-CN" altLang="en-US" smtClean="0"/>
+              <a:rPr lang="zh-CN" altLang="en-US"/>
               <a:t>第三级</a:t>
             </a:r>
           </a:p>
           <a:p>
             <a:pPr lvl="3"/>
             <a:r>
-              <a:rPr lang="zh-CN" altLang="en-US" smtClean="0"/>
+              <a:rPr lang="zh-CN" altLang="en-US"/>
               <a:t>第四级</a:t>
             </a:r>
           </a:p>
           <a:p>
             <a:pPr lvl="4"/>
             <a:r>
-              <a:rPr lang="zh-CN" altLang="en-US" smtClean="0"/>
+              <a:rPr lang="zh-CN" altLang="en-US"/>
               <a:t>第五级</a:t>
             </a:r>
             <a:endParaRPr lang="en-US"/>
@@ -2565,7 +2571,7 @@
           <a:p>
             <a:fld id="{DC766539-A8EA-4018-A2EC-1BB034971F18}" type="datetimeFigureOut">
               <a:rPr lang="en-US" smtClean="0"/>
-              <a:t>9/11/2018</a:t>
+              <a:t>9/12/2018</a:t>
             </a:fld>
             <a:endParaRPr lang="en-US"/>
           </a:p>
@@ -8087,7 +8093,7 @@
             <a:p>
               <a:pPr algn="ctr"/>
               <a:r>
-                <a:rPr lang="en-US" altLang="zh-CN" dirty="0" smtClean="0">
+                <a:rPr lang="en-US" altLang="zh-CN" dirty="0">
                   <a:solidFill>
                     <a:schemeClr val="accent5">
                       <a:lumMod val="75000"/>
@@ -8174,7 +8180,7 @@
             <a:p>
               <a:pPr algn="ctr"/>
               <a:r>
-                <a:rPr lang="en-US" dirty="0" smtClean="0">
+                <a:rPr lang="en-US" dirty="0">
                   <a:solidFill>
                     <a:schemeClr val="accent5">
                       <a:lumMod val="75000"/>
@@ -8185,15 +8191,6 @@
                 </a:rPr>
                 <a:t>32-bit data2</a:t>
               </a:r>
-              <a:endParaRPr lang="en-US" dirty="0">
-                <a:solidFill>
-                  <a:schemeClr val="accent5">
-                    <a:lumMod val="75000"/>
-                  </a:schemeClr>
-                </a:solidFill>
-                <a:latin typeface="Adobe Hebrew" panose="02040503050201020203" pitchFamily="18" charset="-79"/>
-                <a:cs typeface="Adobe Hebrew" panose="02040503050201020203" pitchFamily="18" charset="-79"/>
-              </a:endParaRPr>
             </a:p>
           </p:txBody>
         </p:sp>
@@ -8261,7 +8258,7 @@
             <a:p>
               <a:pPr algn="ctr"/>
               <a:r>
-                <a:rPr lang="en-US" altLang="zh-CN" dirty="0" smtClean="0">
+                <a:rPr lang="en-US" altLang="zh-CN" dirty="0">
                   <a:solidFill>
                     <a:schemeClr val="accent5">
                       <a:lumMod val="75000"/>
@@ -8348,7 +8345,7 @@
             <a:p>
               <a:pPr algn="ctr"/>
               <a:r>
-                <a:rPr lang="en-US" dirty="0" smtClean="0">
+                <a:rPr lang="en-US" dirty="0">
                   <a:solidFill>
                     <a:schemeClr val="accent5">
                       <a:lumMod val="75000"/>
@@ -8359,15 +8356,6 @@
                 </a:rPr>
                 <a:t>32-bit data2</a:t>
               </a:r>
-              <a:endParaRPr lang="en-US" dirty="0">
-                <a:solidFill>
-                  <a:schemeClr val="accent5">
-                    <a:lumMod val="75000"/>
-                  </a:schemeClr>
-                </a:solidFill>
-                <a:latin typeface="Adobe Hebrew" panose="02040503050201020203" pitchFamily="18" charset="-79"/>
-                <a:cs typeface="Adobe Hebrew" panose="02040503050201020203" pitchFamily="18" charset="-79"/>
-              </a:endParaRPr>
             </a:p>
           </p:txBody>
         </p:sp>
@@ -8435,7 +8423,7 @@
             <a:p>
               <a:pPr algn="ctr"/>
               <a:r>
-                <a:rPr lang="en-US" altLang="zh-CN" dirty="0" smtClean="0">
+                <a:rPr lang="en-US" altLang="zh-CN" dirty="0">
                   <a:solidFill>
                     <a:schemeClr val="accent5">
                       <a:lumMod val="75000"/>
@@ -8522,7 +8510,7 @@
             <a:p>
               <a:pPr algn="ctr"/>
               <a:r>
-                <a:rPr lang="en-US" dirty="0" smtClean="0">
+                <a:rPr lang="en-US" dirty="0">
                   <a:solidFill>
                     <a:schemeClr val="accent5">
                       <a:lumMod val="75000"/>
@@ -8533,15 +8521,6 @@
                 </a:rPr>
                 <a:t>16-bit data2</a:t>
               </a:r>
-              <a:endParaRPr lang="en-US" dirty="0">
-                <a:solidFill>
-                  <a:schemeClr val="accent5">
-                    <a:lumMod val="75000"/>
-                  </a:schemeClr>
-                </a:solidFill>
-                <a:latin typeface="Times New Roman" panose="02020603050405020304" pitchFamily="18" charset="0"/>
-                <a:cs typeface="Times New Roman" panose="02020603050405020304" pitchFamily="18" charset="0"/>
-              </a:endParaRPr>
             </a:p>
           </p:txBody>
         </p:sp>
@@ -8696,7 +8675,7 @@
             <a:p>
               <a:pPr algn="ctr"/>
               <a:r>
-                <a:rPr lang="en-US" dirty="0" smtClean="0">
+                <a:rPr lang="en-US" dirty="0">
                   <a:solidFill>
                     <a:schemeClr val="accent5">
                       <a:lumMod val="75000"/>
@@ -8707,15 +8686,6 @@
                 </a:rPr>
                 <a:t>14-bit data2</a:t>
               </a:r>
-              <a:endParaRPr lang="en-US" dirty="0">
-                <a:solidFill>
-                  <a:schemeClr val="accent5">
-                    <a:lumMod val="75000"/>
-                  </a:schemeClr>
-                </a:solidFill>
-                <a:latin typeface="Adobe Hebrew" panose="02040503050201020203" pitchFamily="18" charset="-79"/>
-                <a:cs typeface="Adobe Hebrew" panose="02040503050201020203" pitchFamily="18" charset="-79"/>
-              </a:endParaRPr>
             </a:p>
           </p:txBody>
         </p:sp>
@@ -8762,26 +8732,13 @@
             <a:p>
               <a:pPr algn="ctr"/>
               <a:r>
-                <a:rPr lang="en-US" dirty="0" smtClean="0">
+                <a:rPr lang="en-US" dirty="0">
                   <a:solidFill>
                     <a:schemeClr val="tx1"/>
                   </a:solidFill>
                 </a:rPr>
-                <a:t>FPGA </a:t>
+                <a:t>FPGA AI0</a:t>
               </a:r>
-              <a:r>
-                <a:rPr lang="en-US" dirty="0" smtClean="0">
-                  <a:solidFill>
-                    <a:schemeClr val="tx1"/>
-                  </a:solidFill>
-                </a:rPr>
-                <a:t>AI0</a:t>
-              </a:r>
-              <a:endParaRPr lang="en-US" dirty="0">
-                <a:solidFill>
-                  <a:schemeClr val="tx1"/>
-                </a:solidFill>
-              </a:endParaRPr>
             </a:p>
           </p:txBody>
         </p:sp>
@@ -8828,26 +8785,13 @@
             <a:p>
               <a:pPr algn="ctr"/>
               <a:r>
-                <a:rPr lang="en-US" dirty="0" smtClean="0">
+                <a:rPr lang="en-US" dirty="0">
                   <a:solidFill>
                     <a:schemeClr val="tx1"/>
                   </a:solidFill>
                 </a:rPr>
-                <a:t>FPGA </a:t>
+                <a:t>FPGA AI1</a:t>
               </a:r>
-              <a:r>
-                <a:rPr lang="en-US" dirty="0" smtClean="0">
-                  <a:solidFill>
-                    <a:schemeClr val="tx1"/>
-                  </a:solidFill>
-                </a:rPr>
-                <a:t>AI1</a:t>
-              </a:r>
-              <a:endParaRPr lang="en-US" dirty="0">
-                <a:solidFill>
-                  <a:schemeClr val="tx1"/>
-                </a:solidFill>
-              </a:endParaRPr>
             </a:p>
           </p:txBody>
         </p:sp>
@@ -9205,10 +9149,9 @@
             <a:lstStyle/>
             <a:p>
               <a:r>
-                <a:rPr lang="en-US" dirty="0" smtClean="0"/>
+                <a:rPr lang="en-US" dirty="0"/>
                 <a:t>64-bit data</a:t>
               </a:r>
-              <a:endParaRPr lang="en-US" dirty="0"/>
             </a:p>
           </p:txBody>
         </p:sp>
@@ -9244,19 +9187,8 @@
                   <a:latin typeface="Times New Roman" panose="02020603050405020304" pitchFamily="18" charset="0"/>
                   <a:cs typeface="Times New Roman" panose="02020603050405020304" pitchFamily="18" charset="0"/>
                 </a:rPr>
-                <a:t>x</a:t>
+                <a:t>xor:1000 0000 0000 0000</a:t>
               </a:r>
-              <a:r>
-                <a:rPr lang="en-US" sz="1100" dirty="0" smtClean="0">
-                  <a:latin typeface="Times New Roman" panose="02020603050405020304" pitchFamily="18" charset="0"/>
-                  <a:cs typeface="Times New Roman" panose="02020603050405020304" pitchFamily="18" charset="0"/>
-                </a:rPr>
-                <a:t>or:1000 0000 0000 0000</a:t>
-              </a:r>
-              <a:endParaRPr lang="en-US" sz="1100" dirty="0">
-                <a:latin typeface="Times New Roman" panose="02020603050405020304" pitchFamily="18" charset="0"/>
-                <a:cs typeface="Times New Roman" panose="02020603050405020304" pitchFamily="18" charset="0"/>
-              </a:endParaRPr>
             </a:p>
           </p:txBody>
         </p:sp>
@@ -9473,16 +9405,12 @@
             <a:p>
               <a:pPr algn="ctr"/>
               <a:r>
-                <a:rPr lang="en-US" sz="1100" dirty="0" smtClean="0">
+                <a:rPr lang="en-US" sz="1100" dirty="0">
                   <a:latin typeface="Times New Roman" panose="02020603050405020304" pitchFamily="18" charset="0"/>
                   <a:cs typeface="Times New Roman" panose="02020603050405020304" pitchFamily="18" charset="0"/>
                 </a:rPr>
                 <a:t>Accumulation</a:t>
               </a:r>
-              <a:endParaRPr lang="en-US" sz="1100" dirty="0">
-                <a:latin typeface="Times New Roman" panose="02020603050405020304" pitchFamily="18" charset="0"/>
-                <a:cs typeface="Times New Roman" panose="02020603050405020304" pitchFamily="18" charset="0"/>
-              </a:endParaRPr>
             </a:p>
           </p:txBody>
         </p:sp>
@@ -9565,7 +9493,7 @@
             <a:p>
               <a:pPr algn="ctr"/>
               <a:r>
-                <a:rPr lang="en-US" dirty="0" err="1" smtClean="0">
+                <a:rPr lang="en-US" dirty="0" err="1">
                   <a:solidFill>
                     <a:schemeClr val="tx1"/>
                   </a:solidFill>
@@ -9680,7 +9608,7 @@
             <a:p>
               <a:pPr algn="ctr"/>
               <a:r>
-                <a:rPr lang="en-US" altLang="zh-CN" dirty="0" smtClean="0">
+                <a:rPr lang="en-US" altLang="zh-CN" dirty="0">
                   <a:solidFill>
                     <a:schemeClr val="accent5">
                       <a:lumMod val="75000"/>
@@ -9767,7 +9695,7 @@
             <a:p>
               <a:pPr algn="ctr"/>
               <a:r>
-                <a:rPr lang="en-US" dirty="0" smtClean="0">
+                <a:rPr lang="en-US" dirty="0">
                   <a:solidFill>
                     <a:schemeClr val="accent5">
                       <a:lumMod val="75000"/>
@@ -9778,15 +9706,6 @@
                 </a:rPr>
                 <a:t>32-bit data2</a:t>
               </a:r>
-              <a:endParaRPr lang="en-US" dirty="0">
-                <a:solidFill>
-                  <a:schemeClr val="accent5">
-                    <a:lumMod val="75000"/>
-                  </a:schemeClr>
-                </a:solidFill>
-                <a:latin typeface="Adobe Hebrew" panose="02040503050201020203" pitchFamily="18" charset="-79"/>
-                <a:cs typeface="Adobe Hebrew" panose="02040503050201020203" pitchFamily="18" charset="-79"/>
-              </a:endParaRPr>
             </a:p>
           </p:txBody>
         </p:sp>
@@ -9900,7 +9819,7 @@
             <a:p>
               <a:pPr algn="ctr"/>
               <a:r>
-                <a:rPr lang="en-US" altLang="zh-CN" dirty="0" smtClean="0">
+                <a:rPr lang="en-US" altLang="zh-CN" dirty="0">
                   <a:solidFill>
                     <a:schemeClr val="accent5">
                       <a:lumMod val="75000"/>
@@ -9987,7 +9906,7 @@
             <a:p>
               <a:pPr algn="ctr"/>
               <a:r>
-                <a:rPr lang="en-US" dirty="0" smtClean="0">
+                <a:rPr lang="en-US" dirty="0">
                   <a:solidFill>
                     <a:schemeClr val="accent5">
                       <a:lumMod val="75000"/>
@@ -9998,15 +9917,6 @@
                 </a:rPr>
                 <a:t>32-bit data2</a:t>
               </a:r>
-              <a:endParaRPr lang="en-US" dirty="0">
-                <a:solidFill>
-                  <a:schemeClr val="accent5">
-                    <a:lumMod val="75000"/>
-                  </a:schemeClr>
-                </a:solidFill>
-                <a:latin typeface="Adobe Hebrew" panose="02040503050201020203" pitchFamily="18" charset="-79"/>
-                <a:cs typeface="Adobe Hebrew" panose="02040503050201020203" pitchFamily="18" charset="-79"/>
-              </a:endParaRPr>
             </a:p>
           </p:txBody>
         </p:sp>
@@ -10119,14 +10029,7 @@
                   <a:latin typeface="Times New Roman" panose="02020603050405020304" pitchFamily="18" charset="0"/>
                   <a:cs typeface="Times New Roman" panose="02020603050405020304" pitchFamily="18" charset="0"/>
                 </a:rPr>
-                <a:t>/</a:t>
-              </a:r>
-              <a:r>
-                <a:rPr lang="en-US" altLang="zh-CN" sz="1100" dirty="0" smtClean="0">
-                  <a:latin typeface="Times New Roman" panose="02020603050405020304" pitchFamily="18" charset="0"/>
-                  <a:cs typeface="Times New Roman" panose="02020603050405020304" pitchFamily="18" charset="0"/>
-                </a:rPr>
-                <a:t>2^(32)</a:t>
+                <a:t>/2^(32)</a:t>
               </a:r>
               <a:endParaRPr lang="en-US" sz="1100" dirty="0">
                 <a:latin typeface="Times New Roman" panose="02020603050405020304" pitchFamily="18" charset="0"/>
@@ -10162,16 +10065,12 @@
             <a:p>
               <a:pPr algn="ctr"/>
               <a:r>
-                <a:rPr lang="en-US" sz="1100" dirty="0" smtClean="0">
+                <a:rPr lang="en-US" sz="1100" dirty="0">
                   <a:latin typeface="Times New Roman" panose="02020603050405020304" pitchFamily="18" charset="0"/>
                   <a:cs typeface="Times New Roman" panose="02020603050405020304" pitchFamily="18" charset="0"/>
                 </a:rPr>
                 <a:t>IQ</a:t>
               </a:r>
-              <a:endParaRPr lang="en-US" sz="1100" dirty="0">
-                <a:latin typeface="Times New Roman" panose="02020603050405020304" pitchFamily="18" charset="0"/>
-                <a:cs typeface="Times New Roman" panose="02020603050405020304" pitchFamily="18" charset="0"/>
-              </a:endParaRPr>
             </a:p>
           </p:txBody>
         </p:sp>
@@ -10208,10 +10107,6 @@
                 </a:rPr>
                 <a:t>R</a:t>
               </a:r>
-              <a:endParaRPr lang="en-US" sz="1100" dirty="0">
-                <a:latin typeface="Times New Roman" panose="02020603050405020304" pitchFamily="18" charset="0"/>
-                <a:cs typeface="Times New Roman" panose="02020603050405020304" pitchFamily="18" charset="0"/>
-              </a:endParaRPr>
             </a:p>
           </p:txBody>
         </p:sp>
@@ -10279,7 +10174,7 @@
             <a:p>
               <a:pPr algn="ctr"/>
               <a:r>
-                <a:rPr lang="en-US" altLang="zh-CN" dirty="0" smtClean="0">
+                <a:rPr lang="en-US" altLang="zh-CN" dirty="0">
                   <a:solidFill>
                     <a:schemeClr val="accent5">
                       <a:lumMod val="75000"/>
@@ -10366,7 +10261,7 @@
             <a:p>
               <a:pPr algn="ctr"/>
               <a:r>
-                <a:rPr lang="en-US" dirty="0" smtClean="0">
+                <a:rPr lang="en-US" dirty="0">
                   <a:solidFill>
                     <a:schemeClr val="accent5">
                       <a:lumMod val="75000"/>
@@ -10377,15 +10272,6 @@
                 </a:rPr>
                 <a:t>double</a:t>
               </a:r>
-              <a:endParaRPr lang="en-US" dirty="0">
-                <a:solidFill>
-                  <a:schemeClr val="accent5">
-                    <a:lumMod val="75000"/>
-                  </a:schemeClr>
-                </a:solidFill>
-                <a:latin typeface="Adobe Hebrew" panose="02040503050201020203" pitchFamily="18" charset="-79"/>
-                <a:cs typeface="Adobe Hebrew" panose="02040503050201020203" pitchFamily="18" charset="-79"/>
-              </a:endParaRPr>
             </a:p>
           </p:txBody>
         </p:sp>
@@ -10424,10 +10310,6 @@
                 </a:rPr>
                 <a:t>Average</a:t>
               </a:r>
-              <a:endParaRPr lang="en-US" sz="1100" dirty="0">
-                <a:latin typeface="Times New Roman" panose="02020603050405020304" pitchFamily="18" charset="0"/>
-                <a:cs typeface="Times New Roman" panose="02020603050405020304" pitchFamily="18" charset="0"/>
-              </a:endParaRPr>
             </a:p>
           </p:txBody>
         </p:sp>
@@ -10639,30 +10521,6 @@
             <a:p>
               <a:pPr algn="ctr"/>
               <a:r>
-                <a:rPr lang="en-US" altLang="zh-CN" dirty="0" smtClean="0">
-                  <a:solidFill>
-                    <a:schemeClr val="accent5">
-                      <a:lumMod val="75000"/>
-                    </a:schemeClr>
-                  </a:solidFill>
-                  <a:latin typeface="Adobe Hebrew" panose="02040503050201020203" pitchFamily="18" charset="-79"/>
-                  <a:cs typeface="Adobe Hebrew" panose="02040503050201020203" pitchFamily="18" charset="-79"/>
-                </a:rPr>
-                <a:t>d</a:t>
-              </a:r>
-              <a:r>
-                <a:rPr lang="en-US" altLang="zh-CN" dirty="0" smtClean="0">
-                  <a:solidFill>
-                    <a:schemeClr val="accent5">
-                      <a:lumMod val="75000"/>
-                    </a:schemeClr>
-                  </a:solidFill>
-                  <a:latin typeface="Adobe Hebrew" panose="02040503050201020203" pitchFamily="18" charset="-79"/>
-                  <a:cs typeface="Adobe Hebrew" panose="02040503050201020203" pitchFamily="18" charset="-79"/>
-                </a:rPr>
-                <a:t>ouble</a:t>
-              </a:r>
-              <a:r>
                 <a:rPr lang="en-US" altLang="zh-CN" dirty="0">
                   <a:solidFill>
                     <a:schemeClr val="accent5">
@@ -10672,19 +10530,7 @@
                   <a:latin typeface="Adobe Hebrew" panose="02040503050201020203" pitchFamily="18" charset="-79"/>
                   <a:cs typeface="Adobe Hebrew" panose="02040503050201020203" pitchFamily="18" charset="-79"/>
                 </a:rPr>
-                <a:t> </a:t>
-              </a:r>
-              <a:r>
-                <a:rPr lang="en-US" altLang="zh-CN" dirty="0" smtClean="0">
-                  <a:solidFill>
-                    <a:schemeClr val="accent5">
-                      <a:lumMod val="75000"/>
-                    </a:schemeClr>
-                  </a:solidFill>
-                  <a:latin typeface="Adobe Hebrew" panose="02040503050201020203" pitchFamily="18" charset="-79"/>
-                  <a:cs typeface="Adobe Hebrew" panose="02040503050201020203" pitchFamily="18" charset="-79"/>
-                </a:rPr>
-                <a:t>in 255</a:t>
+                <a:t>double in 255</a:t>
               </a:r>
               <a:endParaRPr lang="en-US" dirty="0">
                 <a:solidFill>
@@ -10771,29 +10617,8 @@
                   <a:latin typeface="Adobe Hebrew" panose="02040503050201020203" pitchFamily="18" charset="-79"/>
                   <a:cs typeface="Adobe Hebrew" panose="02040503050201020203" pitchFamily="18" charset="-79"/>
                 </a:rPr>
-                <a:t>d</a:t>
+                <a:t>double in 255</a:t>
               </a:r>
-              <a:r>
-                <a:rPr lang="en-US" dirty="0" smtClean="0">
-                  <a:solidFill>
-                    <a:schemeClr val="accent5">
-                      <a:lumMod val="75000"/>
-                    </a:schemeClr>
-                  </a:solidFill>
-                  <a:latin typeface="Adobe Hebrew" panose="02040503050201020203" pitchFamily="18" charset="-79"/>
-                  <a:cs typeface="Adobe Hebrew" panose="02040503050201020203" pitchFamily="18" charset="-79"/>
-                </a:rPr>
-                <a:t>ouble in 255</a:t>
-              </a:r>
-              <a:endParaRPr lang="en-US" dirty="0">
-                <a:solidFill>
-                  <a:schemeClr val="accent5">
-                    <a:lumMod val="75000"/>
-                  </a:schemeClr>
-                </a:solidFill>
-                <a:latin typeface="Adobe Hebrew" panose="02040503050201020203" pitchFamily="18" charset="-79"/>
-                <a:cs typeface="Adobe Hebrew" panose="02040503050201020203" pitchFamily="18" charset="-79"/>
-              </a:endParaRPr>
             </a:p>
           </p:txBody>
         </p:sp>
@@ -10826,37 +10651,33 @@
             <a:p>
               <a:pPr algn="ctr"/>
               <a:r>
-                <a:rPr lang="en-US" sz="1100" dirty="0" smtClean="0">
+                <a:rPr lang="en-US" sz="1100" dirty="0">
                   <a:latin typeface="Times New Roman" panose="02020603050405020304" pitchFamily="18" charset="0"/>
                   <a:cs typeface="Times New Roman" panose="02020603050405020304" pitchFamily="18" charset="0"/>
                 </a:rPr>
                 <a:t>255</a:t>
               </a:r>
               <a:r>
-                <a:rPr lang="zh-CN" altLang="en-US" sz="1100" dirty="0" smtClean="0">
+                <a:rPr lang="zh-CN" altLang="en-US" sz="1100" dirty="0">
                   <a:latin typeface="Times New Roman" panose="02020603050405020304" pitchFamily="18" charset="0"/>
                   <a:cs typeface="Times New Roman" panose="02020603050405020304" pitchFamily="18" charset="0"/>
                 </a:rPr>
                 <a:t>*</a:t>
               </a:r>
               <a:r>
-                <a:rPr lang="en-US" altLang="zh-CN" sz="1100" dirty="0" smtClean="0">
+                <a:rPr lang="en-US" altLang="zh-CN" sz="1100" dirty="0">
                   <a:latin typeface="Times New Roman" panose="02020603050405020304" pitchFamily="18" charset="0"/>
                   <a:cs typeface="Times New Roman" panose="02020603050405020304" pitchFamily="18" charset="0"/>
                 </a:rPr>
                 <a:t>array.</a:t>
               </a:r>
               <a:r>
-                <a:rPr lang="en-US" sz="1100" dirty="0" smtClean="0">
+                <a:rPr lang="en-US" sz="1100" dirty="0">
                   <a:latin typeface="Times New Roman" panose="02020603050405020304" pitchFamily="18" charset="0"/>
                   <a:cs typeface="Times New Roman" panose="02020603050405020304" pitchFamily="18" charset="0"/>
                 </a:rPr>
                 <a:t>/max(array)</a:t>
               </a:r>
-              <a:endParaRPr lang="en-US" sz="1100" dirty="0">
-                <a:latin typeface="Times New Roman" panose="02020603050405020304" pitchFamily="18" charset="0"/>
-                <a:cs typeface="Times New Roman" panose="02020603050405020304" pitchFamily="18" charset="0"/>
-              </a:endParaRPr>
             </a:p>
           </p:txBody>
         </p:sp>
@@ -11047,7 +10868,7 @@
             <a:p>
               <a:pPr algn="ctr"/>
               <a:r>
-                <a:rPr lang="en-US" dirty="0" err="1" smtClean="0">
+                <a:rPr lang="en-US" dirty="0" err="1">
                   <a:solidFill>
                     <a:schemeClr val="tx1"/>
                   </a:solidFill>
@@ -11162,7 +10983,7 @@
             <a:p>
               <a:pPr algn="ctr"/>
               <a:r>
-                <a:rPr lang="en-US" dirty="0" smtClean="0">
+                <a:rPr lang="en-US" dirty="0">
                   <a:solidFill>
                     <a:schemeClr val="accent5">
                       <a:lumMod val="75000"/>
@@ -11174,7 +10995,7 @@
                 <a:t>8-bit data</a:t>
               </a:r>
               <a:r>
-                <a:rPr lang="en-US" altLang="zh-CN" dirty="0" smtClean="0">
+                <a:rPr lang="en-US" altLang="zh-CN" dirty="0">
                   <a:solidFill>
                     <a:schemeClr val="accent5">
                       <a:lumMod val="75000"/>
@@ -11261,7 +11082,7 @@
             <a:p>
               <a:pPr algn="ctr"/>
               <a:r>
-                <a:rPr lang="en-US" dirty="0" smtClean="0">
+                <a:rPr lang="en-US" dirty="0">
                   <a:solidFill>
                     <a:schemeClr val="accent5">
                       <a:lumMod val="75000"/>
@@ -11273,7 +11094,7 @@
                 <a:t>8-bit data</a:t>
               </a:r>
               <a:r>
-                <a:rPr lang="en-US" altLang="zh-CN" dirty="0" smtClean="0">
+                <a:rPr lang="en-US" altLang="zh-CN" dirty="0">
                   <a:solidFill>
                     <a:schemeClr val="accent5">
                       <a:lumMod val="75000"/>
@@ -11623,7 +11444,7 @@
             <a:p>
               <a:pPr algn="ctr"/>
               <a:r>
-                <a:rPr lang="en-US" altLang="zh-CN" sz="1100" dirty="0" smtClean="0">
+                <a:rPr lang="en-US" altLang="zh-CN" sz="1100" dirty="0">
                   <a:latin typeface="Times New Roman" panose="02020603050405020304" pitchFamily="18" charset="0"/>
                   <a:cs typeface="Times New Roman" panose="02020603050405020304" pitchFamily="18" charset="0"/>
                 </a:rPr>
@@ -11665,7 +11486,7 @@
             <a:p>
               <a:pPr algn="ctr"/>
               <a:r>
-                <a:rPr lang="en-US" altLang="zh-CN" sz="1100" dirty="0" smtClean="0">
+                <a:rPr lang="en-US" altLang="zh-CN" sz="1100" dirty="0">
                   <a:latin typeface="Times New Roman" panose="02020603050405020304" pitchFamily="18" charset="0"/>
                   <a:cs typeface="Times New Roman" panose="02020603050405020304" pitchFamily="18" charset="0"/>
                 </a:rPr>
@@ -12139,19 +11960,7 @@
                   <a:latin typeface="Adobe Hebrew" panose="02040503050201020203" pitchFamily="18" charset="-79"/>
                   <a:cs typeface="Adobe Hebrew" panose="02040503050201020203" pitchFamily="18" charset="-79"/>
                 </a:rPr>
-                <a:t>32-bit </a:t>
-              </a:r>
-              <a:r>
-                <a:rPr lang="en-US" altLang="zh-CN" dirty="0" smtClean="0">
-                  <a:solidFill>
-                    <a:schemeClr val="accent5">
-                      <a:lumMod val="75000"/>
-                    </a:schemeClr>
-                  </a:solidFill>
-                  <a:latin typeface="Adobe Hebrew" panose="02040503050201020203" pitchFamily="18" charset="-79"/>
-                  <a:cs typeface="Adobe Hebrew" panose="02040503050201020203" pitchFamily="18" charset="-79"/>
-                </a:rPr>
-                <a:t>data1</a:t>
+                <a:t>32-bit data1</a:t>
               </a:r>
               <a:endParaRPr lang="en-US" dirty="0">
                 <a:solidFill>
@@ -12290,19 +12099,7 @@
                   <a:latin typeface="Adobe Hebrew" panose="02040503050201020203" pitchFamily="18" charset="-79"/>
                   <a:cs typeface="Adobe Hebrew" panose="02040503050201020203" pitchFamily="18" charset="-79"/>
                 </a:rPr>
-                <a:t>32-bit </a:t>
-              </a:r>
-              <a:r>
-                <a:rPr lang="en-US" altLang="zh-CN" dirty="0" smtClean="0">
-                  <a:solidFill>
-                    <a:schemeClr val="accent5">
-                      <a:lumMod val="75000"/>
-                    </a:schemeClr>
-                  </a:solidFill>
-                  <a:latin typeface="Adobe Hebrew" panose="02040503050201020203" pitchFamily="18" charset="-79"/>
-                  <a:cs typeface="Adobe Hebrew" panose="02040503050201020203" pitchFamily="18" charset="-79"/>
-                </a:rPr>
-                <a:t>data2</a:t>
+                <a:t>32-bit data2</a:t>
               </a:r>
               <a:endParaRPr lang="en-US" dirty="0">
                 <a:solidFill>
@@ -12343,14 +12140,14 @@
             <a:p>
               <a:pPr algn="ctr"/>
               <a:r>
-                <a:rPr lang="en-US" sz="1000" i="1" dirty="0" smtClean="0">
+                <a:rPr lang="en-US" sz="1000" i="1" dirty="0">
                   <a:latin typeface="Times New Roman" panose="02020603050405020304" pitchFamily="18" charset="0"/>
                   <a:cs typeface="Times New Roman" panose="02020603050405020304" pitchFamily="18" charset="0"/>
                 </a:rPr>
                 <a:t>D</a:t>
               </a:r>
               <a:r>
-                <a:rPr lang="en-US" altLang="zh-CN" sz="1000" i="1" dirty="0" smtClean="0">
+                <a:rPr lang="en-US" altLang="zh-CN" sz="1000" i="1" dirty="0">
                   <a:latin typeface="Times New Roman" panose="02020603050405020304" pitchFamily="18" charset="0"/>
                   <a:cs typeface="Times New Roman" panose="02020603050405020304" pitchFamily="18" charset="0"/>
                 </a:rPr>
@@ -12396,19 +12193,7 @@
                   <a:latin typeface="Adobe Hebrew" panose="02040503050201020203" pitchFamily="18" charset="-79"/>
                   <a:cs typeface="Adobe Hebrew" panose="02040503050201020203" pitchFamily="18" charset="-79"/>
                 </a:rPr>
-                <a:t>32-bit </a:t>
-              </a:r>
-              <a:r>
-                <a:rPr lang="en-US" altLang="zh-CN" dirty="0" smtClean="0">
-                  <a:solidFill>
-                    <a:schemeClr val="accent5">
-                      <a:lumMod val="75000"/>
-                    </a:schemeClr>
-                  </a:solidFill>
-                  <a:latin typeface="Adobe Hebrew" panose="02040503050201020203" pitchFamily="18" charset="-79"/>
-                  <a:cs typeface="Adobe Hebrew" panose="02040503050201020203" pitchFamily="18" charset="-79"/>
-                </a:rPr>
-                <a:t>data1</a:t>
+                <a:t>32-bit data1</a:t>
               </a:r>
               <a:endParaRPr lang="en-US" dirty="0">
                 <a:solidFill>
@@ -12455,19 +12240,7 @@
                   <a:latin typeface="Adobe Hebrew" panose="02040503050201020203" pitchFamily="18" charset="-79"/>
                   <a:cs typeface="Adobe Hebrew" panose="02040503050201020203" pitchFamily="18" charset="-79"/>
                 </a:rPr>
-                <a:t>32-bit </a:t>
-              </a:r>
-              <a:r>
-                <a:rPr lang="en-US" altLang="zh-CN" dirty="0" smtClean="0">
-                  <a:solidFill>
-                    <a:schemeClr val="accent5">
-                      <a:lumMod val="75000"/>
-                    </a:schemeClr>
-                  </a:solidFill>
-                  <a:latin typeface="Adobe Hebrew" panose="02040503050201020203" pitchFamily="18" charset="-79"/>
-                  <a:cs typeface="Adobe Hebrew" panose="02040503050201020203" pitchFamily="18" charset="-79"/>
-                </a:rPr>
-                <a:t>data2</a:t>
+                <a:t>32-bit data2</a:t>
               </a:r>
               <a:endParaRPr lang="en-US" dirty="0">
                 <a:solidFill>
@@ -12524,18 +12297,13 @@
             <a:p>
               <a:pPr algn="ctr"/>
               <a:r>
-                <a:rPr lang="en-US" dirty="0" smtClean="0">
+                <a:rPr lang="en-US" dirty="0">
                   <a:solidFill>
                     <a:schemeClr val="tx1"/>
                   </a:solidFill>
                 </a:rPr>
                 <a:t>IMAQ</a:t>
               </a:r>
-              <a:endParaRPr lang="en-US" dirty="0">
-                <a:solidFill>
-                  <a:schemeClr val="tx1"/>
-                </a:solidFill>
-              </a:endParaRPr>
             </a:p>
           </p:txBody>
         </p:sp>
@@ -12987,6 +12755,1191 @@
     <p:extLst>
       <p:ext uri="{BB962C8B-B14F-4D97-AF65-F5344CB8AC3E}">
         <p14:creationId xmlns:p14="http://schemas.microsoft.com/office/powerpoint/2010/main" val="4049900033"/>
+      </p:ext>
+    </p:extLst>
+  </p:cSld>
+  <p:clrMapOvr>
+    <a:masterClrMapping/>
+  </p:clrMapOvr>
+</p:sld>
+</file>
+
+<file path=ppt/slides/slide8.xml><?xml version="1.0" encoding="utf-8"?>
+<p:sld xmlns:a="http://schemas.openxmlformats.org/drawingml/2006/main" xmlns:r="http://schemas.openxmlformats.org/officeDocument/2006/relationships" xmlns:p="http://schemas.openxmlformats.org/presentationml/2006/main">
+  <p:cSld>
+    <p:spTree>
+      <p:nvGrpSpPr>
+        <p:cNvPr id="1" name=""/>
+        <p:cNvGrpSpPr/>
+        <p:nvPr/>
+      </p:nvGrpSpPr>
+      <p:grpSpPr>
+        <a:xfrm>
+          <a:off x="0" y="0"/>
+          <a:ext cx="0" cy="0"/>
+          <a:chOff x="0" y="0"/>
+          <a:chExt cx="0" cy="0"/>
+        </a:xfrm>
+      </p:grpSpPr>
+      <p:sp>
+        <p:nvSpPr>
+          <p:cNvPr id="2" name="矩形 1">
+            <a:extLst>
+              <a:ext uri="{FF2B5EF4-FFF2-40B4-BE49-F238E27FC236}">
+                <a16:creationId xmlns:a16="http://schemas.microsoft.com/office/drawing/2014/main" id="{DD1CD5F8-491D-4465-B95D-357CDFD7AF30}"/>
+              </a:ext>
+            </a:extLst>
+          </p:cNvPr>
+          <p:cNvSpPr/>
+          <p:nvPr/>
+        </p:nvSpPr>
+        <p:spPr>
+          <a:xfrm>
+            <a:off x="4863607" y="3267419"/>
+            <a:ext cx="1659898" cy="739674"/>
+          </a:xfrm>
+          <a:prstGeom prst="rect">
+            <a:avLst/>
+          </a:prstGeom>
+          <a:solidFill>
+            <a:schemeClr val="accent1"/>
+          </a:solidFill>
+          <a:ln>
+            <a:noFill/>
+          </a:ln>
+        </p:spPr>
+        <p:style>
+          <a:lnRef idx="2">
+            <a:schemeClr val="accent1">
+              <a:shade val="50000"/>
+            </a:schemeClr>
+          </a:lnRef>
+          <a:fillRef idx="1">
+            <a:schemeClr val="accent1"/>
+          </a:fillRef>
+          <a:effectRef idx="0">
+            <a:schemeClr val="accent1"/>
+          </a:effectRef>
+          <a:fontRef idx="minor">
+            <a:schemeClr val="lt1"/>
+          </a:fontRef>
+        </p:style>
+        <p:txBody>
+          <a:bodyPr rtlCol="0" anchor="ctr"/>
+          <a:lstStyle/>
+          <a:p>
+            <a:pPr algn="ctr"/>
+            <a:r>
+              <a:rPr lang="en-US" altLang="zh-CN" sz="1400" dirty="0">
+                <a:latin typeface="Century Gothic" panose="020B0502020202020204" pitchFamily="34" charset="0"/>
+              </a:rPr>
+              <a:t>64bit Two Channel Data</a:t>
+            </a:r>
+            <a:endParaRPr lang="zh-CN" altLang="en-US" sz="1400" dirty="0">
+              <a:latin typeface="Century Gothic" panose="020B0502020202020204" pitchFamily="34" charset="0"/>
+            </a:endParaRPr>
+          </a:p>
+        </p:txBody>
+      </p:sp>
+      <p:sp>
+        <p:nvSpPr>
+          <p:cNvPr id="3" name="矩形 2">
+            <a:extLst>
+              <a:ext uri="{FF2B5EF4-FFF2-40B4-BE49-F238E27FC236}">
+                <a16:creationId xmlns:a16="http://schemas.microsoft.com/office/drawing/2014/main" id="{DCFF8089-DC43-42EB-A154-64E160E011D9}"/>
+              </a:ext>
+            </a:extLst>
+          </p:cNvPr>
+          <p:cNvSpPr/>
+          <p:nvPr/>
+        </p:nvSpPr>
+        <p:spPr>
+          <a:xfrm>
+            <a:off x="9617295" y="3267419"/>
+            <a:ext cx="1659898" cy="739674"/>
+          </a:xfrm>
+          <a:prstGeom prst="rect">
+            <a:avLst/>
+          </a:prstGeom>
+          <a:solidFill>
+            <a:schemeClr val="accent1"/>
+          </a:solidFill>
+          <a:ln>
+            <a:noFill/>
+          </a:ln>
+        </p:spPr>
+        <p:style>
+          <a:lnRef idx="2">
+            <a:schemeClr val="accent1">
+              <a:shade val="50000"/>
+            </a:schemeClr>
+          </a:lnRef>
+          <a:fillRef idx="1">
+            <a:schemeClr val="accent1"/>
+          </a:fillRef>
+          <a:effectRef idx="0">
+            <a:schemeClr val="accent1"/>
+          </a:effectRef>
+          <a:fontRef idx="minor">
+            <a:schemeClr val="lt1"/>
+          </a:fontRef>
+        </p:style>
+        <p:txBody>
+          <a:bodyPr rtlCol="0" anchor="ctr"/>
+          <a:lstStyle/>
+          <a:p>
+            <a:pPr algn="ctr"/>
+            <a:r>
+              <a:rPr lang="en-US" altLang="zh-CN" sz="1400" dirty="0">
+                <a:latin typeface="Century Gothic" panose="020B0502020202020204" pitchFamily="34" charset="0"/>
+              </a:rPr>
+              <a:t>enqueue</a:t>
+            </a:r>
+            <a:endParaRPr lang="zh-CN" altLang="en-US" sz="1400" dirty="0">
+              <a:latin typeface="Century Gothic" panose="020B0502020202020204" pitchFamily="34" charset="0"/>
+            </a:endParaRPr>
+          </a:p>
+        </p:txBody>
+      </p:sp>
+      <p:sp>
+        <p:nvSpPr>
+          <p:cNvPr id="4" name="椭圆 3">
+            <a:extLst>
+              <a:ext uri="{FF2B5EF4-FFF2-40B4-BE49-F238E27FC236}">
+                <a16:creationId xmlns:a16="http://schemas.microsoft.com/office/drawing/2014/main" id="{62548370-00D2-43E9-A4E5-C67529B2B1B0}"/>
+              </a:ext>
+            </a:extLst>
+          </p:cNvPr>
+          <p:cNvSpPr/>
+          <p:nvPr/>
+        </p:nvSpPr>
+        <p:spPr>
+          <a:xfrm>
+            <a:off x="276482" y="3177769"/>
+            <a:ext cx="2160000" cy="720000"/>
+          </a:xfrm>
+          <a:prstGeom prst="ellipse">
+            <a:avLst/>
+          </a:prstGeom>
+          <a:noFill/>
+          <a:ln>
+            <a:solidFill>
+              <a:srgbClr val="FF0000"/>
+            </a:solidFill>
+          </a:ln>
+        </p:spPr>
+        <p:style>
+          <a:lnRef idx="2">
+            <a:schemeClr val="accent1">
+              <a:shade val="50000"/>
+            </a:schemeClr>
+          </a:lnRef>
+          <a:fillRef idx="1">
+            <a:schemeClr val="accent1"/>
+          </a:fillRef>
+          <a:effectRef idx="0">
+            <a:schemeClr val="accent1"/>
+          </a:effectRef>
+          <a:fontRef idx="minor">
+            <a:schemeClr val="lt1"/>
+          </a:fontRef>
+        </p:style>
+        <p:txBody>
+          <a:bodyPr rtlCol="0" anchor="ctr"/>
+          <a:lstStyle/>
+          <a:p>
+            <a:pPr algn="ctr"/>
+            <a:r>
+              <a:rPr lang="en-US" altLang="zh-CN" sz="1400" dirty="0">
+                <a:solidFill>
+                  <a:schemeClr val="tx1"/>
+                </a:solidFill>
+                <a:latin typeface="Century Gothic" panose="020B0502020202020204" pitchFamily="34" charset="0"/>
+              </a:rPr>
+              <a:t>FPGA Run</a:t>
+            </a:r>
+            <a:endParaRPr lang="zh-CN" altLang="en-US" sz="1400" dirty="0">
+              <a:solidFill>
+                <a:schemeClr val="tx1"/>
+              </a:solidFill>
+              <a:latin typeface="Century Gothic" panose="020B0502020202020204" pitchFamily="34" charset="0"/>
+            </a:endParaRPr>
+          </a:p>
+        </p:txBody>
+      </p:sp>
+      <p:cxnSp>
+        <p:nvCxnSpPr>
+          <p:cNvPr id="6" name="直接箭头连接符 5">
+            <a:extLst>
+              <a:ext uri="{FF2B5EF4-FFF2-40B4-BE49-F238E27FC236}">
+                <a16:creationId xmlns:a16="http://schemas.microsoft.com/office/drawing/2014/main" id="{82128A9B-52E6-4626-A934-47A9CAEA464E}"/>
+              </a:ext>
+            </a:extLst>
+          </p:cNvPr>
+          <p:cNvCxnSpPr>
+            <a:stCxn id="2" idx="3"/>
+            <a:endCxn id="3" idx="1"/>
+          </p:cNvCxnSpPr>
+          <p:nvPr/>
+        </p:nvCxnSpPr>
+        <p:spPr>
+          <a:xfrm>
+            <a:off x="6523505" y="3637256"/>
+            <a:ext cx="3093790" cy="0"/>
+          </a:xfrm>
+          <a:prstGeom prst="straightConnector1">
+            <a:avLst/>
+          </a:prstGeom>
+          <a:ln>
+            <a:tailEnd type="triangle"/>
+          </a:ln>
+        </p:spPr>
+        <p:style>
+          <a:lnRef idx="1">
+            <a:schemeClr val="accent1"/>
+          </a:lnRef>
+          <a:fillRef idx="0">
+            <a:schemeClr val="accent1"/>
+          </a:fillRef>
+          <a:effectRef idx="0">
+            <a:schemeClr val="accent1"/>
+          </a:effectRef>
+          <a:fontRef idx="minor">
+            <a:schemeClr val="tx1"/>
+          </a:fontRef>
+        </p:style>
+      </p:cxnSp>
+      <p:grpSp>
+        <p:nvGrpSpPr>
+          <p:cNvPr id="53" name="组合 52">
+            <a:extLst>
+              <a:ext uri="{FF2B5EF4-FFF2-40B4-BE49-F238E27FC236}">
+                <a16:creationId xmlns:a16="http://schemas.microsoft.com/office/drawing/2014/main" id="{0C849FF1-C2B6-4DFD-A22A-078A6CF2B51E}"/>
+              </a:ext>
+            </a:extLst>
+          </p:cNvPr>
+          <p:cNvGrpSpPr/>
+          <p:nvPr/>
+        </p:nvGrpSpPr>
+        <p:grpSpPr>
+          <a:xfrm>
+            <a:off x="3182921" y="462412"/>
+            <a:ext cx="5576678" cy="4080513"/>
+            <a:chOff x="3025672" y="380876"/>
+            <a:chExt cx="5576678" cy="4080513"/>
+          </a:xfrm>
+        </p:grpSpPr>
+        <p:sp>
+          <p:nvSpPr>
+            <p:cNvPr id="8" name="矩形 7">
+              <a:extLst>
+                <a:ext uri="{FF2B5EF4-FFF2-40B4-BE49-F238E27FC236}">
+                  <a16:creationId xmlns:a16="http://schemas.microsoft.com/office/drawing/2014/main" id="{3C10D690-095B-4A77-A4F7-09312192380E}"/>
+                </a:ext>
+              </a:extLst>
+            </p:cNvPr>
+            <p:cNvSpPr/>
+            <p:nvPr/>
+          </p:nvSpPr>
+          <p:spPr>
+            <a:xfrm>
+              <a:off x="3025672" y="693417"/>
+              <a:ext cx="5576678" cy="3767972"/>
+            </a:xfrm>
+            <a:prstGeom prst="rect">
+              <a:avLst/>
+            </a:prstGeom>
+            <a:noFill/>
+          </p:spPr>
+          <p:style>
+            <a:lnRef idx="2">
+              <a:schemeClr val="accent1">
+                <a:shade val="50000"/>
+              </a:schemeClr>
+            </a:lnRef>
+            <a:fillRef idx="1">
+              <a:schemeClr val="accent1"/>
+            </a:fillRef>
+            <a:effectRef idx="0">
+              <a:schemeClr val="accent1"/>
+            </a:effectRef>
+            <a:fontRef idx="minor">
+              <a:schemeClr val="lt1"/>
+            </a:fontRef>
+          </p:style>
+          <p:txBody>
+            <a:bodyPr rtlCol="0" anchor="ctr"/>
+            <a:lstStyle/>
+            <a:p>
+              <a:pPr algn="ctr"/>
+              <a:endParaRPr lang="zh-CN" altLang="en-US" sz="1400">
+                <a:latin typeface="Century Gothic" panose="020B0502020202020204" pitchFamily="34" charset="0"/>
+              </a:endParaRPr>
+            </a:p>
+          </p:txBody>
+        </p:sp>
+        <p:sp>
+          <p:nvSpPr>
+            <p:cNvPr id="9" name="文本框 8">
+              <a:extLst>
+                <a:ext uri="{FF2B5EF4-FFF2-40B4-BE49-F238E27FC236}">
+                  <a16:creationId xmlns:a16="http://schemas.microsoft.com/office/drawing/2014/main" id="{6C6255F5-5A69-430B-90F1-51F312944507}"/>
+                </a:ext>
+              </a:extLst>
+            </p:cNvPr>
+            <p:cNvSpPr txBox="1"/>
+            <p:nvPr/>
+          </p:nvSpPr>
+          <p:spPr>
+            <a:xfrm>
+              <a:off x="3025672" y="380876"/>
+              <a:ext cx="2422869" cy="307777"/>
+            </a:xfrm>
+            <a:prstGeom prst="rect">
+              <a:avLst/>
+            </a:prstGeom>
+            <a:noFill/>
+          </p:spPr>
+          <p:txBody>
+            <a:bodyPr wrap="square" rtlCol="0">
+              <a:spAutoFit/>
+            </a:bodyPr>
+            <a:lstStyle/>
+            <a:p>
+              <a:r>
+                <a:rPr lang="en-US" altLang="zh-CN" sz="1400" dirty="0">
+                  <a:latin typeface="Century Gothic" panose="020B0502020202020204" pitchFamily="34" charset="0"/>
+                </a:rPr>
+                <a:t>MultiChannel_Read.vi</a:t>
+              </a:r>
+              <a:endParaRPr lang="zh-CN" altLang="en-US" sz="1400" dirty="0">
+                <a:latin typeface="Century Gothic" panose="020B0502020202020204" pitchFamily="34" charset="0"/>
+              </a:endParaRPr>
+            </a:p>
+          </p:txBody>
+        </p:sp>
+      </p:grpSp>
+      <p:sp>
+        <p:nvSpPr>
+          <p:cNvPr id="12" name="椭圆 11">
+            <a:extLst>
+              <a:ext uri="{FF2B5EF4-FFF2-40B4-BE49-F238E27FC236}">
+                <a16:creationId xmlns:a16="http://schemas.microsoft.com/office/drawing/2014/main" id="{635A947F-35B3-4B0C-8637-DDDA4FF73513}"/>
+              </a:ext>
+            </a:extLst>
+          </p:cNvPr>
+          <p:cNvSpPr/>
+          <p:nvPr/>
+        </p:nvSpPr>
+        <p:spPr>
+          <a:xfrm>
+            <a:off x="4613556" y="1787496"/>
+            <a:ext cx="2160000" cy="720000"/>
+          </a:xfrm>
+          <a:prstGeom prst="ellipse">
+            <a:avLst/>
+          </a:prstGeom>
+          <a:noFill/>
+          <a:ln>
+            <a:solidFill>
+              <a:srgbClr val="FF0000"/>
+            </a:solidFill>
+          </a:ln>
+        </p:spPr>
+        <p:style>
+          <a:lnRef idx="2">
+            <a:schemeClr val="accent1">
+              <a:shade val="50000"/>
+            </a:schemeClr>
+          </a:lnRef>
+          <a:fillRef idx="1">
+            <a:schemeClr val="accent1"/>
+          </a:fillRef>
+          <a:effectRef idx="0">
+            <a:schemeClr val="accent1"/>
+          </a:effectRef>
+          <a:fontRef idx="minor">
+            <a:schemeClr val="lt1"/>
+          </a:fontRef>
+        </p:style>
+        <p:txBody>
+          <a:bodyPr rtlCol="0" anchor="ctr"/>
+          <a:lstStyle/>
+          <a:p>
+            <a:pPr algn="ctr"/>
+            <a:r>
+              <a:rPr lang="en-US" altLang="zh-CN" sz="1400" dirty="0">
+                <a:solidFill>
+                  <a:schemeClr val="tx1"/>
+                </a:solidFill>
+                <a:latin typeface="Century Gothic" panose="020B0502020202020204" pitchFamily="34" charset="0"/>
+              </a:rPr>
+              <a:t>“Multi-Channel” FIFO Read</a:t>
+            </a:r>
+            <a:endParaRPr lang="zh-CN" altLang="en-US" sz="1400" dirty="0">
+              <a:solidFill>
+                <a:schemeClr val="tx1"/>
+              </a:solidFill>
+              <a:latin typeface="Century Gothic" panose="020B0502020202020204" pitchFamily="34" charset="0"/>
+            </a:endParaRPr>
+          </a:p>
+        </p:txBody>
+      </p:sp>
+      <p:cxnSp>
+        <p:nvCxnSpPr>
+          <p:cNvPr id="13" name="直接箭头连接符 12">
+            <a:extLst>
+              <a:ext uri="{FF2B5EF4-FFF2-40B4-BE49-F238E27FC236}">
+                <a16:creationId xmlns:a16="http://schemas.microsoft.com/office/drawing/2014/main" id="{E6D0A8DD-E6A4-4234-B4B2-7D7FFD8D46B4}"/>
+              </a:ext>
+            </a:extLst>
+          </p:cNvPr>
+          <p:cNvCxnSpPr>
+            <a:cxnSpLocks/>
+            <a:stCxn id="12" idx="4"/>
+            <a:endCxn id="2" idx="0"/>
+          </p:cNvCxnSpPr>
+          <p:nvPr/>
+        </p:nvCxnSpPr>
+        <p:spPr>
+          <a:xfrm>
+            <a:off x="5693556" y="2507496"/>
+            <a:ext cx="0" cy="759923"/>
+          </a:xfrm>
+          <a:prstGeom prst="straightConnector1">
+            <a:avLst/>
+          </a:prstGeom>
+          <a:ln>
+            <a:tailEnd type="triangle"/>
+          </a:ln>
+        </p:spPr>
+        <p:style>
+          <a:lnRef idx="1">
+            <a:schemeClr val="accent1"/>
+          </a:lnRef>
+          <a:fillRef idx="0">
+            <a:schemeClr val="accent1"/>
+          </a:fillRef>
+          <a:effectRef idx="0">
+            <a:schemeClr val="accent1"/>
+          </a:effectRef>
+          <a:fontRef idx="minor">
+            <a:schemeClr val="tx1"/>
+          </a:fontRef>
+        </p:style>
+      </p:cxnSp>
+      <p:sp>
+        <p:nvSpPr>
+          <p:cNvPr id="22" name="文本框 21">
+            <a:extLst>
+              <a:ext uri="{FF2B5EF4-FFF2-40B4-BE49-F238E27FC236}">
+                <a16:creationId xmlns:a16="http://schemas.microsoft.com/office/drawing/2014/main" id="{88FBD3A6-B920-4D46-B99D-697D0DA42970}"/>
+              </a:ext>
+            </a:extLst>
+          </p:cNvPr>
+          <p:cNvSpPr txBox="1"/>
+          <p:nvPr/>
+        </p:nvSpPr>
+        <p:spPr>
+          <a:xfrm>
+            <a:off x="3631787" y="1272734"/>
+            <a:ext cx="3156719" cy="307777"/>
+          </a:xfrm>
+          <a:prstGeom prst="rect">
+            <a:avLst/>
+          </a:prstGeom>
+          <a:noFill/>
+        </p:spPr>
+        <p:txBody>
+          <a:bodyPr wrap="square" rtlCol="0">
+            <a:spAutoFit/>
+          </a:bodyPr>
+          <a:lstStyle/>
+          <a:p>
+            <a:r>
+              <a:rPr lang="en-US" altLang="zh-CN" sz="1400" dirty="0" err="1">
+                <a:latin typeface="Century Gothic" panose="020B0502020202020204" pitchFamily="34" charset="0"/>
+              </a:rPr>
+              <a:t>N</a:t>
+            </a:r>
+            <a:r>
+              <a:rPr lang="en-US" altLang="zh-CN" sz="1400" baseline="-25000" dirty="0" err="1">
+                <a:latin typeface="Century Gothic" panose="020B0502020202020204" pitchFamily="34" charset="0"/>
+              </a:rPr>
+              <a:t>acq</a:t>
+            </a:r>
+            <a:r>
+              <a:rPr lang="en-US" altLang="zh-CN" sz="1400" dirty="0">
+                <a:latin typeface="Century Gothic" panose="020B0502020202020204" pitchFamily="34" charset="0"/>
+              </a:rPr>
+              <a:t> == </a:t>
+            </a:r>
+            <a:r>
+              <a:rPr lang="en-US" altLang="zh-CN" sz="1400" b="1" i="1" dirty="0" err="1">
+                <a:latin typeface="Century Gothic" panose="020B0502020202020204" pitchFamily="34" charset="0"/>
+              </a:rPr>
+              <a:t>Xnumber</a:t>
+            </a:r>
+            <a:endParaRPr lang="zh-CN" altLang="en-US" sz="1400" b="1" i="1" dirty="0">
+              <a:latin typeface="Century Gothic" panose="020B0502020202020204" pitchFamily="34" charset="0"/>
+            </a:endParaRPr>
+          </a:p>
+        </p:txBody>
+      </p:sp>
+      <p:sp>
+        <p:nvSpPr>
+          <p:cNvPr id="23" name="矩形 22">
+            <a:extLst>
+              <a:ext uri="{FF2B5EF4-FFF2-40B4-BE49-F238E27FC236}">
+                <a16:creationId xmlns:a16="http://schemas.microsoft.com/office/drawing/2014/main" id="{FD1A4A72-11CA-4097-B3C9-D1F0F70F47F8}"/>
+              </a:ext>
+            </a:extLst>
+          </p:cNvPr>
+          <p:cNvSpPr/>
+          <p:nvPr/>
+        </p:nvSpPr>
+        <p:spPr>
+          <a:xfrm>
+            <a:off x="5693555" y="2605227"/>
+            <a:ext cx="1867307" cy="523220"/>
+          </a:xfrm>
+          <a:prstGeom prst="rect">
+            <a:avLst/>
+          </a:prstGeom>
+        </p:spPr>
+        <p:txBody>
+          <a:bodyPr wrap="square">
+            <a:spAutoFit/>
+          </a:bodyPr>
+          <a:lstStyle/>
+          <a:p>
+            <a:r>
+              <a:rPr lang="en-US" altLang="zh-CN" sz="1400" dirty="0">
+                <a:latin typeface="Century Gothic" panose="020B0502020202020204" pitchFamily="34" charset="0"/>
+              </a:rPr>
+              <a:t>Read </a:t>
+            </a:r>
+            <a:r>
+              <a:rPr lang="en-US" altLang="zh-CN" sz="1400" b="1" i="1" dirty="0" err="1">
+                <a:latin typeface="Century Gothic" panose="020B0502020202020204" pitchFamily="34" charset="0"/>
+              </a:rPr>
+              <a:t>Ynumber</a:t>
+            </a:r>
+            <a:r>
+              <a:rPr lang="en-US" altLang="zh-CN" sz="1400" i="1" dirty="0">
+                <a:latin typeface="Century Gothic" panose="020B0502020202020204" pitchFamily="34" charset="0"/>
+              </a:rPr>
+              <a:t> elements per time</a:t>
+            </a:r>
+            <a:endParaRPr lang="zh-CN" altLang="en-US" sz="1400" i="1" dirty="0">
+              <a:latin typeface="Century Gothic" panose="020B0502020202020204" pitchFamily="34" charset="0"/>
+            </a:endParaRPr>
+          </a:p>
+        </p:txBody>
+      </p:sp>
+      <p:grpSp>
+        <p:nvGrpSpPr>
+          <p:cNvPr id="46" name="组合 45">
+            <a:extLst>
+              <a:ext uri="{FF2B5EF4-FFF2-40B4-BE49-F238E27FC236}">
+                <a16:creationId xmlns:a16="http://schemas.microsoft.com/office/drawing/2014/main" id="{0A4F9520-2DF2-4564-9DC5-4157664C774A}"/>
+              </a:ext>
+            </a:extLst>
+          </p:cNvPr>
+          <p:cNvGrpSpPr/>
+          <p:nvPr/>
+        </p:nvGrpSpPr>
+        <p:grpSpPr>
+          <a:xfrm>
+            <a:off x="2787279" y="34208"/>
+            <a:ext cx="9041674" cy="6692187"/>
+            <a:chOff x="2634480" y="444187"/>
+            <a:chExt cx="9041674" cy="6692187"/>
+          </a:xfrm>
+        </p:grpSpPr>
+        <p:sp>
+          <p:nvSpPr>
+            <p:cNvPr id="30" name="矩形 29">
+              <a:extLst>
+                <a:ext uri="{FF2B5EF4-FFF2-40B4-BE49-F238E27FC236}">
+                  <a16:creationId xmlns:a16="http://schemas.microsoft.com/office/drawing/2014/main" id="{A73DE703-F604-46F0-809A-A8022418E88F}"/>
+                </a:ext>
+              </a:extLst>
+            </p:cNvPr>
+            <p:cNvSpPr/>
+            <p:nvPr/>
+          </p:nvSpPr>
+          <p:spPr>
+            <a:xfrm>
+              <a:off x="2634480" y="755330"/>
+              <a:ext cx="9041674" cy="6381044"/>
+            </a:xfrm>
+            <a:prstGeom prst="rect">
+              <a:avLst/>
+            </a:prstGeom>
+            <a:noFill/>
+            <a:ln>
+              <a:prstDash val="lgDash"/>
+            </a:ln>
+          </p:spPr>
+          <p:style>
+            <a:lnRef idx="2">
+              <a:schemeClr val="accent1">
+                <a:shade val="50000"/>
+              </a:schemeClr>
+            </a:lnRef>
+            <a:fillRef idx="1">
+              <a:schemeClr val="accent1"/>
+            </a:fillRef>
+            <a:effectRef idx="0">
+              <a:schemeClr val="accent1"/>
+            </a:effectRef>
+            <a:fontRef idx="minor">
+              <a:schemeClr val="lt1"/>
+            </a:fontRef>
+          </p:style>
+          <p:txBody>
+            <a:bodyPr rtlCol="0" anchor="ctr"/>
+            <a:lstStyle/>
+            <a:p>
+              <a:pPr algn="ctr"/>
+              <a:endParaRPr lang="zh-CN" altLang="en-US" sz="1400">
+                <a:latin typeface="Century Gothic" panose="020B0502020202020204" pitchFamily="34" charset="0"/>
+              </a:endParaRPr>
+            </a:p>
+          </p:txBody>
+        </p:sp>
+        <p:sp>
+          <p:nvSpPr>
+            <p:cNvPr id="31" name="文本框 30">
+              <a:extLst>
+                <a:ext uri="{FF2B5EF4-FFF2-40B4-BE49-F238E27FC236}">
+                  <a16:creationId xmlns:a16="http://schemas.microsoft.com/office/drawing/2014/main" id="{3FC31779-6DA6-4D74-A46F-01EFEF2C0430}"/>
+                </a:ext>
+              </a:extLst>
+            </p:cNvPr>
+            <p:cNvSpPr txBox="1"/>
+            <p:nvPr/>
+          </p:nvSpPr>
+          <p:spPr>
+            <a:xfrm>
+              <a:off x="2634480" y="444187"/>
+              <a:ext cx="2422869" cy="307777"/>
+            </a:xfrm>
+            <a:prstGeom prst="rect">
+              <a:avLst/>
+            </a:prstGeom>
+            <a:noFill/>
+          </p:spPr>
+          <p:txBody>
+            <a:bodyPr wrap="square" rtlCol="0">
+              <a:spAutoFit/>
+            </a:bodyPr>
+            <a:lstStyle/>
+            <a:p>
+              <a:r>
+                <a:rPr lang="en-US" altLang="zh-CN" sz="1400" dirty="0">
+                  <a:latin typeface="Century Gothic" panose="020B0502020202020204" pitchFamily="34" charset="0"/>
+                </a:rPr>
+                <a:t>Producer Loop</a:t>
+              </a:r>
+              <a:endParaRPr lang="zh-CN" altLang="en-US" sz="1400" dirty="0">
+                <a:latin typeface="Century Gothic" panose="020B0502020202020204" pitchFamily="34" charset="0"/>
+              </a:endParaRPr>
+            </a:p>
+          </p:txBody>
+        </p:sp>
+      </p:grpSp>
+      <p:sp>
+        <p:nvSpPr>
+          <p:cNvPr id="33" name="矩形 32">
+            <a:extLst>
+              <a:ext uri="{FF2B5EF4-FFF2-40B4-BE49-F238E27FC236}">
+                <a16:creationId xmlns:a16="http://schemas.microsoft.com/office/drawing/2014/main" id="{00F4DD05-58D3-4440-B0C7-3203006DBA3C}"/>
+              </a:ext>
+            </a:extLst>
+          </p:cNvPr>
+          <p:cNvSpPr/>
+          <p:nvPr/>
+        </p:nvSpPr>
+        <p:spPr>
+          <a:xfrm>
+            <a:off x="5730768" y="5004844"/>
+            <a:ext cx="5576678" cy="1555244"/>
+          </a:xfrm>
+          <a:prstGeom prst="rect">
+            <a:avLst/>
+          </a:prstGeom>
+          <a:noFill/>
+          <a:ln>
+            <a:prstDash val="lgDash"/>
+          </a:ln>
+        </p:spPr>
+        <p:style>
+          <a:lnRef idx="2">
+            <a:schemeClr val="accent1">
+              <a:shade val="50000"/>
+            </a:schemeClr>
+          </a:lnRef>
+          <a:fillRef idx="1">
+            <a:schemeClr val="accent1"/>
+          </a:fillRef>
+          <a:effectRef idx="0">
+            <a:schemeClr val="accent1"/>
+          </a:effectRef>
+          <a:fontRef idx="minor">
+            <a:schemeClr val="lt1"/>
+          </a:fontRef>
+        </p:style>
+        <p:txBody>
+          <a:bodyPr rtlCol="0" anchor="ctr"/>
+          <a:lstStyle/>
+          <a:p>
+            <a:pPr algn="ctr"/>
+            <a:endParaRPr lang="zh-CN" altLang="en-US" sz="1400">
+              <a:latin typeface="Century Gothic" panose="020B0502020202020204" pitchFamily="34" charset="0"/>
+            </a:endParaRPr>
+          </a:p>
+        </p:txBody>
+      </p:sp>
+      <p:sp>
+        <p:nvSpPr>
+          <p:cNvPr id="34" name="椭圆 33">
+            <a:extLst>
+              <a:ext uri="{FF2B5EF4-FFF2-40B4-BE49-F238E27FC236}">
+                <a16:creationId xmlns:a16="http://schemas.microsoft.com/office/drawing/2014/main" id="{7D90A373-177F-490B-8D34-38EA4C825ED0}"/>
+              </a:ext>
+            </a:extLst>
+          </p:cNvPr>
+          <p:cNvSpPr/>
+          <p:nvPr/>
+        </p:nvSpPr>
+        <p:spPr>
+          <a:xfrm>
+            <a:off x="7363487" y="5390303"/>
+            <a:ext cx="2454417" cy="784326"/>
+          </a:xfrm>
+          <a:prstGeom prst="ellipse">
+            <a:avLst/>
+          </a:prstGeom>
+          <a:noFill/>
+          <a:ln>
+            <a:solidFill>
+              <a:srgbClr val="FF0000"/>
+            </a:solidFill>
+          </a:ln>
+        </p:spPr>
+        <p:style>
+          <a:lnRef idx="2">
+            <a:schemeClr val="accent1">
+              <a:shade val="50000"/>
+            </a:schemeClr>
+          </a:lnRef>
+          <a:fillRef idx="1">
+            <a:schemeClr val="accent1"/>
+          </a:fillRef>
+          <a:effectRef idx="0">
+            <a:schemeClr val="accent1"/>
+          </a:effectRef>
+          <a:fontRef idx="minor">
+            <a:schemeClr val="lt1"/>
+          </a:fontRef>
+        </p:style>
+        <p:txBody>
+          <a:bodyPr rtlCol="0" anchor="ctr"/>
+          <a:lstStyle/>
+          <a:p>
+            <a:pPr algn="ctr"/>
+            <a:r>
+              <a:rPr lang="en-US" altLang="zh-CN" sz="1400" dirty="0">
+                <a:solidFill>
+                  <a:schemeClr val="tx1"/>
+                </a:solidFill>
+                <a:latin typeface="Century Gothic" panose="020B0502020202020204" pitchFamily="34" charset="0"/>
+              </a:rPr>
+              <a:t>“</a:t>
+            </a:r>
+            <a:r>
+              <a:rPr lang="en-US" altLang="zh-CN" sz="1400" dirty="0" err="1">
+                <a:solidFill>
+                  <a:schemeClr val="tx1"/>
+                </a:solidFill>
+                <a:latin typeface="Century Gothic" panose="020B0502020202020204" pitchFamily="34" charset="0"/>
+              </a:rPr>
+              <a:t>Host_to_Target</a:t>
+            </a:r>
+            <a:r>
+              <a:rPr lang="en-US" altLang="zh-CN" sz="1400" dirty="0">
+                <a:solidFill>
+                  <a:schemeClr val="tx1"/>
+                </a:solidFill>
+                <a:latin typeface="Century Gothic" panose="020B0502020202020204" pitchFamily="34" charset="0"/>
+              </a:rPr>
+              <a:t>” FIFO Write</a:t>
+            </a:r>
+            <a:endParaRPr lang="zh-CN" altLang="en-US" sz="1400" dirty="0">
+              <a:solidFill>
+                <a:schemeClr val="tx1"/>
+              </a:solidFill>
+              <a:latin typeface="Century Gothic" panose="020B0502020202020204" pitchFamily="34" charset="0"/>
+            </a:endParaRPr>
+          </a:p>
+        </p:txBody>
+      </p:sp>
+      <p:grpSp>
+        <p:nvGrpSpPr>
+          <p:cNvPr id="54" name="组合 53">
+            <a:extLst>
+              <a:ext uri="{FF2B5EF4-FFF2-40B4-BE49-F238E27FC236}">
+                <a16:creationId xmlns:a16="http://schemas.microsoft.com/office/drawing/2014/main" id="{DB40538B-A280-453D-93A9-7A5244854AC4}"/>
+              </a:ext>
+            </a:extLst>
+          </p:cNvPr>
+          <p:cNvGrpSpPr/>
+          <p:nvPr/>
+        </p:nvGrpSpPr>
+        <p:grpSpPr>
+          <a:xfrm>
+            <a:off x="3631788" y="933927"/>
+            <a:ext cx="4123536" cy="3460785"/>
+            <a:chOff x="3474539" y="852391"/>
+            <a:chExt cx="4123536" cy="3460785"/>
+          </a:xfrm>
+        </p:grpSpPr>
+        <p:sp>
+          <p:nvSpPr>
+            <p:cNvPr id="21" name="矩形 20">
+              <a:extLst>
+                <a:ext uri="{FF2B5EF4-FFF2-40B4-BE49-F238E27FC236}">
+                  <a16:creationId xmlns:a16="http://schemas.microsoft.com/office/drawing/2014/main" id="{91DCEDCF-3924-4763-9448-7640D3ABC411}"/>
+                </a:ext>
+              </a:extLst>
+            </p:cNvPr>
+            <p:cNvSpPr/>
+            <p:nvPr/>
+          </p:nvSpPr>
+          <p:spPr>
+            <a:xfrm>
+              <a:off x="3474539" y="1173930"/>
+              <a:ext cx="4123536" cy="3139246"/>
+            </a:xfrm>
+            <a:prstGeom prst="rect">
+              <a:avLst/>
+            </a:prstGeom>
+            <a:noFill/>
+            <a:ln>
+              <a:prstDash val="lgDash"/>
+            </a:ln>
+          </p:spPr>
+          <p:style>
+            <a:lnRef idx="2">
+              <a:schemeClr val="accent1">
+                <a:shade val="50000"/>
+              </a:schemeClr>
+            </a:lnRef>
+            <a:fillRef idx="1">
+              <a:schemeClr val="accent1"/>
+            </a:fillRef>
+            <a:effectRef idx="0">
+              <a:schemeClr val="accent1"/>
+            </a:effectRef>
+            <a:fontRef idx="minor">
+              <a:schemeClr val="lt1"/>
+            </a:fontRef>
+          </p:style>
+          <p:txBody>
+            <a:bodyPr rtlCol="0" anchor="ctr"/>
+            <a:lstStyle/>
+            <a:p>
+              <a:pPr algn="ctr"/>
+              <a:endParaRPr lang="zh-CN" altLang="en-US" sz="1400">
+                <a:latin typeface="Century Gothic" panose="020B0502020202020204" pitchFamily="34" charset="0"/>
+              </a:endParaRPr>
+            </a:p>
+          </p:txBody>
+        </p:sp>
+        <p:sp>
+          <p:nvSpPr>
+            <p:cNvPr id="35" name="文本框 34">
+              <a:extLst>
+                <a:ext uri="{FF2B5EF4-FFF2-40B4-BE49-F238E27FC236}">
+                  <a16:creationId xmlns:a16="http://schemas.microsoft.com/office/drawing/2014/main" id="{2C2891B7-BC1C-4ECD-88C9-FFED8EBF53BB}"/>
+                </a:ext>
+              </a:extLst>
+            </p:cNvPr>
+            <p:cNvSpPr txBox="1"/>
+            <p:nvPr/>
+          </p:nvSpPr>
+          <p:spPr>
+            <a:xfrm>
+              <a:off x="3474539" y="852391"/>
+              <a:ext cx="3156719" cy="307777"/>
+            </a:xfrm>
+            <a:prstGeom prst="rect">
+              <a:avLst/>
+            </a:prstGeom>
+            <a:noFill/>
+          </p:spPr>
+          <p:txBody>
+            <a:bodyPr wrap="square" rtlCol="0">
+              <a:spAutoFit/>
+            </a:bodyPr>
+            <a:lstStyle/>
+            <a:p>
+              <a:r>
+                <a:rPr lang="en-US" altLang="zh-CN" sz="1400" dirty="0">
+                  <a:latin typeface="Century Gothic" panose="020B0502020202020204" pitchFamily="34" charset="0"/>
+                </a:rPr>
+                <a:t>Acquisition Loop</a:t>
+              </a:r>
+              <a:endParaRPr lang="zh-CN" altLang="en-US" sz="1400" dirty="0">
+                <a:latin typeface="Century Gothic" panose="020B0502020202020204" pitchFamily="34" charset="0"/>
+              </a:endParaRPr>
+            </a:p>
+          </p:txBody>
+        </p:sp>
+      </p:grpSp>
+      <p:sp>
+        <p:nvSpPr>
+          <p:cNvPr id="36" name="文本框 35">
+            <a:extLst>
+              <a:ext uri="{FF2B5EF4-FFF2-40B4-BE49-F238E27FC236}">
+                <a16:creationId xmlns:a16="http://schemas.microsoft.com/office/drawing/2014/main" id="{8A63D8B3-FB79-4F02-BA96-BA6C5C97F7A9}"/>
+              </a:ext>
+            </a:extLst>
+          </p:cNvPr>
+          <p:cNvSpPr txBox="1"/>
+          <p:nvPr/>
+        </p:nvSpPr>
+        <p:spPr>
+          <a:xfrm>
+            <a:off x="5730768" y="4684049"/>
+            <a:ext cx="3156719" cy="307777"/>
+          </a:xfrm>
+          <a:prstGeom prst="rect">
+            <a:avLst/>
+          </a:prstGeom>
+          <a:noFill/>
+        </p:spPr>
+        <p:txBody>
+          <a:bodyPr wrap="square" rtlCol="0">
+            <a:spAutoFit/>
+          </a:bodyPr>
+          <a:lstStyle/>
+          <a:p>
+            <a:r>
+              <a:rPr lang="en-US" altLang="zh-CN" sz="1400" dirty="0">
+                <a:latin typeface="Century Gothic" panose="020B0502020202020204" pitchFamily="34" charset="0"/>
+              </a:rPr>
+              <a:t>If </a:t>
+            </a:r>
+            <a:r>
+              <a:rPr lang="en-US" altLang="zh-CN" sz="1400" dirty="0" err="1">
+                <a:latin typeface="Century Gothic" panose="020B0502020202020204" pitchFamily="34" charset="0"/>
+              </a:rPr>
+              <a:t>N</a:t>
+            </a:r>
+            <a:r>
+              <a:rPr lang="en-US" altLang="zh-CN" sz="1400" baseline="-25000" dirty="0" err="1">
+                <a:latin typeface="Century Gothic" panose="020B0502020202020204" pitchFamily="34" charset="0"/>
+              </a:rPr>
+              <a:t>producer</a:t>
+            </a:r>
+            <a:r>
+              <a:rPr lang="en-US" altLang="zh-CN" sz="1400" baseline="-25000">
+                <a:latin typeface="Century Gothic" panose="020B0502020202020204" pitchFamily="34" charset="0"/>
+              </a:rPr>
+              <a:t> </a:t>
+            </a:r>
+            <a:r>
+              <a:rPr lang="en-US" altLang="zh-CN" sz="1400">
+                <a:latin typeface="Century Gothic" panose="020B0502020202020204" pitchFamily="34" charset="0"/>
+              </a:rPr>
+              <a:t>== 0</a:t>
+            </a:r>
+            <a:endParaRPr lang="zh-CN" altLang="en-US" sz="1400" dirty="0">
+              <a:latin typeface="Century Gothic" panose="020B0502020202020204" pitchFamily="34" charset="0"/>
+            </a:endParaRPr>
+          </a:p>
+        </p:txBody>
+      </p:sp>
+      <p:cxnSp>
+        <p:nvCxnSpPr>
+          <p:cNvPr id="37" name="直接箭头连接符 36">
+            <a:extLst>
+              <a:ext uri="{FF2B5EF4-FFF2-40B4-BE49-F238E27FC236}">
+                <a16:creationId xmlns:a16="http://schemas.microsoft.com/office/drawing/2014/main" id="{85F64B74-583E-4487-941F-2F5970871BCC}"/>
+              </a:ext>
+            </a:extLst>
+          </p:cNvPr>
+          <p:cNvCxnSpPr>
+            <a:cxnSpLocks/>
+            <a:stCxn id="4" idx="6"/>
+            <a:endCxn id="30" idx="1"/>
+          </p:cNvCxnSpPr>
+          <p:nvPr/>
+        </p:nvCxnSpPr>
+        <p:spPr>
+          <a:xfrm flipV="1">
+            <a:off x="2436482" y="3535873"/>
+            <a:ext cx="350797" cy="1896"/>
+          </a:xfrm>
+          <a:prstGeom prst="straightConnector1">
+            <a:avLst/>
+          </a:prstGeom>
+          <a:ln>
+            <a:tailEnd type="triangle"/>
+          </a:ln>
+        </p:spPr>
+        <p:style>
+          <a:lnRef idx="1">
+            <a:schemeClr val="accent1"/>
+          </a:lnRef>
+          <a:fillRef idx="0">
+            <a:schemeClr val="accent1"/>
+          </a:fillRef>
+          <a:effectRef idx="0">
+            <a:schemeClr val="accent1"/>
+          </a:effectRef>
+          <a:fontRef idx="minor">
+            <a:schemeClr val="tx1"/>
+          </a:fontRef>
+        </p:style>
+      </p:cxnSp>
+      <p:sp>
+        <p:nvSpPr>
+          <p:cNvPr id="44" name="矩形 43">
+            <a:extLst>
+              <a:ext uri="{FF2B5EF4-FFF2-40B4-BE49-F238E27FC236}">
+                <a16:creationId xmlns:a16="http://schemas.microsoft.com/office/drawing/2014/main" id="{43A33D3F-B15B-4199-B569-B16B3CA868D2}"/>
+              </a:ext>
+            </a:extLst>
+          </p:cNvPr>
+          <p:cNvSpPr/>
+          <p:nvPr/>
+        </p:nvSpPr>
+        <p:spPr>
+          <a:xfrm>
+            <a:off x="3182921" y="5412629"/>
+            <a:ext cx="2296713" cy="739674"/>
+          </a:xfrm>
+          <a:prstGeom prst="rect">
+            <a:avLst/>
+          </a:prstGeom>
+          <a:solidFill>
+            <a:schemeClr val="accent1"/>
+          </a:solidFill>
+          <a:ln>
+            <a:noFill/>
+          </a:ln>
+        </p:spPr>
+        <p:style>
+          <a:lnRef idx="2">
+            <a:schemeClr val="accent1">
+              <a:shade val="50000"/>
+            </a:schemeClr>
+          </a:lnRef>
+          <a:fillRef idx="1">
+            <a:schemeClr val="accent1"/>
+          </a:fillRef>
+          <a:effectRef idx="0">
+            <a:schemeClr val="accent1"/>
+          </a:effectRef>
+          <a:fontRef idx="minor">
+            <a:schemeClr val="lt1"/>
+          </a:fontRef>
+        </p:style>
+        <p:txBody>
+          <a:bodyPr rtlCol="0" anchor="ctr"/>
+          <a:lstStyle/>
+          <a:p>
+            <a:pPr algn="ctr"/>
+            <a:r>
+              <a:rPr lang="en-US" altLang="zh-CN" sz="1400" dirty="0">
+                <a:latin typeface="Century Gothic" panose="020B0502020202020204" pitchFamily="34" charset="0"/>
+              </a:rPr>
+              <a:t>Frequency </a:t>
+            </a:r>
+            <a:r>
+              <a:rPr lang="en-US" altLang="zh-CN" sz="1400" dirty="0" err="1">
+                <a:latin typeface="Century Gothic" panose="020B0502020202020204" pitchFamily="34" charset="0"/>
+              </a:rPr>
+              <a:t>Div</a:t>
+            </a:r>
+            <a:endParaRPr lang="en-US" altLang="zh-CN" sz="1400" dirty="0">
+              <a:latin typeface="Century Gothic" panose="020B0502020202020204" pitchFamily="34" charset="0"/>
+            </a:endParaRPr>
+          </a:p>
+          <a:p>
+            <a:pPr algn="ctr"/>
+            <a:r>
+              <a:rPr lang="en-US" altLang="zh-CN" sz="1400" dirty="0">
+                <a:latin typeface="Century Gothic" panose="020B0502020202020204" pitchFamily="34" charset="0"/>
+              </a:rPr>
+              <a:t>&amp;</a:t>
+            </a:r>
+          </a:p>
+          <a:p>
+            <a:pPr algn="ctr"/>
+            <a:r>
+              <a:rPr lang="en-US" altLang="zh-CN" sz="1400" dirty="0">
+                <a:latin typeface="Century Gothic" panose="020B0502020202020204" pitchFamily="34" charset="0"/>
+              </a:rPr>
+              <a:t>Abandoned Num</a:t>
+            </a:r>
+            <a:endParaRPr lang="zh-CN" altLang="en-US" sz="1400" dirty="0">
+              <a:latin typeface="Century Gothic" panose="020B0502020202020204" pitchFamily="34" charset="0"/>
+            </a:endParaRPr>
+          </a:p>
+        </p:txBody>
+      </p:sp>
+      <p:cxnSp>
+        <p:nvCxnSpPr>
+          <p:cNvPr id="59" name="直接箭头连接符 58">
+            <a:extLst>
+              <a:ext uri="{FF2B5EF4-FFF2-40B4-BE49-F238E27FC236}">
+                <a16:creationId xmlns:a16="http://schemas.microsoft.com/office/drawing/2014/main" id="{D20A567B-20B8-4A31-BC4E-BF0103A7A3F9}"/>
+              </a:ext>
+            </a:extLst>
+          </p:cNvPr>
+          <p:cNvCxnSpPr>
+            <a:cxnSpLocks/>
+            <a:stCxn id="44" idx="3"/>
+            <a:endCxn id="34" idx="2"/>
+          </p:cNvCxnSpPr>
+          <p:nvPr/>
+        </p:nvCxnSpPr>
+        <p:spPr>
+          <a:xfrm>
+            <a:off x="5479634" y="5782466"/>
+            <a:ext cx="1883853" cy="0"/>
+          </a:xfrm>
+          <a:prstGeom prst="straightConnector1">
+            <a:avLst/>
+          </a:prstGeom>
+          <a:ln>
+            <a:tailEnd type="triangle"/>
+          </a:ln>
+        </p:spPr>
+        <p:style>
+          <a:lnRef idx="1">
+            <a:schemeClr val="accent1"/>
+          </a:lnRef>
+          <a:fillRef idx="0">
+            <a:schemeClr val="accent1"/>
+          </a:fillRef>
+          <a:effectRef idx="0">
+            <a:schemeClr val="accent1"/>
+          </a:effectRef>
+          <a:fontRef idx="minor">
+            <a:schemeClr val="tx1"/>
+          </a:fontRef>
+        </p:style>
+      </p:cxnSp>
+    </p:spTree>
+    <p:extLst>
+      <p:ext uri="{BB962C8B-B14F-4D97-AF65-F5344CB8AC3E}">
+        <p14:creationId xmlns:p14="http://schemas.microsoft.com/office/powerpoint/2010/main" val="3884301893"/>
       </p:ext>
     </p:extLst>
   </p:cSld>

--- a/Figures_for_Documentation/TPM_pictures_drawn_in_PPT.pptx
+++ b/Figures_for_Documentation/TPM_pictures_drawn_in_PPT.pptx
@@ -13,6 +13,9 @@
     <p:sldId id="261" r:id="rId7"/>
     <p:sldId id="262" r:id="rId8"/>
     <p:sldId id="263" r:id="rId9"/>
+    <p:sldId id="264" r:id="rId10"/>
+    <p:sldId id="265" r:id="rId11"/>
+    <p:sldId id="266" r:id="rId12"/>
   </p:sldIdLst>
   <p:sldSz cx="12192000" cy="6858000"/>
   <p:notesSz cx="6858000" cy="9144000"/>
@@ -250,7 +253,7 @@
           <a:p>
             <a:fld id="{DC766539-A8EA-4018-A2EC-1BB034971F18}" type="datetimeFigureOut">
               <a:rPr lang="en-US" smtClean="0"/>
-              <a:t>9/12/2018</a:t>
+              <a:t>9/13/2018</a:t>
             </a:fld>
             <a:endParaRPr lang="en-US"/>
           </a:p>
@@ -420,7 +423,7 @@
           <a:p>
             <a:fld id="{DC766539-A8EA-4018-A2EC-1BB034971F18}" type="datetimeFigureOut">
               <a:rPr lang="en-US" smtClean="0"/>
-              <a:t>9/12/2018</a:t>
+              <a:t>9/13/2018</a:t>
             </a:fld>
             <a:endParaRPr lang="en-US"/>
           </a:p>
@@ -600,7 +603,7 @@
           <a:p>
             <a:fld id="{DC766539-A8EA-4018-A2EC-1BB034971F18}" type="datetimeFigureOut">
               <a:rPr lang="en-US" smtClean="0"/>
-              <a:t>9/12/2018</a:t>
+              <a:t>9/13/2018</a:t>
             </a:fld>
             <a:endParaRPr lang="en-US"/>
           </a:p>
@@ -770,7 +773,7 @@
           <a:p>
             <a:fld id="{DC766539-A8EA-4018-A2EC-1BB034971F18}" type="datetimeFigureOut">
               <a:rPr lang="en-US" smtClean="0"/>
-              <a:t>9/12/2018</a:t>
+              <a:t>9/13/2018</a:t>
             </a:fld>
             <a:endParaRPr lang="en-US"/>
           </a:p>
@@ -1016,7 +1019,7 @@
           <a:p>
             <a:fld id="{DC766539-A8EA-4018-A2EC-1BB034971F18}" type="datetimeFigureOut">
               <a:rPr lang="en-US" smtClean="0"/>
-              <a:t>9/12/2018</a:t>
+              <a:t>9/13/2018</a:t>
             </a:fld>
             <a:endParaRPr lang="en-US"/>
           </a:p>
@@ -1248,7 +1251,7 @@
           <a:p>
             <a:fld id="{DC766539-A8EA-4018-A2EC-1BB034971F18}" type="datetimeFigureOut">
               <a:rPr lang="en-US" smtClean="0"/>
-              <a:t>9/12/2018</a:t>
+              <a:t>9/13/2018</a:t>
             </a:fld>
             <a:endParaRPr lang="en-US"/>
           </a:p>
@@ -1615,7 +1618,7 @@
           <a:p>
             <a:fld id="{DC766539-A8EA-4018-A2EC-1BB034971F18}" type="datetimeFigureOut">
               <a:rPr lang="en-US" smtClean="0"/>
-              <a:t>9/12/2018</a:t>
+              <a:t>9/13/2018</a:t>
             </a:fld>
             <a:endParaRPr lang="en-US"/>
           </a:p>
@@ -1733,7 +1736,7 @@
           <a:p>
             <a:fld id="{DC766539-A8EA-4018-A2EC-1BB034971F18}" type="datetimeFigureOut">
               <a:rPr lang="en-US" smtClean="0"/>
-              <a:t>9/12/2018</a:t>
+              <a:t>9/13/2018</a:t>
             </a:fld>
             <a:endParaRPr lang="en-US"/>
           </a:p>
@@ -1828,7 +1831,7 @@
           <a:p>
             <a:fld id="{DC766539-A8EA-4018-A2EC-1BB034971F18}" type="datetimeFigureOut">
               <a:rPr lang="en-US" smtClean="0"/>
-              <a:t>9/12/2018</a:t>
+              <a:t>9/13/2018</a:t>
             </a:fld>
             <a:endParaRPr lang="en-US"/>
           </a:p>
@@ -2105,7 +2108,7 @@
           <a:p>
             <a:fld id="{DC766539-A8EA-4018-A2EC-1BB034971F18}" type="datetimeFigureOut">
               <a:rPr lang="en-US" smtClean="0"/>
-              <a:t>9/12/2018</a:t>
+              <a:t>9/13/2018</a:t>
             </a:fld>
             <a:endParaRPr lang="en-US"/>
           </a:p>
@@ -2358,7 +2361,7 @@
           <a:p>
             <a:fld id="{DC766539-A8EA-4018-A2EC-1BB034971F18}" type="datetimeFigureOut">
               <a:rPr lang="en-US" smtClean="0"/>
-              <a:t>9/12/2018</a:t>
+              <a:t>9/13/2018</a:t>
             </a:fld>
             <a:endParaRPr lang="en-US"/>
           </a:p>
@@ -2571,7 +2574,7 @@
           <a:p>
             <a:fld id="{DC766539-A8EA-4018-A2EC-1BB034971F18}" type="datetimeFigureOut">
               <a:rPr lang="en-US" smtClean="0"/>
-              <a:t>9/12/2018</a:t>
+              <a:t>9/13/2018</a:t>
             </a:fld>
             <a:endParaRPr lang="en-US"/>
           </a:p>
@@ -3632,6 +3635,2232 @@
     <p:extLst>
       <p:ext uri="{BB962C8B-B14F-4D97-AF65-F5344CB8AC3E}">
         <p14:creationId xmlns:p14="http://schemas.microsoft.com/office/powerpoint/2010/main" val="638308892"/>
+      </p:ext>
+    </p:extLst>
+  </p:cSld>
+  <p:clrMapOvr>
+    <a:masterClrMapping/>
+  </p:clrMapOvr>
+</p:sld>
+</file>
+
+<file path=ppt/slides/slide10.xml><?xml version="1.0" encoding="utf-8"?>
+<p:sld xmlns:a="http://schemas.openxmlformats.org/drawingml/2006/main" xmlns:r="http://schemas.openxmlformats.org/officeDocument/2006/relationships" xmlns:p="http://schemas.openxmlformats.org/presentationml/2006/main">
+  <p:cSld>
+    <p:spTree>
+      <p:nvGrpSpPr>
+        <p:cNvPr id="1" name=""/>
+        <p:cNvGrpSpPr/>
+        <p:nvPr/>
+      </p:nvGrpSpPr>
+      <p:grpSpPr>
+        <a:xfrm>
+          <a:off x="0" y="0"/>
+          <a:ext cx="0" cy="0"/>
+          <a:chOff x="0" y="0"/>
+          <a:chExt cx="0" cy="0"/>
+        </a:xfrm>
+      </p:grpSpPr>
+      <p:sp>
+        <p:nvSpPr>
+          <p:cNvPr id="2" name="Rectangle 3">
+            <a:extLst>
+              <a:ext uri="{FF2B5EF4-FFF2-40B4-BE49-F238E27FC236}">
+                <a16:creationId xmlns:a16="http://schemas.microsoft.com/office/drawing/2014/main" id="{0B4CA6B8-C3F4-4D67-BB31-CD58CA5B98CF}"/>
+              </a:ext>
+            </a:extLst>
+          </p:cNvPr>
+          <p:cNvSpPr/>
+          <p:nvPr/>
+        </p:nvSpPr>
+        <p:spPr>
+          <a:xfrm>
+            <a:off x="3868043" y="1519958"/>
+            <a:ext cx="1350000" cy="432000"/>
+          </a:xfrm>
+          <a:prstGeom prst="rect">
+            <a:avLst/>
+          </a:prstGeom>
+          <a:solidFill>
+            <a:schemeClr val="accent1"/>
+          </a:solidFill>
+          <a:ln>
+            <a:noFill/>
+          </a:ln>
+        </p:spPr>
+        <p:style>
+          <a:lnRef idx="2">
+            <a:schemeClr val="accent1">
+              <a:shade val="50000"/>
+            </a:schemeClr>
+          </a:lnRef>
+          <a:fillRef idx="1">
+            <a:schemeClr val="accent1"/>
+          </a:fillRef>
+          <a:effectRef idx="0">
+            <a:schemeClr val="accent1"/>
+          </a:effectRef>
+          <a:fontRef idx="minor">
+            <a:schemeClr val="lt1"/>
+          </a:fontRef>
+        </p:style>
+        <p:txBody>
+          <a:bodyPr rtlCol="0" anchor="ctr"/>
+          <a:lstStyle/>
+          <a:p>
+            <a:pPr algn="ctr"/>
+            <a:r>
+              <a:rPr lang="en-HK" sz="1350" dirty="0">
+                <a:latin typeface="Century Gothic" panose="020B0502020202020204" pitchFamily="34" charset="0"/>
+              </a:rPr>
+              <a:t>No Sequence</a:t>
+            </a:r>
+            <a:endParaRPr lang="en-US" sz="1350" dirty="0">
+              <a:latin typeface="Century Gothic" panose="020B0502020202020204" pitchFamily="34" charset="0"/>
+            </a:endParaRPr>
+          </a:p>
+        </p:txBody>
+      </p:sp>
+      <p:sp>
+        <p:nvSpPr>
+          <p:cNvPr id="3" name="Rectangle 4">
+            <a:extLst>
+              <a:ext uri="{FF2B5EF4-FFF2-40B4-BE49-F238E27FC236}">
+                <a16:creationId xmlns:a16="http://schemas.microsoft.com/office/drawing/2014/main" id="{4CCB6E7F-71E3-4485-AE29-9A60A2F6625D}"/>
+              </a:ext>
+            </a:extLst>
+          </p:cNvPr>
+          <p:cNvSpPr/>
+          <p:nvPr/>
+        </p:nvSpPr>
+        <p:spPr>
+          <a:xfrm>
+            <a:off x="3868043" y="447015"/>
+            <a:ext cx="1350000" cy="432000"/>
+          </a:xfrm>
+          <a:prstGeom prst="rect">
+            <a:avLst/>
+          </a:prstGeom>
+          <a:solidFill>
+            <a:schemeClr val="accent1"/>
+          </a:solidFill>
+          <a:ln>
+            <a:noFill/>
+          </a:ln>
+        </p:spPr>
+        <p:style>
+          <a:lnRef idx="2">
+            <a:schemeClr val="accent1">
+              <a:shade val="50000"/>
+            </a:schemeClr>
+          </a:lnRef>
+          <a:fillRef idx="1">
+            <a:schemeClr val="accent1"/>
+          </a:fillRef>
+          <a:effectRef idx="0">
+            <a:schemeClr val="accent1"/>
+          </a:effectRef>
+          <a:fontRef idx="minor">
+            <a:schemeClr val="lt1"/>
+          </a:fontRef>
+        </p:style>
+        <p:txBody>
+          <a:bodyPr rtlCol="0" anchor="ctr"/>
+          <a:lstStyle/>
+          <a:p>
+            <a:pPr algn="ctr"/>
+            <a:r>
+              <a:rPr lang="en-HK" sz="1350" dirty="0">
+                <a:latin typeface="Century Gothic" panose="020B0502020202020204" pitchFamily="34" charset="0"/>
+              </a:rPr>
+              <a:t>Initialization</a:t>
+            </a:r>
+            <a:endParaRPr lang="en-US" sz="1350" dirty="0">
+              <a:latin typeface="Century Gothic" panose="020B0502020202020204" pitchFamily="34" charset="0"/>
+            </a:endParaRPr>
+          </a:p>
+        </p:txBody>
+      </p:sp>
+      <p:sp>
+        <p:nvSpPr>
+          <p:cNvPr id="4" name="Rectangle 5">
+            <a:extLst>
+              <a:ext uri="{FF2B5EF4-FFF2-40B4-BE49-F238E27FC236}">
+                <a16:creationId xmlns:a16="http://schemas.microsoft.com/office/drawing/2014/main" id="{2928ED1A-E56B-4394-A0F3-219CB7D10FAC}"/>
+              </a:ext>
+            </a:extLst>
+          </p:cNvPr>
+          <p:cNvSpPr/>
+          <p:nvPr/>
+        </p:nvSpPr>
+        <p:spPr>
+          <a:xfrm>
+            <a:off x="3869384" y="4738787"/>
+            <a:ext cx="1350000" cy="432000"/>
+          </a:xfrm>
+          <a:prstGeom prst="rect">
+            <a:avLst/>
+          </a:prstGeom>
+          <a:solidFill>
+            <a:schemeClr val="accent1"/>
+          </a:solidFill>
+          <a:ln>
+            <a:noFill/>
+          </a:ln>
+        </p:spPr>
+        <p:style>
+          <a:lnRef idx="2">
+            <a:schemeClr val="accent1">
+              <a:shade val="50000"/>
+            </a:schemeClr>
+          </a:lnRef>
+          <a:fillRef idx="1">
+            <a:schemeClr val="accent1"/>
+          </a:fillRef>
+          <a:effectRef idx="0">
+            <a:schemeClr val="accent1"/>
+          </a:effectRef>
+          <a:fontRef idx="minor">
+            <a:schemeClr val="lt1"/>
+          </a:fontRef>
+        </p:style>
+        <p:txBody>
+          <a:bodyPr rtlCol="0" anchor="ctr"/>
+          <a:lstStyle/>
+          <a:p>
+            <a:pPr algn="ctr"/>
+            <a:r>
+              <a:rPr lang="en-HK" sz="1350" dirty="0">
+                <a:latin typeface="Century Gothic" panose="020B0502020202020204" pitchFamily="34" charset="0"/>
+              </a:rPr>
+              <a:t>Projecting</a:t>
+            </a:r>
+            <a:endParaRPr lang="en-US" sz="1350" dirty="0">
+              <a:latin typeface="Century Gothic" panose="020B0502020202020204" pitchFamily="34" charset="0"/>
+            </a:endParaRPr>
+          </a:p>
+        </p:txBody>
+      </p:sp>
+      <p:sp>
+        <p:nvSpPr>
+          <p:cNvPr id="5" name="Rectangle 6">
+            <a:extLst>
+              <a:ext uri="{FF2B5EF4-FFF2-40B4-BE49-F238E27FC236}">
+                <a16:creationId xmlns:a16="http://schemas.microsoft.com/office/drawing/2014/main" id="{AA533463-6380-459E-B969-4686455A41CC}"/>
+              </a:ext>
+            </a:extLst>
+          </p:cNvPr>
+          <p:cNvSpPr/>
+          <p:nvPr/>
+        </p:nvSpPr>
+        <p:spPr>
+          <a:xfrm>
+            <a:off x="3869384" y="2592901"/>
+            <a:ext cx="1350000" cy="432000"/>
+          </a:xfrm>
+          <a:prstGeom prst="rect">
+            <a:avLst/>
+          </a:prstGeom>
+          <a:solidFill>
+            <a:schemeClr val="accent1"/>
+          </a:solidFill>
+          <a:ln>
+            <a:noFill/>
+          </a:ln>
+        </p:spPr>
+        <p:style>
+          <a:lnRef idx="2">
+            <a:schemeClr val="accent1">
+              <a:shade val="50000"/>
+            </a:schemeClr>
+          </a:lnRef>
+          <a:fillRef idx="1">
+            <a:schemeClr val="accent1"/>
+          </a:fillRef>
+          <a:effectRef idx="0">
+            <a:schemeClr val="accent1"/>
+          </a:effectRef>
+          <a:fontRef idx="minor">
+            <a:schemeClr val="lt1"/>
+          </a:fontRef>
+        </p:style>
+        <p:txBody>
+          <a:bodyPr rtlCol="0" anchor="ctr"/>
+          <a:lstStyle/>
+          <a:p>
+            <a:pPr algn="ctr"/>
+            <a:r>
+              <a:rPr lang="en-HK" sz="1350" dirty="0">
+                <a:latin typeface="Century Gothic" panose="020B0502020202020204" pitchFamily="34" charset="0"/>
+              </a:rPr>
+              <a:t>Loading</a:t>
+            </a:r>
+            <a:endParaRPr lang="en-US" sz="1350" dirty="0">
+              <a:latin typeface="Century Gothic" panose="020B0502020202020204" pitchFamily="34" charset="0"/>
+            </a:endParaRPr>
+          </a:p>
+        </p:txBody>
+      </p:sp>
+      <p:sp>
+        <p:nvSpPr>
+          <p:cNvPr id="6" name="Rectangle 7">
+            <a:extLst>
+              <a:ext uri="{FF2B5EF4-FFF2-40B4-BE49-F238E27FC236}">
+                <a16:creationId xmlns:a16="http://schemas.microsoft.com/office/drawing/2014/main" id="{7B19D620-3699-43A1-A130-2A4B0DF73342}"/>
+              </a:ext>
+            </a:extLst>
+          </p:cNvPr>
+          <p:cNvSpPr/>
+          <p:nvPr/>
+        </p:nvSpPr>
+        <p:spPr>
+          <a:xfrm>
+            <a:off x="3869384" y="3665844"/>
+            <a:ext cx="1350000" cy="432000"/>
+          </a:xfrm>
+          <a:prstGeom prst="rect">
+            <a:avLst/>
+          </a:prstGeom>
+          <a:solidFill>
+            <a:schemeClr val="accent1"/>
+          </a:solidFill>
+          <a:ln>
+            <a:noFill/>
+          </a:ln>
+        </p:spPr>
+        <p:style>
+          <a:lnRef idx="2">
+            <a:schemeClr val="accent1">
+              <a:shade val="50000"/>
+            </a:schemeClr>
+          </a:lnRef>
+          <a:fillRef idx="1">
+            <a:schemeClr val="accent1"/>
+          </a:fillRef>
+          <a:effectRef idx="0">
+            <a:schemeClr val="accent1"/>
+          </a:effectRef>
+          <a:fontRef idx="minor">
+            <a:schemeClr val="lt1"/>
+          </a:fontRef>
+        </p:style>
+        <p:txBody>
+          <a:bodyPr rtlCol="0" anchor="ctr"/>
+          <a:lstStyle/>
+          <a:p>
+            <a:pPr algn="ctr"/>
+            <a:r>
+              <a:rPr lang="en-HK" sz="1350" dirty="0">
+                <a:latin typeface="Century Gothic" panose="020B0502020202020204" pitchFamily="34" charset="0"/>
+              </a:rPr>
+              <a:t>Idle</a:t>
+            </a:r>
+            <a:endParaRPr lang="en-US" sz="1350" dirty="0">
+              <a:latin typeface="Century Gothic" panose="020B0502020202020204" pitchFamily="34" charset="0"/>
+            </a:endParaRPr>
+          </a:p>
+        </p:txBody>
+      </p:sp>
+      <p:sp>
+        <p:nvSpPr>
+          <p:cNvPr id="7" name="Rectangle 8">
+            <a:extLst>
+              <a:ext uri="{FF2B5EF4-FFF2-40B4-BE49-F238E27FC236}">
+                <a16:creationId xmlns:a16="http://schemas.microsoft.com/office/drawing/2014/main" id="{DBB4CC3B-DB4A-4577-8C9F-18F01C5F6E46}"/>
+              </a:ext>
+            </a:extLst>
+          </p:cNvPr>
+          <p:cNvSpPr/>
+          <p:nvPr/>
+        </p:nvSpPr>
+        <p:spPr>
+          <a:xfrm>
+            <a:off x="3868043" y="5811729"/>
+            <a:ext cx="1350000" cy="432000"/>
+          </a:xfrm>
+          <a:prstGeom prst="rect">
+            <a:avLst/>
+          </a:prstGeom>
+          <a:solidFill>
+            <a:schemeClr val="accent1"/>
+          </a:solidFill>
+          <a:ln>
+            <a:noFill/>
+          </a:ln>
+        </p:spPr>
+        <p:style>
+          <a:lnRef idx="2">
+            <a:schemeClr val="accent1">
+              <a:shade val="50000"/>
+            </a:schemeClr>
+          </a:lnRef>
+          <a:fillRef idx="1">
+            <a:schemeClr val="accent1"/>
+          </a:fillRef>
+          <a:effectRef idx="0">
+            <a:schemeClr val="accent1"/>
+          </a:effectRef>
+          <a:fontRef idx="minor">
+            <a:schemeClr val="lt1"/>
+          </a:fontRef>
+        </p:style>
+        <p:txBody>
+          <a:bodyPr rtlCol="0" anchor="ctr"/>
+          <a:lstStyle/>
+          <a:p>
+            <a:pPr algn="ctr"/>
+            <a:r>
+              <a:rPr lang="en-HK" sz="1350" dirty="0">
+                <a:latin typeface="Century Gothic" panose="020B0502020202020204" pitchFamily="34" charset="0"/>
+              </a:rPr>
+              <a:t>Imaging</a:t>
+            </a:r>
+            <a:endParaRPr lang="en-US" sz="1350" dirty="0">
+              <a:latin typeface="Century Gothic" panose="020B0502020202020204" pitchFamily="34" charset="0"/>
+            </a:endParaRPr>
+          </a:p>
+        </p:txBody>
+      </p:sp>
+      <p:sp>
+        <p:nvSpPr>
+          <p:cNvPr id="8" name="TextBox 9">
+            <a:extLst>
+              <a:ext uri="{FF2B5EF4-FFF2-40B4-BE49-F238E27FC236}">
+                <a16:creationId xmlns:a16="http://schemas.microsoft.com/office/drawing/2014/main" id="{90E7D14B-0CF4-44D6-A66C-B63C3E41B628}"/>
+              </a:ext>
+            </a:extLst>
+          </p:cNvPr>
+          <p:cNvSpPr txBox="1"/>
+          <p:nvPr/>
+        </p:nvSpPr>
+        <p:spPr>
+          <a:xfrm>
+            <a:off x="1297060" y="447015"/>
+            <a:ext cx="1696452" cy="415498"/>
+          </a:xfrm>
+          <a:prstGeom prst="rect">
+            <a:avLst/>
+          </a:prstGeom>
+          <a:noFill/>
+        </p:spPr>
+        <p:txBody>
+          <a:bodyPr wrap="square" rtlCol="0">
+            <a:spAutoFit/>
+          </a:bodyPr>
+          <a:lstStyle/>
+          <a:p>
+            <a:r>
+              <a:rPr lang="en-HK" sz="2100" dirty="0">
+                <a:latin typeface="Century Gothic" panose="020B0502020202020204" pitchFamily="34" charset="0"/>
+              </a:rPr>
+              <a:t>While Loop</a:t>
+            </a:r>
+            <a:endParaRPr lang="en-US" sz="2100" dirty="0">
+              <a:latin typeface="Century Gothic" panose="020B0502020202020204" pitchFamily="34" charset="0"/>
+            </a:endParaRPr>
+          </a:p>
+        </p:txBody>
+      </p:sp>
+      <p:cxnSp>
+        <p:nvCxnSpPr>
+          <p:cNvPr id="9" name="Elbow Connector 11">
+            <a:extLst>
+              <a:ext uri="{FF2B5EF4-FFF2-40B4-BE49-F238E27FC236}">
+                <a16:creationId xmlns:a16="http://schemas.microsoft.com/office/drawing/2014/main" id="{D622C1D2-1D17-4EE7-A76A-E0CF190C887E}"/>
+              </a:ext>
+            </a:extLst>
+          </p:cNvPr>
+          <p:cNvCxnSpPr>
+            <a:stCxn id="6" idx="1"/>
+            <a:endCxn id="2" idx="1"/>
+          </p:cNvCxnSpPr>
+          <p:nvPr/>
+        </p:nvCxnSpPr>
+        <p:spPr>
+          <a:xfrm rot="10800000">
+            <a:off x="3868044" y="1735958"/>
+            <a:ext cx="1341" cy="2145886"/>
+          </a:xfrm>
+          <a:prstGeom prst="bentConnector3">
+            <a:avLst>
+              <a:gd name="adj1" fmla="val 28119761"/>
+            </a:avLst>
+          </a:prstGeom>
+          <a:ln>
+            <a:solidFill>
+              <a:srgbClr val="FF0000"/>
+            </a:solidFill>
+            <a:tailEnd type="triangle"/>
+          </a:ln>
+        </p:spPr>
+        <p:style>
+          <a:lnRef idx="1">
+            <a:schemeClr val="accent1"/>
+          </a:lnRef>
+          <a:fillRef idx="0">
+            <a:schemeClr val="accent1"/>
+          </a:fillRef>
+          <a:effectRef idx="0">
+            <a:schemeClr val="accent1"/>
+          </a:effectRef>
+          <a:fontRef idx="minor">
+            <a:schemeClr val="tx1"/>
+          </a:fontRef>
+        </p:style>
+      </p:cxnSp>
+      <p:sp>
+        <p:nvSpPr>
+          <p:cNvPr id="10" name="Oval 15">
+            <a:extLst>
+              <a:ext uri="{FF2B5EF4-FFF2-40B4-BE49-F238E27FC236}">
+                <a16:creationId xmlns:a16="http://schemas.microsoft.com/office/drawing/2014/main" id="{EC45206D-E552-441B-81BD-6109A354D05E}"/>
+              </a:ext>
+            </a:extLst>
+          </p:cNvPr>
+          <p:cNvSpPr/>
+          <p:nvPr/>
+        </p:nvSpPr>
+        <p:spPr>
+          <a:xfrm>
+            <a:off x="1843360" y="2592901"/>
+            <a:ext cx="1260000" cy="432000"/>
+          </a:xfrm>
+          <a:prstGeom prst="ellipse">
+            <a:avLst/>
+          </a:prstGeom>
+          <a:noFill/>
+          <a:ln>
+            <a:solidFill>
+              <a:srgbClr val="FF0000"/>
+            </a:solidFill>
+          </a:ln>
+        </p:spPr>
+        <p:style>
+          <a:lnRef idx="2">
+            <a:schemeClr val="accent1">
+              <a:shade val="50000"/>
+            </a:schemeClr>
+          </a:lnRef>
+          <a:fillRef idx="1">
+            <a:schemeClr val="accent1"/>
+          </a:fillRef>
+          <a:effectRef idx="0">
+            <a:schemeClr val="accent1"/>
+          </a:effectRef>
+          <a:fontRef idx="minor">
+            <a:schemeClr val="lt1"/>
+          </a:fontRef>
+        </p:style>
+        <p:txBody>
+          <a:bodyPr rtlCol="0" anchor="ctr"/>
+          <a:lstStyle/>
+          <a:p>
+            <a:pPr algn="ctr"/>
+            <a:r>
+              <a:rPr lang="en-HK" sz="1350" dirty="0">
+                <a:solidFill>
+                  <a:srgbClr val="FF0000"/>
+                </a:solidFill>
+                <a:latin typeface="Century Gothic" panose="020B0502020202020204" pitchFamily="34" charset="0"/>
+              </a:rPr>
+              <a:t>Free Patterns</a:t>
+            </a:r>
+            <a:endParaRPr lang="en-US" sz="1350" dirty="0">
+              <a:solidFill>
+                <a:srgbClr val="FF0000"/>
+              </a:solidFill>
+              <a:latin typeface="Century Gothic" panose="020B0502020202020204" pitchFamily="34" charset="0"/>
+            </a:endParaRPr>
+          </a:p>
+        </p:txBody>
+      </p:sp>
+      <p:sp>
+        <p:nvSpPr>
+          <p:cNvPr id="11" name="Oval 16">
+            <a:extLst>
+              <a:ext uri="{FF2B5EF4-FFF2-40B4-BE49-F238E27FC236}">
+                <a16:creationId xmlns:a16="http://schemas.microsoft.com/office/drawing/2014/main" id="{F5D27AD5-8854-4206-943E-81E2E316A6F0}"/>
+              </a:ext>
+            </a:extLst>
+          </p:cNvPr>
+          <p:cNvSpPr/>
+          <p:nvPr/>
+        </p:nvSpPr>
+        <p:spPr>
+          <a:xfrm>
+            <a:off x="4599618" y="2052902"/>
+            <a:ext cx="1260000" cy="432000"/>
+          </a:xfrm>
+          <a:prstGeom prst="ellipse">
+            <a:avLst/>
+          </a:prstGeom>
+          <a:noFill/>
+          <a:ln>
+            <a:solidFill>
+              <a:srgbClr val="FF0000"/>
+            </a:solidFill>
+          </a:ln>
+        </p:spPr>
+        <p:style>
+          <a:lnRef idx="2">
+            <a:schemeClr val="accent1">
+              <a:shade val="50000"/>
+            </a:schemeClr>
+          </a:lnRef>
+          <a:fillRef idx="1">
+            <a:schemeClr val="accent1"/>
+          </a:fillRef>
+          <a:effectRef idx="0">
+            <a:schemeClr val="accent1"/>
+          </a:effectRef>
+          <a:fontRef idx="minor">
+            <a:schemeClr val="lt1"/>
+          </a:fontRef>
+        </p:style>
+        <p:txBody>
+          <a:bodyPr rtlCol="0" anchor="ctr"/>
+          <a:lstStyle/>
+          <a:p>
+            <a:pPr algn="ctr"/>
+            <a:r>
+              <a:rPr lang="en-HK" sz="1350" dirty="0">
+                <a:solidFill>
+                  <a:srgbClr val="FF0000"/>
+                </a:solidFill>
+                <a:latin typeface="Century Gothic" panose="020B0502020202020204" pitchFamily="34" charset="0"/>
+              </a:rPr>
+              <a:t>Load Patterns</a:t>
+            </a:r>
+            <a:endParaRPr lang="en-US" sz="1350" dirty="0">
+              <a:solidFill>
+                <a:srgbClr val="FF0000"/>
+              </a:solidFill>
+              <a:latin typeface="Century Gothic" panose="020B0502020202020204" pitchFamily="34" charset="0"/>
+            </a:endParaRPr>
+          </a:p>
+        </p:txBody>
+      </p:sp>
+      <p:sp>
+        <p:nvSpPr>
+          <p:cNvPr id="12" name="Oval 17">
+            <a:extLst>
+              <a:ext uri="{FF2B5EF4-FFF2-40B4-BE49-F238E27FC236}">
+                <a16:creationId xmlns:a16="http://schemas.microsoft.com/office/drawing/2014/main" id="{F047A544-F43B-4A44-9249-DB703BFE7862}"/>
+              </a:ext>
+            </a:extLst>
+          </p:cNvPr>
+          <p:cNvSpPr/>
+          <p:nvPr/>
+        </p:nvSpPr>
+        <p:spPr>
+          <a:xfrm>
+            <a:off x="6501799" y="4738786"/>
+            <a:ext cx="1260000" cy="432000"/>
+          </a:xfrm>
+          <a:prstGeom prst="ellipse">
+            <a:avLst/>
+          </a:prstGeom>
+          <a:noFill/>
+          <a:ln>
+            <a:solidFill>
+              <a:srgbClr val="FF0000"/>
+            </a:solidFill>
+          </a:ln>
+        </p:spPr>
+        <p:style>
+          <a:lnRef idx="2">
+            <a:schemeClr val="accent1">
+              <a:shade val="50000"/>
+            </a:schemeClr>
+          </a:lnRef>
+          <a:fillRef idx="1">
+            <a:schemeClr val="accent1"/>
+          </a:fillRef>
+          <a:effectRef idx="0">
+            <a:schemeClr val="accent1"/>
+          </a:effectRef>
+          <a:fontRef idx="minor">
+            <a:schemeClr val="lt1"/>
+          </a:fontRef>
+        </p:style>
+        <p:txBody>
+          <a:bodyPr rtlCol="0" anchor="ctr"/>
+          <a:lstStyle/>
+          <a:p>
+            <a:pPr algn="ctr"/>
+            <a:r>
+              <a:rPr lang="en-HK" sz="1350" dirty="0">
+                <a:solidFill>
+                  <a:srgbClr val="FF0000"/>
+                </a:solidFill>
+                <a:latin typeface="Century Gothic" panose="020B0502020202020204" pitchFamily="34" charset="0"/>
+              </a:rPr>
+              <a:t>Stop</a:t>
+            </a:r>
+            <a:endParaRPr lang="en-US" sz="1350" dirty="0">
+              <a:solidFill>
+                <a:srgbClr val="FF0000"/>
+              </a:solidFill>
+              <a:latin typeface="Century Gothic" panose="020B0502020202020204" pitchFamily="34" charset="0"/>
+            </a:endParaRPr>
+          </a:p>
+        </p:txBody>
+      </p:sp>
+      <p:sp>
+        <p:nvSpPr>
+          <p:cNvPr id="13" name="Oval 18">
+            <a:extLst>
+              <a:ext uri="{FF2B5EF4-FFF2-40B4-BE49-F238E27FC236}">
+                <a16:creationId xmlns:a16="http://schemas.microsoft.com/office/drawing/2014/main" id="{69B7FC7B-445F-4FAB-BB35-419FD801F91E}"/>
+              </a:ext>
+            </a:extLst>
+          </p:cNvPr>
+          <p:cNvSpPr/>
+          <p:nvPr/>
+        </p:nvSpPr>
+        <p:spPr>
+          <a:xfrm>
+            <a:off x="4572000" y="4198786"/>
+            <a:ext cx="1260000" cy="432000"/>
+          </a:xfrm>
+          <a:prstGeom prst="ellipse">
+            <a:avLst/>
+          </a:prstGeom>
+          <a:noFill/>
+          <a:ln>
+            <a:solidFill>
+              <a:srgbClr val="FF0000"/>
+            </a:solidFill>
+          </a:ln>
+        </p:spPr>
+        <p:style>
+          <a:lnRef idx="2">
+            <a:schemeClr val="accent1">
+              <a:shade val="50000"/>
+            </a:schemeClr>
+          </a:lnRef>
+          <a:fillRef idx="1">
+            <a:schemeClr val="accent1"/>
+          </a:fillRef>
+          <a:effectRef idx="0">
+            <a:schemeClr val="accent1"/>
+          </a:effectRef>
+          <a:fontRef idx="minor">
+            <a:schemeClr val="lt1"/>
+          </a:fontRef>
+        </p:style>
+        <p:txBody>
+          <a:bodyPr rtlCol="0" anchor="ctr"/>
+          <a:lstStyle/>
+          <a:p>
+            <a:pPr algn="ctr"/>
+            <a:r>
+              <a:rPr lang="en-HK" sz="1350" dirty="0">
+                <a:solidFill>
+                  <a:srgbClr val="FF0000"/>
+                </a:solidFill>
+                <a:latin typeface="Century Gothic" panose="020B0502020202020204" pitchFamily="34" charset="0"/>
+              </a:rPr>
+              <a:t>Proj&amp; Image</a:t>
+            </a:r>
+            <a:endParaRPr lang="en-US" sz="1350" dirty="0">
+              <a:solidFill>
+                <a:srgbClr val="FF0000"/>
+              </a:solidFill>
+              <a:latin typeface="Century Gothic" panose="020B0502020202020204" pitchFamily="34" charset="0"/>
+            </a:endParaRPr>
+          </a:p>
+        </p:txBody>
+      </p:sp>
+      <p:cxnSp>
+        <p:nvCxnSpPr>
+          <p:cNvPr id="14" name="直接箭头连接符 13">
+            <a:extLst>
+              <a:ext uri="{FF2B5EF4-FFF2-40B4-BE49-F238E27FC236}">
+                <a16:creationId xmlns:a16="http://schemas.microsoft.com/office/drawing/2014/main" id="{C238E702-3512-45F5-A9AE-A589F63872F8}"/>
+              </a:ext>
+            </a:extLst>
+          </p:cNvPr>
+          <p:cNvCxnSpPr>
+            <a:cxnSpLocks/>
+            <a:stCxn id="2" idx="2"/>
+            <a:endCxn id="5" idx="0"/>
+          </p:cNvCxnSpPr>
+          <p:nvPr/>
+        </p:nvCxnSpPr>
+        <p:spPr>
+          <a:xfrm>
+            <a:off x="4543043" y="1951958"/>
+            <a:ext cx="1341" cy="640943"/>
+          </a:xfrm>
+          <a:prstGeom prst="straightConnector1">
+            <a:avLst/>
+          </a:prstGeom>
+          <a:ln>
+            <a:solidFill>
+              <a:srgbClr val="FF0000"/>
+            </a:solidFill>
+            <a:tailEnd type="triangle"/>
+          </a:ln>
+        </p:spPr>
+        <p:style>
+          <a:lnRef idx="1">
+            <a:schemeClr val="accent1"/>
+          </a:lnRef>
+          <a:fillRef idx="0">
+            <a:schemeClr val="accent1"/>
+          </a:fillRef>
+          <a:effectRef idx="0">
+            <a:schemeClr val="accent1"/>
+          </a:effectRef>
+          <a:fontRef idx="minor">
+            <a:schemeClr val="tx1"/>
+          </a:fontRef>
+        </p:style>
+      </p:cxnSp>
+      <p:cxnSp>
+        <p:nvCxnSpPr>
+          <p:cNvPr id="15" name="直接箭头连接符 14">
+            <a:extLst>
+              <a:ext uri="{FF2B5EF4-FFF2-40B4-BE49-F238E27FC236}">
+                <a16:creationId xmlns:a16="http://schemas.microsoft.com/office/drawing/2014/main" id="{3888206D-FD08-4E90-8FC1-92AB476075CD}"/>
+              </a:ext>
+            </a:extLst>
+          </p:cNvPr>
+          <p:cNvCxnSpPr>
+            <a:cxnSpLocks/>
+            <a:stCxn id="3" idx="2"/>
+            <a:endCxn id="2" idx="0"/>
+          </p:cNvCxnSpPr>
+          <p:nvPr/>
+        </p:nvCxnSpPr>
+        <p:spPr>
+          <a:xfrm>
+            <a:off x="4543043" y="879015"/>
+            <a:ext cx="0" cy="640943"/>
+          </a:xfrm>
+          <a:prstGeom prst="straightConnector1">
+            <a:avLst/>
+          </a:prstGeom>
+          <a:ln>
+            <a:solidFill>
+              <a:schemeClr val="accent1"/>
+            </a:solidFill>
+            <a:tailEnd type="triangle"/>
+          </a:ln>
+        </p:spPr>
+        <p:style>
+          <a:lnRef idx="1">
+            <a:schemeClr val="accent1"/>
+          </a:lnRef>
+          <a:fillRef idx="0">
+            <a:schemeClr val="accent1"/>
+          </a:fillRef>
+          <a:effectRef idx="0">
+            <a:schemeClr val="accent1"/>
+          </a:effectRef>
+          <a:fontRef idx="minor">
+            <a:schemeClr val="tx1"/>
+          </a:fontRef>
+        </p:style>
+      </p:cxnSp>
+      <p:cxnSp>
+        <p:nvCxnSpPr>
+          <p:cNvPr id="16" name="直接箭头连接符 15">
+            <a:extLst>
+              <a:ext uri="{FF2B5EF4-FFF2-40B4-BE49-F238E27FC236}">
+                <a16:creationId xmlns:a16="http://schemas.microsoft.com/office/drawing/2014/main" id="{EEDF49E7-4885-41D9-860E-40ACCF8DB951}"/>
+              </a:ext>
+            </a:extLst>
+          </p:cNvPr>
+          <p:cNvCxnSpPr>
+            <a:cxnSpLocks/>
+            <a:stCxn id="5" idx="2"/>
+            <a:endCxn id="6" idx="0"/>
+          </p:cNvCxnSpPr>
+          <p:nvPr/>
+        </p:nvCxnSpPr>
+        <p:spPr>
+          <a:xfrm>
+            <a:off x="4544384" y="3024901"/>
+            <a:ext cx="0" cy="640943"/>
+          </a:xfrm>
+          <a:prstGeom prst="straightConnector1">
+            <a:avLst/>
+          </a:prstGeom>
+          <a:ln>
+            <a:solidFill>
+              <a:schemeClr val="accent1"/>
+            </a:solidFill>
+            <a:tailEnd type="triangle"/>
+          </a:ln>
+        </p:spPr>
+        <p:style>
+          <a:lnRef idx="1">
+            <a:schemeClr val="accent1"/>
+          </a:lnRef>
+          <a:fillRef idx="0">
+            <a:schemeClr val="accent1"/>
+          </a:fillRef>
+          <a:effectRef idx="0">
+            <a:schemeClr val="accent1"/>
+          </a:effectRef>
+          <a:fontRef idx="minor">
+            <a:schemeClr val="tx1"/>
+          </a:fontRef>
+        </p:style>
+      </p:cxnSp>
+      <p:cxnSp>
+        <p:nvCxnSpPr>
+          <p:cNvPr id="17" name="直接箭头连接符 16">
+            <a:extLst>
+              <a:ext uri="{FF2B5EF4-FFF2-40B4-BE49-F238E27FC236}">
+                <a16:creationId xmlns:a16="http://schemas.microsoft.com/office/drawing/2014/main" id="{BCA718AF-4876-4FBB-8780-4531F8E49FB3}"/>
+              </a:ext>
+            </a:extLst>
+          </p:cNvPr>
+          <p:cNvCxnSpPr>
+            <a:cxnSpLocks/>
+            <a:stCxn id="6" idx="2"/>
+            <a:endCxn id="4" idx="0"/>
+          </p:cNvCxnSpPr>
+          <p:nvPr/>
+        </p:nvCxnSpPr>
+        <p:spPr>
+          <a:xfrm>
+            <a:off x="4544384" y="4097844"/>
+            <a:ext cx="0" cy="640943"/>
+          </a:xfrm>
+          <a:prstGeom prst="straightConnector1">
+            <a:avLst/>
+          </a:prstGeom>
+          <a:ln>
+            <a:solidFill>
+              <a:srgbClr val="FF0000"/>
+            </a:solidFill>
+            <a:tailEnd type="triangle"/>
+          </a:ln>
+        </p:spPr>
+        <p:style>
+          <a:lnRef idx="1">
+            <a:schemeClr val="accent1"/>
+          </a:lnRef>
+          <a:fillRef idx="0">
+            <a:schemeClr val="accent1"/>
+          </a:fillRef>
+          <a:effectRef idx="0">
+            <a:schemeClr val="accent1"/>
+          </a:effectRef>
+          <a:fontRef idx="minor">
+            <a:schemeClr val="tx1"/>
+          </a:fontRef>
+        </p:style>
+      </p:cxnSp>
+      <p:cxnSp>
+        <p:nvCxnSpPr>
+          <p:cNvPr id="18" name="直接箭头连接符 17">
+            <a:extLst>
+              <a:ext uri="{FF2B5EF4-FFF2-40B4-BE49-F238E27FC236}">
+                <a16:creationId xmlns:a16="http://schemas.microsoft.com/office/drawing/2014/main" id="{0B82998D-2FD3-4DA6-8333-6D01D09DFF3D}"/>
+              </a:ext>
+            </a:extLst>
+          </p:cNvPr>
+          <p:cNvCxnSpPr>
+            <a:cxnSpLocks/>
+            <a:stCxn id="4" idx="2"/>
+            <a:endCxn id="7" idx="0"/>
+          </p:cNvCxnSpPr>
+          <p:nvPr/>
+        </p:nvCxnSpPr>
+        <p:spPr>
+          <a:xfrm flipH="1">
+            <a:off x="4543043" y="5170787"/>
+            <a:ext cx="1341" cy="640942"/>
+          </a:xfrm>
+          <a:prstGeom prst="straightConnector1">
+            <a:avLst/>
+          </a:prstGeom>
+          <a:ln>
+            <a:solidFill>
+              <a:schemeClr val="accent1"/>
+            </a:solidFill>
+            <a:tailEnd type="triangle"/>
+          </a:ln>
+        </p:spPr>
+        <p:style>
+          <a:lnRef idx="1">
+            <a:schemeClr val="accent1"/>
+          </a:lnRef>
+          <a:fillRef idx="0">
+            <a:schemeClr val="accent1"/>
+          </a:fillRef>
+          <a:effectRef idx="0">
+            <a:schemeClr val="accent1"/>
+          </a:effectRef>
+          <a:fontRef idx="minor">
+            <a:schemeClr val="tx1"/>
+          </a:fontRef>
+        </p:style>
+      </p:cxnSp>
+      <p:cxnSp>
+        <p:nvCxnSpPr>
+          <p:cNvPr id="19" name="Elbow Connector 11">
+            <a:extLst>
+              <a:ext uri="{FF2B5EF4-FFF2-40B4-BE49-F238E27FC236}">
+                <a16:creationId xmlns:a16="http://schemas.microsoft.com/office/drawing/2014/main" id="{345BF907-4FC7-4AC7-A099-0A484642295B}"/>
+              </a:ext>
+            </a:extLst>
+          </p:cNvPr>
+          <p:cNvCxnSpPr>
+            <a:cxnSpLocks/>
+            <a:stCxn id="7" idx="3"/>
+            <a:endCxn id="6" idx="3"/>
+          </p:cNvCxnSpPr>
+          <p:nvPr/>
+        </p:nvCxnSpPr>
+        <p:spPr>
+          <a:xfrm flipV="1">
+            <a:off x="5218043" y="3881844"/>
+            <a:ext cx="1341" cy="2145885"/>
+          </a:xfrm>
+          <a:prstGeom prst="bentConnector3">
+            <a:avLst>
+              <a:gd name="adj1" fmla="val 92780761"/>
+            </a:avLst>
+          </a:prstGeom>
+          <a:ln>
+            <a:solidFill>
+              <a:srgbClr val="FF0000"/>
+            </a:solidFill>
+            <a:tailEnd type="triangle"/>
+          </a:ln>
+        </p:spPr>
+        <p:style>
+          <a:lnRef idx="1">
+            <a:schemeClr val="accent1"/>
+          </a:lnRef>
+          <a:fillRef idx="0">
+            <a:schemeClr val="accent1"/>
+          </a:fillRef>
+          <a:effectRef idx="0">
+            <a:schemeClr val="accent1"/>
+          </a:effectRef>
+          <a:fontRef idx="minor">
+            <a:schemeClr val="tx1"/>
+          </a:fontRef>
+        </p:style>
+      </p:cxnSp>
+      <p:sp>
+        <p:nvSpPr>
+          <p:cNvPr id="20" name="椭圆 19">
+            <a:extLst>
+              <a:ext uri="{FF2B5EF4-FFF2-40B4-BE49-F238E27FC236}">
+                <a16:creationId xmlns:a16="http://schemas.microsoft.com/office/drawing/2014/main" id="{27667C6E-3C5E-4725-8E21-C67386121D3B}"/>
+              </a:ext>
+            </a:extLst>
+          </p:cNvPr>
+          <p:cNvSpPr/>
+          <p:nvPr/>
+        </p:nvSpPr>
+        <p:spPr>
+          <a:xfrm>
+            <a:off x="6293048" y="447015"/>
+            <a:ext cx="1468751" cy="1468751"/>
+          </a:xfrm>
+          <a:prstGeom prst="ellipse">
+            <a:avLst/>
+          </a:prstGeom>
+          <a:noFill/>
+          <a:ln w="28575">
+            <a:solidFill>
+              <a:srgbClr val="FF0000"/>
+            </a:solidFill>
+          </a:ln>
+        </p:spPr>
+        <p:style>
+          <a:lnRef idx="2">
+            <a:schemeClr val="accent1">
+              <a:shade val="50000"/>
+            </a:schemeClr>
+          </a:lnRef>
+          <a:fillRef idx="1">
+            <a:schemeClr val="accent1"/>
+          </a:fillRef>
+          <a:effectRef idx="0">
+            <a:schemeClr val="accent1"/>
+          </a:effectRef>
+          <a:fontRef idx="minor">
+            <a:schemeClr val="lt1"/>
+          </a:fontRef>
+        </p:style>
+        <p:txBody>
+          <a:bodyPr rtlCol="0" anchor="ctr"/>
+          <a:lstStyle/>
+          <a:p>
+            <a:pPr algn="ctr"/>
+            <a:r>
+              <a:rPr lang="en-US" altLang="zh-CN" sz="2800" dirty="0">
+                <a:solidFill>
+                  <a:srgbClr val="FF0000"/>
+                </a:solidFill>
+                <a:latin typeface="Century Gothic" panose="020B0502020202020204" pitchFamily="34" charset="0"/>
+              </a:rPr>
+              <a:t>Quit</a:t>
+            </a:r>
+            <a:endParaRPr lang="zh-CN" altLang="en-US" sz="2800" dirty="0">
+              <a:solidFill>
+                <a:srgbClr val="FF0000"/>
+              </a:solidFill>
+              <a:latin typeface="Century Gothic" panose="020B0502020202020204" pitchFamily="34" charset="0"/>
+            </a:endParaRPr>
+          </a:p>
+        </p:txBody>
+      </p:sp>
+      <p:sp>
+        <p:nvSpPr>
+          <p:cNvPr id="21" name="Oval 15">
+            <a:extLst>
+              <a:ext uri="{FF2B5EF4-FFF2-40B4-BE49-F238E27FC236}">
+                <a16:creationId xmlns:a16="http://schemas.microsoft.com/office/drawing/2014/main" id="{1A685662-2270-4778-81D7-42C6D38F48F8}"/>
+              </a:ext>
+            </a:extLst>
+          </p:cNvPr>
+          <p:cNvSpPr/>
+          <p:nvPr/>
+        </p:nvSpPr>
+        <p:spPr>
+          <a:xfrm>
+            <a:off x="1297061" y="4854985"/>
+            <a:ext cx="360000" cy="180000"/>
+          </a:xfrm>
+          <a:prstGeom prst="ellipse">
+            <a:avLst/>
+          </a:prstGeom>
+          <a:noFill/>
+          <a:ln>
+            <a:solidFill>
+              <a:srgbClr val="FF0000"/>
+            </a:solidFill>
+          </a:ln>
+        </p:spPr>
+        <p:style>
+          <a:lnRef idx="2">
+            <a:schemeClr val="accent1">
+              <a:shade val="50000"/>
+            </a:schemeClr>
+          </a:lnRef>
+          <a:fillRef idx="1">
+            <a:schemeClr val="accent1"/>
+          </a:fillRef>
+          <a:effectRef idx="0">
+            <a:schemeClr val="accent1"/>
+          </a:effectRef>
+          <a:fontRef idx="minor">
+            <a:schemeClr val="lt1"/>
+          </a:fontRef>
+        </p:style>
+        <p:txBody>
+          <a:bodyPr rtlCol="0" anchor="ctr"/>
+          <a:lstStyle/>
+          <a:p>
+            <a:pPr algn="ctr"/>
+            <a:endParaRPr lang="en-US" sz="1350" dirty="0">
+              <a:solidFill>
+                <a:srgbClr val="FF0000"/>
+              </a:solidFill>
+              <a:latin typeface="Century Gothic" panose="020B0502020202020204" pitchFamily="34" charset="0"/>
+            </a:endParaRPr>
+          </a:p>
+        </p:txBody>
+      </p:sp>
+      <p:sp>
+        <p:nvSpPr>
+          <p:cNvPr id="22" name="文本框 21">
+            <a:extLst>
+              <a:ext uri="{FF2B5EF4-FFF2-40B4-BE49-F238E27FC236}">
+                <a16:creationId xmlns:a16="http://schemas.microsoft.com/office/drawing/2014/main" id="{C6AC436A-AD4F-466A-AC67-4606D3F0974A}"/>
+              </a:ext>
+            </a:extLst>
+          </p:cNvPr>
+          <p:cNvSpPr txBox="1"/>
+          <p:nvPr/>
+        </p:nvSpPr>
+        <p:spPr>
+          <a:xfrm>
+            <a:off x="1661084" y="4755289"/>
+            <a:ext cx="1442277" cy="369332"/>
+          </a:xfrm>
+          <a:prstGeom prst="rect">
+            <a:avLst/>
+          </a:prstGeom>
+          <a:noFill/>
+        </p:spPr>
+        <p:txBody>
+          <a:bodyPr wrap="square" rtlCol="0">
+            <a:spAutoFit/>
+          </a:bodyPr>
+          <a:lstStyle/>
+          <a:p>
+            <a:r>
+              <a:rPr lang="en-US" altLang="zh-CN" dirty="0"/>
+              <a:t>Buttons</a:t>
+            </a:r>
+            <a:endParaRPr lang="zh-CN" altLang="en-US" dirty="0"/>
+          </a:p>
+        </p:txBody>
+      </p:sp>
+      <p:sp>
+        <p:nvSpPr>
+          <p:cNvPr id="23" name="Rectangle 4">
+            <a:extLst>
+              <a:ext uri="{FF2B5EF4-FFF2-40B4-BE49-F238E27FC236}">
+                <a16:creationId xmlns:a16="http://schemas.microsoft.com/office/drawing/2014/main" id="{FF619FFE-3F2B-4939-9423-EEB4295B1A5B}"/>
+              </a:ext>
+            </a:extLst>
+          </p:cNvPr>
+          <p:cNvSpPr/>
+          <p:nvPr/>
+        </p:nvSpPr>
+        <p:spPr>
+          <a:xfrm>
+            <a:off x="1297060" y="5227137"/>
+            <a:ext cx="360000" cy="180000"/>
+          </a:xfrm>
+          <a:prstGeom prst="rect">
+            <a:avLst/>
+          </a:prstGeom>
+          <a:solidFill>
+            <a:schemeClr val="accent1"/>
+          </a:solidFill>
+          <a:ln>
+            <a:noFill/>
+          </a:ln>
+        </p:spPr>
+        <p:style>
+          <a:lnRef idx="2">
+            <a:schemeClr val="accent1">
+              <a:shade val="50000"/>
+            </a:schemeClr>
+          </a:lnRef>
+          <a:fillRef idx="1">
+            <a:schemeClr val="accent1"/>
+          </a:fillRef>
+          <a:effectRef idx="0">
+            <a:schemeClr val="accent1"/>
+          </a:effectRef>
+          <a:fontRef idx="minor">
+            <a:schemeClr val="lt1"/>
+          </a:fontRef>
+        </p:style>
+        <p:txBody>
+          <a:bodyPr rtlCol="0" anchor="ctr"/>
+          <a:lstStyle/>
+          <a:p>
+            <a:pPr algn="ctr"/>
+            <a:endParaRPr lang="en-US" sz="1350" dirty="0">
+              <a:latin typeface="Century Gothic" panose="020B0502020202020204" pitchFamily="34" charset="0"/>
+            </a:endParaRPr>
+          </a:p>
+        </p:txBody>
+      </p:sp>
+      <p:sp>
+        <p:nvSpPr>
+          <p:cNvPr id="24" name="文本框 23">
+            <a:extLst>
+              <a:ext uri="{FF2B5EF4-FFF2-40B4-BE49-F238E27FC236}">
+                <a16:creationId xmlns:a16="http://schemas.microsoft.com/office/drawing/2014/main" id="{B26E9744-E3F4-4B3C-9843-77FDB9A5BFCE}"/>
+              </a:ext>
+            </a:extLst>
+          </p:cNvPr>
+          <p:cNvSpPr txBox="1"/>
+          <p:nvPr/>
+        </p:nvSpPr>
+        <p:spPr>
+          <a:xfrm>
+            <a:off x="1651859" y="5130431"/>
+            <a:ext cx="1603569" cy="369332"/>
+          </a:xfrm>
+          <a:prstGeom prst="rect">
+            <a:avLst/>
+          </a:prstGeom>
+          <a:noFill/>
+        </p:spPr>
+        <p:txBody>
+          <a:bodyPr wrap="square" rtlCol="0">
+            <a:spAutoFit/>
+          </a:bodyPr>
+          <a:lstStyle/>
+          <a:p>
+            <a:r>
+              <a:rPr lang="en-US" altLang="zh-CN" dirty="0"/>
+              <a:t>Conditions</a:t>
+            </a:r>
+            <a:endParaRPr lang="zh-CN" altLang="en-US" dirty="0"/>
+          </a:p>
+        </p:txBody>
+      </p:sp>
+      <p:cxnSp>
+        <p:nvCxnSpPr>
+          <p:cNvPr id="25" name="直接箭头连接符 24">
+            <a:extLst>
+              <a:ext uri="{FF2B5EF4-FFF2-40B4-BE49-F238E27FC236}">
+                <a16:creationId xmlns:a16="http://schemas.microsoft.com/office/drawing/2014/main" id="{476DC688-D491-4164-A9A7-ACE204B080DF}"/>
+              </a:ext>
+            </a:extLst>
+          </p:cNvPr>
+          <p:cNvCxnSpPr>
+            <a:cxnSpLocks/>
+          </p:cNvCxnSpPr>
+          <p:nvPr/>
+        </p:nvCxnSpPr>
+        <p:spPr>
+          <a:xfrm>
+            <a:off x="1297060" y="5690239"/>
+            <a:ext cx="360000" cy="0"/>
+          </a:xfrm>
+          <a:prstGeom prst="straightConnector1">
+            <a:avLst/>
+          </a:prstGeom>
+          <a:ln>
+            <a:solidFill>
+              <a:srgbClr val="FF0000"/>
+            </a:solidFill>
+            <a:tailEnd type="triangle"/>
+          </a:ln>
+        </p:spPr>
+        <p:style>
+          <a:lnRef idx="1">
+            <a:schemeClr val="accent1"/>
+          </a:lnRef>
+          <a:fillRef idx="0">
+            <a:schemeClr val="accent1"/>
+          </a:fillRef>
+          <a:effectRef idx="0">
+            <a:schemeClr val="accent1"/>
+          </a:effectRef>
+          <a:fontRef idx="minor">
+            <a:schemeClr val="tx1"/>
+          </a:fontRef>
+        </p:style>
+      </p:cxnSp>
+      <p:sp>
+        <p:nvSpPr>
+          <p:cNvPr id="26" name="文本框 25">
+            <a:extLst>
+              <a:ext uri="{FF2B5EF4-FFF2-40B4-BE49-F238E27FC236}">
+                <a16:creationId xmlns:a16="http://schemas.microsoft.com/office/drawing/2014/main" id="{BCB70333-6F4C-479F-B272-2141D931BD58}"/>
+              </a:ext>
+            </a:extLst>
+          </p:cNvPr>
+          <p:cNvSpPr txBox="1"/>
+          <p:nvPr/>
+        </p:nvSpPr>
+        <p:spPr>
+          <a:xfrm>
+            <a:off x="1648575" y="5505573"/>
+            <a:ext cx="1733394" cy="369332"/>
+          </a:xfrm>
+          <a:prstGeom prst="rect">
+            <a:avLst/>
+          </a:prstGeom>
+          <a:noFill/>
+        </p:spPr>
+        <p:txBody>
+          <a:bodyPr wrap="square" rtlCol="0">
+            <a:spAutoFit/>
+          </a:bodyPr>
+          <a:lstStyle/>
+          <a:p>
+            <a:r>
+              <a:rPr lang="en-US" altLang="zh-CN" dirty="0"/>
+              <a:t>Button triggered</a:t>
+            </a:r>
+            <a:endParaRPr lang="zh-CN" altLang="en-US" dirty="0"/>
+          </a:p>
+        </p:txBody>
+      </p:sp>
+      <p:cxnSp>
+        <p:nvCxnSpPr>
+          <p:cNvPr id="27" name="直接箭头连接符 26">
+            <a:extLst>
+              <a:ext uri="{FF2B5EF4-FFF2-40B4-BE49-F238E27FC236}">
+                <a16:creationId xmlns:a16="http://schemas.microsoft.com/office/drawing/2014/main" id="{D05DC8B1-26D4-465B-93D1-1D6A6BA463C3}"/>
+              </a:ext>
+            </a:extLst>
+          </p:cNvPr>
+          <p:cNvCxnSpPr>
+            <a:cxnSpLocks/>
+          </p:cNvCxnSpPr>
+          <p:nvPr/>
+        </p:nvCxnSpPr>
+        <p:spPr>
+          <a:xfrm>
+            <a:off x="1288574" y="6065380"/>
+            <a:ext cx="360000" cy="0"/>
+          </a:xfrm>
+          <a:prstGeom prst="straightConnector1">
+            <a:avLst/>
+          </a:prstGeom>
+          <a:ln>
+            <a:solidFill>
+              <a:schemeClr val="accent1"/>
+            </a:solidFill>
+            <a:tailEnd type="triangle"/>
+          </a:ln>
+        </p:spPr>
+        <p:style>
+          <a:lnRef idx="1">
+            <a:schemeClr val="accent1"/>
+          </a:lnRef>
+          <a:fillRef idx="0">
+            <a:schemeClr val="accent1"/>
+          </a:fillRef>
+          <a:effectRef idx="0">
+            <a:schemeClr val="accent1"/>
+          </a:effectRef>
+          <a:fontRef idx="minor">
+            <a:schemeClr val="tx1"/>
+          </a:fontRef>
+        </p:style>
+      </p:cxnSp>
+      <p:sp>
+        <p:nvSpPr>
+          <p:cNvPr id="28" name="文本框 27">
+            <a:extLst>
+              <a:ext uri="{FF2B5EF4-FFF2-40B4-BE49-F238E27FC236}">
+                <a16:creationId xmlns:a16="http://schemas.microsoft.com/office/drawing/2014/main" id="{9EC237AD-42D0-4CDA-9220-7E54A15EF770}"/>
+              </a:ext>
+            </a:extLst>
+          </p:cNvPr>
+          <p:cNvSpPr txBox="1"/>
+          <p:nvPr/>
+        </p:nvSpPr>
+        <p:spPr>
+          <a:xfrm>
+            <a:off x="1648575" y="5880714"/>
+            <a:ext cx="1300258" cy="369332"/>
+          </a:xfrm>
+          <a:prstGeom prst="rect">
+            <a:avLst/>
+          </a:prstGeom>
+          <a:noFill/>
+        </p:spPr>
+        <p:txBody>
+          <a:bodyPr wrap="square" rtlCol="0">
+            <a:spAutoFit/>
+          </a:bodyPr>
+          <a:lstStyle/>
+          <a:p>
+            <a:r>
+              <a:rPr lang="en-US" altLang="zh-CN" dirty="0"/>
+              <a:t>Automatic</a:t>
+            </a:r>
+            <a:endParaRPr lang="zh-CN" altLang="en-US" dirty="0"/>
+          </a:p>
+        </p:txBody>
+      </p:sp>
+      <p:sp>
+        <p:nvSpPr>
+          <p:cNvPr id="29" name="矩形 28">
+            <a:extLst>
+              <a:ext uri="{FF2B5EF4-FFF2-40B4-BE49-F238E27FC236}">
+                <a16:creationId xmlns:a16="http://schemas.microsoft.com/office/drawing/2014/main" id="{256F57B1-117D-4131-8B69-2F48865771B1}"/>
+              </a:ext>
+            </a:extLst>
+          </p:cNvPr>
+          <p:cNvSpPr/>
+          <p:nvPr/>
+        </p:nvSpPr>
+        <p:spPr>
+          <a:xfrm>
+            <a:off x="1129145" y="235528"/>
+            <a:ext cx="6802582" cy="6175458"/>
+          </a:xfrm>
+          <a:prstGeom prst="rect">
+            <a:avLst/>
+          </a:prstGeom>
+          <a:noFill/>
+          <a:ln>
+            <a:prstDash val="lgDash"/>
+          </a:ln>
+        </p:spPr>
+        <p:style>
+          <a:lnRef idx="2">
+            <a:schemeClr val="accent1">
+              <a:shade val="50000"/>
+            </a:schemeClr>
+          </a:lnRef>
+          <a:fillRef idx="1">
+            <a:schemeClr val="accent1"/>
+          </a:fillRef>
+          <a:effectRef idx="0">
+            <a:schemeClr val="accent1"/>
+          </a:effectRef>
+          <a:fontRef idx="minor">
+            <a:schemeClr val="lt1"/>
+          </a:fontRef>
+        </p:style>
+        <p:txBody>
+          <a:bodyPr rtlCol="0" anchor="ctr"/>
+          <a:lstStyle/>
+          <a:p>
+            <a:pPr algn="ctr"/>
+            <a:endParaRPr lang="zh-CN" altLang="en-US"/>
+          </a:p>
+        </p:txBody>
+      </p:sp>
+    </p:spTree>
+    <p:extLst>
+      <p:ext uri="{BB962C8B-B14F-4D97-AF65-F5344CB8AC3E}">
+        <p14:creationId xmlns:p14="http://schemas.microsoft.com/office/powerpoint/2010/main" val="657461200"/>
+      </p:ext>
+    </p:extLst>
+  </p:cSld>
+  <p:clrMapOvr>
+    <a:masterClrMapping/>
+  </p:clrMapOvr>
+</p:sld>
+</file>
+
+<file path=ppt/slides/slide11.xml><?xml version="1.0" encoding="utf-8"?>
+<p:sld xmlns:a="http://schemas.openxmlformats.org/drawingml/2006/main" xmlns:r="http://schemas.openxmlformats.org/officeDocument/2006/relationships" xmlns:p="http://schemas.openxmlformats.org/presentationml/2006/main">
+  <p:cSld>
+    <p:spTree>
+      <p:nvGrpSpPr>
+        <p:cNvPr id="1" name=""/>
+        <p:cNvGrpSpPr/>
+        <p:nvPr/>
+      </p:nvGrpSpPr>
+      <p:grpSpPr>
+        <a:xfrm>
+          <a:off x="0" y="0"/>
+          <a:ext cx="0" cy="0"/>
+          <a:chOff x="0" y="0"/>
+          <a:chExt cx="0" cy="0"/>
+        </a:xfrm>
+      </p:grpSpPr>
+      <p:grpSp>
+        <p:nvGrpSpPr>
+          <p:cNvPr id="2" name="Group 5">
+            <a:extLst>
+              <a:ext uri="{FF2B5EF4-FFF2-40B4-BE49-F238E27FC236}">
+                <a16:creationId xmlns:a16="http://schemas.microsoft.com/office/drawing/2014/main" id="{75B4EE02-CB02-4D7C-8DC2-2BA3ADD7E4DC}"/>
+              </a:ext>
+            </a:extLst>
+          </p:cNvPr>
+          <p:cNvGrpSpPr/>
+          <p:nvPr/>
+        </p:nvGrpSpPr>
+        <p:grpSpPr>
+          <a:xfrm>
+            <a:off x="819436" y="1345242"/>
+            <a:ext cx="7266842" cy="4502128"/>
+            <a:chOff x="1119399" y="694635"/>
+            <a:chExt cx="9948229" cy="6163365"/>
+          </a:xfrm>
+        </p:grpSpPr>
+        <p:pic>
+          <p:nvPicPr>
+            <p:cNvPr id="3" name="Picture 3">
+              <a:extLst>
+                <a:ext uri="{FF2B5EF4-FFF2-40B4-BE49-F238E27FC236}">
+                  <a16:creationId xmlns:a16="http://schemas.microsoft.com/office/drawing/2014/main" id="{3A204D65-A907-4215-B69E-5FC2761996DE}"/>
+                </a:ext>
+              </a:extLst>
+            </p:cNvPr>
+            <p:cNvPicPr>
+              <a:picLocks noChangeAspect="1"/>
+            </p:cNvPicPr>
+            <p:nvPr/>
+          </p:nvPicPr>
+          <p:blipFill>
+            <a:blip r:embed="rId2">
+              <a:extLst>
+                <a:ext uri="{28A0092B-C50C-407E-A947-70E740481C1C}">
+                  <a14:useLocalDpi xmlns:a14="http://schemas.microsoft.com/office/drawing/2010/main" val="0"/>
+                </a:ext>
+              </a:extLst>
+            </a:blip>
+            <a:stretch>
+              <a:fillRect/>
+            </a:stretch>
+          </p:blipFill>
+          <p:spPr>
+            <a:xfrm>
+              <a:off x="1119399" y="694635"/>
+              <a:ext cx="9948229" cy="6163365"/>
+            </a:xfrm>
+            <a:prstGeom prst="rect">
+              <a:avLst/>
+            </a:prstGeom>
+          </p:spPr>
+        </p:pic>
+        <p:pic>
+          <p:nvPicPr>
+            <p:cNvPr id="4" name="Picture 4">
+              <a:extLst>
+                <a:ext uri="{FF2B5EF4-FFF2-40B4-BE49-F238E27FC236}">
+                  <a16:creationId xmlns:a16="http://schemas.microsoft.com/office/drawing/2014/main" id="{3233F5A9-0066-4CDA-934B-931290DC33C5}"/>
+                </a:ext>
+              </a:extLst>
+            </p:cNvPr>
+            <p:cNvPicPr>
+              <a:picLocks noChangeAspect="1"/>
+            </p:cNvPicPr>
+            <p:nvPr/>
+          </p:nvPicPr>
+          <p:blipFill rotWithShape="1">
+            <a:blip r:embed="rId3"/>
+            <a:srcRect l="5553" t="15546" r="41651" b="43175"/>
+            <a:stretch/>
+          </p:blipFill>
+          <p:spPr>
+            <a:xfrm>
+              <a:off x="1275328" y="1014272"/>
+              <a:ext cx="4580349" cy="2287173"/>
+            </a:xfrm>
+            <a:prstGeom prst="rect">
+              <a:avLst/>
+            </a:prstGeom>
+          </p:spPr>
+        </p:pic>
+      </p:grpSp>
+      <p:sp>
+        <p:nvSpPr>
+          <p:cNvPr id="5" name="TextBox 6">
+            <a:extLst>
+              <a:ext uri="{FF2B5EF4-FFF2-40B4-BE49-F238E27FC236}">
+                <a16:creationId xmlns:a16="http://schemas.microsoft.com/office/drawing/2014/main" id="{048CE264-A2B8-49FE-B6DF-B3FD02B54BFF}"/>
+              </a:ext>
+            </a:extLst>
+          </p:cNvPr>
+          <p:cNvSpPr txBox="1"/>
+          <p:nvPr/>
+        </p:nvSpPr>
+        <p:spPr>
+          <a:xfrm>
+            <a:off x="18570" y="1015491"/>
+            <a:ext cx="719986" cy="507831"/>
+          </a:xfrm>
+          <a:prstGeom prst="rect">
+            <a:avLst/>
+          </a:prstGeom>
+          <a:noFill/>
+        </p:spPr>
+        <p:txBody>
+          <a:bodyPr wrap="square" rtlCol="0">
+            <a:spAutoFit/>
+          </a:bodyPr>
+          <a:lstStyle/>
+          <a:p>
+            <a:r>
+              <a:rPr lang="en-HK" sz="1350" dirty="0">
+                <a:latin typeface="Century Gothic" panose="020B0502020202020204" pitchFamily="34" charset="0"/>
+              </a:rPr>
+              <a:t>Image</a:t>
+            </a:r>
+            <a:endParaRPr lang="en-US" sz="1350" dirty="0">
+              <a:latin typeface="Century Gothic" panose="020B0502020202020204" pitchFamily="34" charset="0"/>
+            </a:endParaRPr>
+          </a:p>
+        </p:txBody>
+      </p:sp>
+      <p:sp>
+        <p:nvSpPr>
+          <p:cNvPr id="6" name="TextBox 7">
+            <a:extLst>
+              <a:ext uri="{FF2B5EF4-FFF2-40B4-BE49-F238E27FC236}">
+                <a16:creationId xmlns:a16="http://schemas.microsoft.com/office/drawing/2014/main" id="{590BAEE0-11D1-46E1-A99A-452C9B01C587}"/>
+              </a:ext>
+            </a:extLst>
+          </p:cNvPr>
+          <p:cNvSpPr txBox="1"/>
+          <p:nvPr/>
+        </p:nvSpPr>
+        <p:spPr>
+          <a:xfrm>
+            <a:off x="47507" y="4383844"/>
+            <a:ext cx="585542" cy="715581"/>
+          </a:xfrm>
+          <a:prstGeom prst="rect">
+            <a:avLst/>
+          </a:prstGeom>
+          <a:noFill/>
+        </p:spPr>
+        <p:txBody>
+          <a:bodyPr wrap="square" rtlCol="0">
+            <a:spAutoFit/>
+          </a:bodyPr>
+          <a:lstStyle/>
+          <a:p>
+            <a:r>
+              <a:rPr lang="en-HK" sz="1350" dirty="0">
+                <a:latin typeface="Century Gothic" panose="020B0502020202020204" pitchFamily="34" charset="0"/>
+              </a:rPr>
+              <a:t>Raw Data</a:t>
+            </a:r>
+            <a:endParaRPr lang="en-US" sz="1350" dirty="0">
+              <a:latin typeface="Century Gothic" panose="020B0502020202020204" pitchFamily="34" charset="0"/>
+            </a:endParaRPr>
+          </a:p>
+        </p:txBody>
+      </p:sp>
+      <p:sp>
+        <p:nvSpPr>
+          <p:cNvPr id="7" name="TextBox 8">
+            <a:extLst>
+              <a:ext uri="{FF2B5EF4-FFF2-40B4-BE49-F238E27FC236}">
+                <a16:creationId xmlns:a16="http://schemas.microsoft.com/office/drawing/2014/main" id="{69AAF6E8-C5F0-4E7F-B7F8-6CF53ABEB3AB}"/>
+              </a:ext>
+            </a:extLst>
+          </p:cNvPr>
+          <p:cNvSpPr txBox="1"/>
+          <p:nvPr/>
+        </p:nvSpPr>
+        <p:spPr>
+          <a:xfrm>
+            <a:off x="8086277" y="4836082"/>
+            <a:ext cx="1293882" cy="507831"/>
+          </a:xfrm>
+          <a:prstGeom prst="rect">
+            <a:avLst/>
+          </a:prstGeom>
+          <a:noFill/>
+        </p:spPr>
+        <p:txBody>
+          <a:bodyPr wrap="square" rtlCol="0">
+            <a:spAutoFit/>
+          </a:bodyPr>
+          <a:lstStyle/>
+          <a:p>
+            <a:r>
+              <a:rPr lang="en-HK" sz="1350" dirty="0">
+                <a:latin typeface="Century Gothic" panose="020B0502020202020204" pitchFamily="34" charset="0"/>
+              </a:rPr>
+              <a:t>Loading Process</a:t>
+            </a:r>
+            <a:endParaRPr lang="en-US" sz="1350" dirty="0">
+              <a:latin typeface="Century Gothic" panose="020B0502020202020204" pitchFamily="34" charset="0"/>
+            </a:endParaRPr>
+          </a:p>
+        </p:txBody>
+      </p:sp>
+      <p:sp>
+        <p:nvSpPr>
+          <p:cNvPr id="8" name="TextBox 9">
+            <a:extLst>
+              <a:ext uri="{FF2B5EF4-FFF2-40B4-BE49-F238E27FC236}">
+                <a16:creationId xmlns:a16="http://schemas.microsoft.com/office/drawing/2014/main" id="{EEE6B62E-37DB-4080-BA5C-51D5A60743BE}"/>
+              </a:ext>
+            </a:extLst>
+          </p:cNvPr>
+          <p:cNvSpPr txBox="1"/>
+          <p:nvPr/>
+        </p:nvSpPr>
+        <p:spPr>
+          <a:xfrm>
+            <a:off x="8086277" y="2843566"/>
+            <a:ext cx="1589210" cy="300082"/>
+          </a:xfrm>
+          <a:prstGeom prst="rect">
+            <a:avLst/>
+          </a:prstGeom>
+          <a:noFill/>
+        </p:spPr>
+        <p:txBody>
+          <a:bodyPr wrap="square" rtlCol="0">
+            <a:spAutoFit/>
+          </a:bodyPr>
+          <a:lstStyle/>
+          <a:p>
+            <a:r>
+              <a:rPr lang="en-HK" sz="1350" dirty="0">
+                <a:latin typeface="Century Gothic" panose="020B0502020202020204" pitchFamily="34" charset="0"/>
+              </a:rPr>
+              <a:t>Parameters</a:t>
+            </a:r>
+            <a:endParaRPr lang="en-US" sz="1350" dirty="0">
+              <a:latin typeface="Century Gothic" panose="020B0502020202020204" pitchFamily="34" charset="0"/>
+            </a:endParaRPr>
+          </a:p>
+        </p:txBody>
+      </p:sp>
+      <p:sp>
+        <p:nvSpPr>
+          <p:cNvPr id="9" name="TextBox 10">
+            <a:extLst>
+              <a:ext uri="{FF2B5EF4-FFF2-40B4-BE49-F238E27FC236}">
+                <a16:creationId xmlns:a16="http://schemas.microsoft.com/office/drawing/2014/main" id="{A90CEA33-4166-4F1B-ADA5-EC2DE6C59E20}"/>
+              </a:ext>
+            </a:extLst>
+          </p:cNvPr>
+          <p:cNvSpPr txBox="1"/>
+          <p:nvPr/>
+        </p:nvSpPr>
+        <p:spPr>
+          <a:xfrm>
+            <a:off x="8086278" y="1041226"/>
+            <a:ext cx="964945" cy="507831"/>
+          </a:xfrm>
+          <a:prstGeom prst="rect">
+            <a:avLst/>
+          </a:prstGeom>
+          <a:noFill/>
+        </p:spPr>
+        <p:txBody>
+          <a:bodyPr wrap="square" rtlCol="0">
+            <a:spAutoFit/>
+          </a:bodyPr>
+          <a:lstStyle/>
+          <a:p>
+            <a:r>
+              <a:rPr lang="en-HK" sz="1350" dirty="0">
+                <a:latin typeface="Century Gothic" panose="020B0502020202020204" pitchFamily="34" charset="0"/>
+              </a:rPr>
+              <a:t>Condition Control</a:t>
+            </a:r>
+            <a:endParaRPr lang="en-US" sz="1350" dirty="0">
+              <a:latin typeface="Century Gothic" panose="020B0502020202020204" pitchFamily="34" charset="0"/>
+            </a:endParaRPr>
+          </a:p>
+        </p:txBody>
+      </p:sp>
+      <p:sp>
+        <p:nvSpPr>
+          <p:cNvPr id="10" name="TextBox 11">
+            <a:extLst>
+              <a:ext uri="{FF2B5EF4-FFF2-40B4-BE49-F238E27FC236}">
+                <a16:creationId xmlns:a16="http://schemas.microsoft.com/office/drawing/2014/main" id="{37B7E12F-6E84-418C-A720-434C9EB013CF}"/>
+              </a:ext>
+            </a:extLst>
+          </p:cNvPr>
+          <p:cNvSpPr txBox="1"/>
+          <p:nvPr/>
+        </p:nvSpPr>
+        <p:spPr>
+          <a:xfrm>
+            <a:off x="4662457" y="1015491"/>
+            <a:ext cx="1252571" cy="507831"/>
+          </a:xfrm>
+          <a:prstGeom prst="rect">
+            <a:avLst/>
+          </a:prstGeom>
+          <a:noFill/>
+        </p:spPr>
+        <p:txBody>
+          <a:bodyPr wrap="square" rtlCol="0">
+            <a:spAutoFit/>
+          </a:bodyPr>
+          <a:lstStyle/>
+          <a:p>
+            <a:r>
+              <a:rPr lang="en-HK" sz="1350" dirty="0">
+                <a:latin typeface="Century Gothic" panose="020B0502020202020204" pitchFamily="34" charset="0"/>
+              </a:rPr>
+              <a:t>Image Adjust</a:t>
+            </a:r>
+            <a:endParaRPr lang="en-US" sz="1350" dirty="0">
+              <a:latin typeface="Century Gothic" panose="020B0502020202020204" pitchFamily="34" charset="0"/>
+            </a:endParaRPr>
+          </a:p>
+        </p:txBody>
+      </p:sp>
+      <p:sp>
+        <p:nvSpPr>
+          <p:cNvPr id="11" name="TextBox 12">
+            <a:extLst>
+              <a:ext uri="{FF2B5EF4-FFF2-40B4-BE49-F238E27FC236}">
+                <a16:creationId xmlns:a16="http://schemas.microsoft.com/office/drawing/2014/main" id="{C5691080-1A59-4B58-AE7D-9C58420F0694}"/>
+              </a:ext>
+            </a:extLst>
+          </p:cNvPr>
+          <p:cNvSpPr txBox="1"/>
+          <p:nvPr/>
+        </p:nvSpPr>
+        <p:spPr>
+          <a:xfrm>
+            <a:off x="8086278" y="3354256"/>
+            <a:ext cx="1057723" cy="300082"/>
+          </a:xfrm>
+          <a:prstGeom prst="rect">
+            <a:avLst/>
+          </a:prstGeom>
+          <a:noFill/>
+        </p:spPr>
+        <p:txBody>
+          <a:bodyPr wrap="square" rtlCol="0">
+            <a:spAutoFit/>
+          </a:bodyPr>
+          <a:lstStyle/>
+          <a:p>
+            <a:r>
+              <a:rPr lang="en-HK" sz="1350" dirty="0">
+                <a:latin typeface="Century Gothic" panose="020B0502020202020204" pitchFamily="34" charset="0"/>
+              </a:rPr>
+              <a:t>DMD Info</a:t>
+            </a:r>
+            <a:endParaRPr lang="en-US" sz="1350" dirty="0">
+              <a:latin typeface="Century Gothic" panose="020B0502020202020204" pitchFamily="34" charset="0"/>
+            </a:endParaRPr>
+          </a:p>
+        </p:txBody>
+      </p:sp>
+      <p:cxnSp>
+        <p:nvCxnSpPr>
+          <p:cNvPr id="12" name="Straight Arrow Connector 14">
+            <a:extLst>
+              <a:ext uri="{FF2B5EF4-FFF2-40B4-BE49-F238E27FC236}">
+                <a16:creationId xmlns:a16="http://schemas.microsoft.com/office/drawing/2014/main" id="{5F081D9B-F426-42F4-9D41-BE4D0FFA4472}"/>
+              </a:ext>
+            </a:extLst>
+          </p:cNvPr>
+          <p:cNvCxnSpPr>
+            <a:stCxn id="5" idx="2"/>
+          </p:cNvCxnSpPr>
+          <p:nvPr/>
+        </p:nvCxnSpPr>
+        <p:spPr>
+          <a:xfrm>
+            <a:off x="378563" y="1523322"/>
+            <a:ext cx="927096" cy="382411"/>
+          </a:xfrm>
+          <a:prstGeom prst="straightConnector1">
+            <a:avLst/>
+          </a:prstGeom>
+          <a:ln>
+            <a:solidFill>
+              <a:srgbClr val="FF0000"/>
+            </a:solidFill>
+            <a:tailEnd type="triangle"/>
+          </a:ln>
+        </p:spPr>
+        <p:style>
+          <a:lnRef idx="1">
+            <a:schemeClr val="accent1"/>
+          </a:lnRef>
+          <a:fillRef idx="0">
+            <a:schemeClr val="accent1"/>
+          </a:fillRef>
+          <a:effectRef idx="0">
+            <a:schemeClr val="accent1"/>
+          </a:effectRef>
+          <a:fontRef idx="minor">
+            <a:schemeClr val="tx1"/>
+          </a:fontRef>
+        </p:style>
+      </p:cxnSp>
+      <p:cxnSp>
+        <p:nvCxnSpPr>
+          <p:cNvPr id="13" name="Straight Arrow Connector 17">
+            <a:extLst>
+              <a:ext uri="{FF2B5EF4-FFF2-40B4-BE49-F238E27FC236}">
+                <a16:creationId xmlns:a16="http://schemas.microsoft.com/office/drawing/2014/main" id="{4494A47A-6474-4273-A6E8-842CE553007B}"/>
+              </a:ext>
+            </a:extLst>
+          </p:cNvPr>
+          <p:cNvCxnSpPr>
+            <a:stCxn id="6" idx="3"/>
+          </p:cNvCxnSpPr>
+          <p:nvPr/>
+        </p:nvCxnSpPr>
+        <p:spPr>
+          <a:xfrm>
+            <a:off x="633049" y="4741635"/>
+            <a:ext cx="1641962" cy="454617"/>
+          </a:xfrm>
+          <a:prstGeom prst="straightConnector1">
+            <a:avLst/>
+          </a:prstGeom>
+          <a:ln>
+            <a:solidFill>
+              <a:srgbClr val="FF0000"/>
+            </a:solidFill>
+            <a:tailEnd type="triangle"/>
+          </a:ln>
+        </p:spPr>
+        <p:style>
+          <a:lnRef idx="1">
+            <a:schemeClr val="accent1"/>
+          </a:lnRef>
+          <a:fillRef idx="0">
+            <a:schemeClr val="accent1"/>
+          </a:fillRef>
+          <a:effectRef idx="0">
+            <a:schemeClr val="accent1"/>
+          </a:effectRef>
+          <a:fontRef idx="minor">
+            <a:schemeClr val="tx1"/>
+          </a:fontRef>
+        </p:style>
+      </p:cxnSp>
+      <p:cxnSp>
+        <p:nvCxnSpPr>
+          <p:cNvPr id="14" name="Straight Arrow Connector 22">
+            <a:extLst>
+              <a:ext uri="{FF2B5EF4-FFF2-40B4-BE49-F238E27FC236}">
+                <a16:creationId xmlns:a16="http://schemas.microsoft.com/office/drawing/2014/main" id="{A14FF19F-2D1C-4938-BEAB-A7D344B19D45}"/>
+              </a:ext>
+            </a:extLst>
+          </p:cNvPr>
+          <p:cNvCxnSpPr>
+            <a:stCxn id="6" idx="3"/>
+          </p:cNvCxnSpPr>
+          <p:nvPr/>
+        </p:nvCxnSpPr>
+        <p:spPr>
+          <a:xfrm flipV="1">
+            <a:off x="633049" y="4062045"/>
+            <a:ext cx="1641962" cy="679590"/>
+          </a:xfrm>
+          <a:prstGeom prst="straightConnector1">
+            <a:avLst/>
+          </a:prstGeom>
+          <a:ln>
+            <a:solidFill>
+              <a:srgbClr val="FF0000"/>
+            </a:solidFill>
+            <a:tailEnd type="triangle"/>
+          </a:ln>
+        </p:spPr>
+        <p:style>
+          <a:lnRef idx="1">
+            <a:schemeClr val="accent1"/>
+          </a:lnRef>
+          <a:fillRef idx="0">
+            <a:schemeClr val="accent1"/>
+          </a:fillRef>
+          <a:effectRef idx="0">
+            <a:schemeClr val="accent1"/>
+          </a:effectRef>
+          <a:fontRef idx="minor">
+            <a:schemeClr val="tx1"/>
+          </a:fontRef>
+        </p:style>
+      </p:cxnSp>
+      <p:cxnSp>
+        <p:nvCxnSpPr>
+          <p:cNvPr id="15" name="Straight Arrow Connector 25">
+            <a:extLst>
+              <a:ext uri="{FF2B5EF4-FFF2-40B4-BE49-F238E27FC236}">
+                <a16:creationId xmlns:a16="http://schemas.microsoft.com/office/drawing/2014/main" id="{ED4A73E4-26F8-4C4C-ACD3-DA0EBA73EA2D}"/>
+              </a:ext>
+            </a:extLst>
+          </p:cNvPr>
+          <p:cNvCxnSpPr>
+            <a:stCxn id="10" idx="2"/>
+          </p:cNvCxnSpPr>
+          <p:nvPr/>
+        </p:nvCxnSpPr>
+        <p:spPr>
+          <a:xfrm flipH="1">
+            <a:off x="5103934" y="1523322"/>
+            <a:ext cx="184809" cy="55404"/>
+          </a:xfrm>
+          <a:prstGeom prst="straightConnector1">
+            <a:avLst/>
+          </a:prstGeom>
+          <a:ln>
+            <a:solidFill>
+              <a:srgbClr val="FF0000"/>
+            </a:solidFill>
+            <a:tailEnd type="triangle"/>
+          </a:ln>
+        </p:spPr>
+        <p:style>
+          <a:lnRef idx="1">
+            <a:schemeClr val="accent1"/>
+          </a:lnRef>
+          <a:fillRef idx="0">
+            <a:schemeClr val="accent1"/>
+          </a:fillRef>
+          <a:effectRef idx="0">
+            <a:schemeClr val="accent1"/>
+          </a:effectRef>
+          <a:fontRef idx="minor">
+            <a:schemeClr val="tx1"/>
+          </a:fontRef>
+        </p:style>
+      </p:cxnSp>
+      <p:cxnSp>
+        <p:nvCxnSpPr>
+          <p:cNvPr id="16" name="Straight Arrow Connector 32">
+            <a:extLst>
+              <a:ext uri="{FF2B5EF4-FFF2-40B4-BE49-F238E27FC236}">
+                <a16:creationId xmlns:a16="http://schemas.microsoft.com/office/drawing/2014/main" id="{21274E13-6385-4D7C-B70C-12085780FE9D}"/>
+              </a:ext>
+            </a:extLst>
+          </p:cNvPr>
+          <p:cNvCxnSpPr>
+            <a:stCxn id="9" idx="2"/>
+          </p:cNvCxnSpPr>
+          <p:nvPr/>
+        </p:nvCxnSpPr>
+        <p:spPr>
+          <a:xfrm flipH="1">
+            <a:off x="6943726" y="1549057"/>
+            <a:ext cx="1625025" cy="666214"/>
+          </a:xfrm>
+          <a:prstGeom prst="straightConnector1">
+            <a:avLst/>
+          </a:prstGeom>
+          <a:ln>
+            <a:solidFill>
+              <a:srgbClr val="FF0000"/>
+            </a:solidFill>
+            <a:tailEnd type="triangle"/>
+          </a:ln>
+        </p:spPr>
+        <p:style>
+          <a:lnRef idx="1">
+            <a:schemeClr val="accent1"/>
+          </a:lnRef>
+          <a:fillRef idx="0">
+            <a:schemeClr val="accent1"/>
+          </a:fillRef>
+          <a:effectRef idx="0">
+            <a:schemeClr val="accent1"/>
+          </a:effectRef>
+          <a:fontRef idx="minor">
+            <a:schemeClr val="tx1"/>
+          </a:fontRef>
+        </p:style>
+      </p:cxnSp>
+      <p:cxnSp>
+        <p:nvCxnSpPr>
+          <p:cNvPr id="17" name="Straight Arrow Connector 39">
+            <a:extLst>
+              <a:ext uri="{FF2B5EF4-FFF2-40B4-BE49-F238E27FC236}">
+                <a16:creationId xmlns:a16="http://schemas.microsoft.com/office/drawing/2014/main" id="{DFA696D5-203B-4E6D-A571-6B01A969660A}"/>
+              </a:ext>
+            </a:extLst>
+          </p:cNvPr>
+          <p:cNvCxnSpPr>
+            <a:stCxn id="8" idx="1"/>
+          </p:cNvCxnSpPr>
+          <p:nvPr/>
+        </p:nvCxnSpPr>
+        <p:spPr>
+          <a:xfrm flipH="1" flipV="1">
+            <a:off x="7906484" y="2982066"/>
+            <a:ext cx="179793" cy="11541"/>
+          </a:xfrm>
+          <a:prstGeom prst="straightConnector1">
+            <a:avLst/>
+          </a:prstGeom>
+          <a:ln>
+            <a:solidFill>
+              <a:srgbClr val="FF0000"/>
+            </a:solidFill>
+            <a:tailEnd type="triangle"/>
+          </a:ln>
+        </p:spPr>
+        <p:style>
+          <a:lnRef idx="1">
+            <a:schemeClr val="accent1"/>
+          </a:lnRef>
+          <a:fillRef idx="0">
+            <a:schemeClr val="accent1"/>
+          </a:fillRef>
+          <a:effectRef idx="0">
+            <a:schemeClr val="accent1"/>
+          </a:effectRef>
+          <a:fontRef idx="minor">
+            <a:schemeClr val="tx1"/>
+          </a:fontRef>
+        </p:style>
+      </p:cxnSp>
+      <p:cxnSp>
+        <p:nvCxnSpPr>
+          <p:cNvPr id="18" name="Straight Arrow Connector 43">
+            <a:extLst>
+              <a:ext uri="{FF2B5EF4-FFF2-40B4-BE49-F238E27FC236}">
+                <a16:creationId xmlns:a16="http://schemas.microsoft.com/office/drawing/2014/main" id="{1A19B7CF-BF3A-4536-8D9D-BD1819651B95}"/>
+              </a:ext>
+            </a:extLst>
+          </p:cNvPr>
+          <p:cNvCxnSpPr>
+            <a:stCxn id="11" idx="1"/>
+          </p:cNvCxnSpPr>
+          <p:nvPr/>
+        </p:nvCxnSpPr>
+        <p:spPr>
+          <a:xfrm flipH="1">
+            <a:off x="5051182" y="3504297"/>
+            <a:ext cx="3035096" cy="239899"/>
+          </a:xfrm>
+          <a:prstGeom prst="straightConnector1">
+            <a:avLst/>
+          </a:prstGeom>
+          <a:ln>
+            <a:solidFill>
+              <a:srgbClr val="FF0000"/>
+            </a:solidFill>
+            <a:tailEnd type="triangle"/>
+          </a:ln>
+        </p:spPr>
+        <p:style>
+          <a:lnRef idx="1">
+            <a:schemeClr val="accent1"/>
+          </a:lnRef>
+          <a:fillRef idx="0">
+            <a:schemeClr val="accent1"/>
+          </a:fillRef>
+          <a:effectRef idx="0">
+            <a:schemeClr val="accent1"/>
+          </a:effectRef>
+          <a:fontRef idx="minor">
+            <a:schemeClr val="tx1"/>
+          </a:fontRef>
+        </p:style>
+      </p:cxnSp>
+      <p:cxnSp>
+        <p:nvCxnSpPr>
+          <p:cNvPr id="19" name="Straight Arrow Connector 48">
+            <a:extLst>
+              <a:ext uri="{FF2B5EF4-FFF2-40B4-BE49-F238E27FC236}">
+                <a16:creationId xmlns:a16="http://schemas.microsoft.com/office/drawing/2014/main" id="{B4994E75-C660-487D-89C0-CC37F01C7CBA}"/>
+              </a:ext>
+            </a:extLst>
+          </p:cNvPr>
+          <p:cNvCxnSpPr>
+            <a:stCxn id="7" idx="1"/>
+          </p:cNvCxnSpPr>
+          <p:nvPr/>
+        </p:nvCxnSpPr>
+        <p:spPr>
+          <a:xfrm flipH="1">
+            <a:off x="6805247" y="5089998"/>
+            <a:ext cx="1281030" cy="178081"/>
+          </a:xfrm>
+          <a:prstGeom prst="straightConnector1">
+            <a:avLst/>
+          </a:prstGeom>
+          <a:ln>
+            <a:solidFill>
+              <a:srgbClr val="FF0000"/>
+            </a:solidFill>
+            <a:tailEnd type="triangle"/>
+          </a:ln>
+        </p:spPr>
+        <p:style>
+          <a:lnRef idx="1">
+            <a:schemeClr val="accent1"/>
+          </a:lnRef>
+          <a:fillRef idx="0">
+            <a:schemeClr val="accent1"/>
+          </a:fillRef>
+          <a:effectRef idx="0">
+            <a:schemeClr val="accent1"/>
+          </a:effectRef>
+          <a:fontRef idx="minor">
+            <a:schemeClr val="tx1"/>
+          </a:fontRef>
+        </p:style>
+      </p:cxnSp>
+    </p:spTree>
+    <p:extLst>
+      <p:ext uri="{BB962C8B-B14F-4D97-AF65-F5344CB8AC3E}">
+        <p14:creationId xmlns:p14="http://schemas.microsoft.com/office/powerpoint/2010/main" val="462042141"/>
       </p:ext>
     </p:extLst>
   </p:cSld>
@@ -13280,7 +15509,31 @@
               </a:rPr>
               <a:t>Xnumber</a:t>
             </a:r>
-            <a:endParaRPr lang="zh-CN" altLang="en-US" sz="1400" b="1" i="1" dirty="0">
+            <a:r>
+              <a:rPr lang="en-US" altLang="zh-CN" sz="1400" b="1" i="1" dirty="0">
+                <a:latin typeface="Century Gothic" panose="020B0502020202020204" pitchFamily="34" charset="0"/>
+              </a:rPr>
+              <a:t> </a:t>
+            </a:r>
+            <a:r>
+              <a:rPr lang="en-US" altLang="zh-CN" sz="1400" dirty="0">
+                <a:latin typeface="Century Gothic" panose="020B0502020202020204" pitchFamily="34" charset="0"/>
+              </a:rPr>
+              <a:t>(Total </a:t>
+            </a:r>
+            <a:r>
+              <a:rPr lang="en-US" altLang="zh-CN" sz="1400" dirty="0" err="1">
+                <a:latin typeface="Century Gothic" panose="020B0502020202020204" pitchFamily="34" charset="0"/>
+              </a:rPr>
+              <a:t>looptime</a:t>
+            </a:r>
+            <a:r>
+              <a:rPr lang="en-US" altLang="zh-CN" sz="1400" dirty="0">
+                <a:latin typeface="Century Gothic" panose="020B0502020202020204" pitchFamily="34" charset="0"/>
+              </a:rPr>
+              <a:t>)</a:t>
+            </a:r>
+            <a:endParaRPr lang="zh-CN" altLang="en-US" sz="1400" dirty="0">
               <a:latin typeface="Century Gothic" panose="020B0502020202020204" pitchFamily="34" charset="0"/>
             </a:endParaRPr>
           </a:p>
@@ -13714,7 +15967,7 @@
         <p:spPr>
           <a:xfrm>
             <a:off x="5730768" y="4684049"/>
-            <a:ext cx="3156719" cy="307777"/>
+            <a:ext cx="4636315" cy="307777"/>
           </a:xfrm>
           <a:prstGeom prst="rect">
             <a:avLst/>
@@ -13737,7 +15990,7 @@
               <a:rPr lang="en-US" altLang="zh-CN" sz="1400" dirty="0" err="1">
                 <a:latin typeface="Century Gothic" panose="020B0502020202020204" pitchFamily="34" charset="0"/>
               </a:rPr>
-              <a:t>N</a:t>
+              <a:t>i</a:t>
             </a:r>
             <a:r>
               <a:rPr lang="en-US" altLang="zh-CN" sz="1400" baseline="-25000" dirty="0" err="1">
@@ -13746,16 +15999,16 @@
               <a:t>producer</a:t>
             </a:r>
             <a:r>
-              <a:rPr lang="en-US" altLang="zh-CN" sz="1400" baseline="-25000">
+              <a:rPr lang="en-US" altLang="zh-CN" sz="1400" baseline="-25000" dirty="0">
                 <a:latin typeface="Century Gothic" panose="020B0502020202020204" pitchFamily="34" charset="0"/>
               </a:rPr>
               <a:t> </a:t>
             </a:r>
             <a:r>
-              <a:rPr lang="en-US" altLang="zh-CN" sz="1400">
+              <a:rPr lang="en-US" altLang="zh-CN" sz="1400" dirty="0">
                 <a:latin typeface="Century Gothic" panose="020B0502020202020204" pitchFamily="34" charset="0"/>
               </a:rPr>
-              <a:t>== 0</a:t>
+              <a:t>== 0 (At the first round of Producer Loop)</a:t>
             </a:r>
             <a:endParaRPr lang="zh-CN" altLang="en-US" sz="1400" dirty="0">
               <a:latin typeface="Century Gothic" panose="020B0502020202020204" pitchFamily="34" charset="0"/>
@@ -13940,6 +16193,3180 @@
     <p:extLst>
       <p:ext uri="{BB962C8B-B14F-4D97-AF65-F5344CB8AC3E}">
         <p14:creationId xmlns:p14="http://schemas.microsoft.com/office/powerpoint/2010/main" val="3884301893"/>
+      </p:ext>
+    </p:extLst>
+  </p:cSld>
+  <p:clrMapOvr>
+    <a:masterClrMapping/>
+  </p:clrMapOvr>
+</p:sld>
+</file>
+
+<file path=ppt/slides/slide9.xml><?xml version="1.0" encoding="utf-8"?>
+<p:sld xmlns:a="http://schemas.openxmlformats.org/drawingml/2006/main" xmlns:r="http://schemas.openxmlformats.org/officeDocument/2006/relationships" xmlns:p="http://schemas.openxmlformats.org/presentationml/2006/main">
+  <p:cSld>
+    <p:spTree>
+      <p:nvGrpSpPr>
+        <p:cNvPr id="1" name=""/>
+        <p:cNvGrpSpPr/>
+        <p:nvPr/>
+      </p:nvGrpSpPr>
+      <p:grpSpPr>
+        <a:xfrm>
+          <a:off x="0" y="0"/>
+          <a:ext cx="0" cy="0"/>
+          <a:chOff x="0" y="0"/>
+          <a:chExt cx="0" cy="0"/>
+        </a:xfrm>
+      </p:grpSpPr>
+      <p:sp>
+        <p:nvSpPr>
+          <p:cNvPr id="3" name="矩形 2"/>
+          <p:cNvSpPr/>
+          <p:nvPr/>
+        </p:nvSpPr>
+        <p:spPr>
+          <a:xfrm>
+            <a:off x="388408" y="842012"/>
+            <a:ext cx="1800000" cy="432000"/>
+          </a:xfrm>
+          <a:prstGeom prst="rect">
+            <a:avLst/>
+          </a:prstGeom>
+          <a:solidFill>
+            <a:schemeClr val="accent1"/>
+          </a:solidFill>
+          <a:ln>
+            <a:noFill/>
+          </a:ln>
+        </p:spPr>
+        <p:style>
+          <a:lnRef idx="2">
+            <a:schemeClr val="accent1">
+              <a:shade val="50000"/>
+            </a:schemeClr>
+          </a:lnRef>
+          <a:fillRef idx="1">
+            <a:schemeClr val="accent1"/>
+          </a:fillRef>
+          <a:effectRef idx="0">
+            <a:schemeClr val="accent1"/>
+          </a:effectRef>
+          <a:fontRef idx="minor">
+            <a:schemeClr val="lt1"/>
+          </a:fontRef>
+        </p:style>
+        <p:txBody>
+          <a:bodyPr rtlCol="0" anchor="ctr"/>
+          <a:lstStyle/>
+          <a:p>
+            <a:pPr marL="0" marR="0" lvl="0" indent="0" algn="ctr" defTabSz="914400" rtl="0" eaLnBrk="1" fontAlgn="auto" latinLnBrk="0" hangingPunct="1">
+              <a:lnSpc>
+                <a:spcPct val="100000"/>
+              </a:lnSpc>
+              <a:spcBef>
+                <a:spcPts val="0"/>
+              </a:spcBef>
+              <a:spcAft>
+                <a:spcPts val="0"/>
+              </a:spcAft>
+              <a:buClrTx/>
+              <a:buSzTx/>
+              <a:buFontTx/>
+              <a:buNone/>
+              <a:tabLst/>
+              <a:defRPr/>
+            </a:pPr>
+            <a:r>
+              <a:rPr kumimoji="1" lang="en-US" altLang="zh-CN" sz="1400" b="0" i="0" u="none" strike="noStrike" kern="1200" cap="none" spc="0" normalizeH="0" baseline="0" noProof="0" dirty="0">
+                <a:ln>
+                  <a:noFill/>
+                </a:ln>
+                <a:solidFill>
+                  <a:prstClr val="white"/>
+                </a:solidFill>
+                <a:effectLst/>
+                <a:uLnTx/>
+                <a:uFillTx/>
+                <a:latin typeface="Century Gothic" charset="0"/>
+                <a:ea typeface="Century Gothic" charset="0"/>
+                <a:cs typeface="Century Gothic" charset="0"/>
+              </a:rPr>
+              <a:t>Queue(64</a:t>
+            </a:r>
+            <a:r>
+              <a:rPr kumimoji="1" lang="zh-CN" altLang="en-US" sz="1400" b="0" i="0" u="none" strike="noStrike" kern="1200" cap="none" spc="0" normalizeH="0" baseline="0" noProof="0" dirty="0">
+                <a:ln>
+                  <a:noFill/>
+                </a:ln>
+                <a:solidFill>
+                  <a:prstClr val="white"/>
+                </a:solidFill>
+                <a:effectLst/>
+                <a:uLnTx/>
+                <a:uFillTx/>
+                <a:latin typeface="Century Gothic" charset="0"/>
+                <a:ea typeface="Century Gothic" charset="0"/>
+                <a:cs typeface="Century Gothic" charset="0"/>
+              </a:rPr>
+              <a:t> </a:t>
+            </a:r>
+            <a:r>
+              <a:rPr kumimoji="1" lang="en-US" altLang="zh-CN" sz="1400" b="0" i="0" u="none" strike="noStrike" kern="1200" cap="none" spc="0" normalizeH="0" baseline="0" noProof="0" dirty="0">
+                <a:ln>
+                  <a:noFill/>
+                </a:ln>
+                <a:solidFill>
+                  <a:prstClr val="white"/>
+                </a:solidFill>
+                <a:effectLst/>
+                <a:uLnTx/>
+                <a:uFillTx/>
+                <a:latin typeface="Century Gothic" charset="0"/>
+                <a:ea typeface="Century Gothic" charset="0"/>
+                <a:cs typeface="Century Gothic" charset="0"/>
+              </a:rPr>
+              <a:t>bit)</a:t>
+            </a:r>
+            <a:endParaRPr kumimoji="1" lang="zh-CN" altLang="en-US" sz="1400" b="0" i="0" u="none" strike="noStrike" kern="1200" cap="none" spc="0" normalizeH="0" baseline="0" noProof="0" dirty="0">
+              <a:ln>
+                <a:noFill/>
+              </a:ln>
+              <a:solidFill>
+                <a:prstClr val="white"/>
+              </a:solidFill>
+              <a:effectLst/>
+              <a:uLnTx/>
+              <a:uFillTx/>
+              <a:latin typeface="Century Gothic" charset="0"/>
+              <a:ea typeface="Century Gothic" charset="0"/>
+              <a:cs typeface="Century Gothic" charset="0"/>
+            </a:endParaRPr>
+          </a:p>
+        </p:txBody>
+      </p:sp>
+      <p:sp>
+        <p:nvSpPr>
+          <p:cNvPr id="5" name="椭圆 4"/>
+          <p:cNvSpPr/>
+          <p:nvPr/>
+        </p:nvSpPr>
+        <p:spPr>
+          <a:xfrm>
+            <a:off x="3280605" y="788012"/>
+            <a:ext cx="1944000" cy="540000"/>
+          </a:xfrm>
+          <a:prstGeom prst="ellipse">
+            <a:avLst/>
+          </a:prstGeom>
+          <a:noFill/>
+          <a:ln>
+            <a:solidFill>
+              <a:srgbClr val="FF0000"/>
+            </a:solidFill>
+          </a:ln>
+        </p:spPr>
+        <p:style>
+          <a:lnRef idx="2">
+            <a:schemeClr val="accent1">
+              <a:shade val="50000"/>
+            </a:schemeClr>
+          </a:lnRef>
+          <a:fillRef idx="1">
+            <a:schemeClr val="accent1"/>
+          </a:fillRef>
+          <a:effectRef idx="0">
+            <a:schemeClr val="accent1"/>
+          </a:effectRef>
+          <a:fontRef idx="minor">
+            <a:schemeClr val="lt1"/>
+          </a:fontRef>
+        </p:style>
+        <p:txBody>
+          <a:bodyPr rtlCol="0" anchor="ctr"/>
+          <a:lstStyle/>
+          <a:p>
+            <a:pPr marL="0" marR="0" lvl="0" indent="0" algn="ctr" defTabSz="914400" rtl="0" eaLnBrk="1" fontAlgn="auto" latinLnBrk="0" hangingPunct="1">
+              <a:lnSpc>
+                <a:spcPct val="100000"/>
+              </a:lnSpc>
+              <a:spcBef>
+                <a:spcPts val="0"/>
+              </a:spcBef>
+              <a:spcAft>
+                <a:spcPts val="0"/>
+              </a:spcAft>
+              <a:buClrTx/>
+              <a:buSzTx/>
+              <a:buFontTx/>
+              <a:buNone/>
+              <a:tabLst/>
+              <a:defRPr/>
+            </a:pPr>
+            <a:r>
+              <a:rPr kumimoji="1" lang="en-US" altLang="zh-CN" sz="1400" b="0" i="0" u="none" strike="noStrike" kern="1200" cap="none" spc="0" normalizeH="0" baseline="0" noProof="0">
+                <a:ln>
+                  <a:noFill/>
+                </a:ln>
+                <a:solidFill>
+                  <a:prstClr val="black"/>
+                </a:solidFill>
+                <a:effectLst/>
+                <a:uLnTx/>
+                <a:uFillTx/>
+                <a:latin typeface="Century Gothic" charset="0"/>
+                <a:ea typeface="Century Gothic" charset="0"/>
+                <a:cs typeface="Century Gothic" charset="0"/>
+              </a:rPr>
+              <a:t>Dequeue</a:t>
+            </a:r>
+            <a:endParaRPr kumimoji="1" lang="zh-CN" altLang="en-US" sz="1400" b="0" i="0" u="none" strike="noStrike" kern="1200" cap="none" spc="0" normalizeH="0" baseline="0" noProof="0" dirty="0">
+              <a:ln>
+                <a:noFill/>
+              </a:ln>
+              <a:solidFill>
+                <a:prstClr val="black"/>
+              </a:solidFill>
+              <a:effectLst/>
+              <a:uLnTx/>
+              <a:uFillTx/>
+              <a:latin typeface="Century Gothic" charset="0"/>
+              <a:ea typeface="Century Gothic" charset="0"/>
+              <a:cs typeface="Century Gothic" charset="0"/>
+            </a:endParaRPr>
+          </a:p>
+        </p:txBody>
+      </p:sp>
+      <p:sp>
+        <p:nvSpPr>
+          <p:cNvPr id="6" name="矩形 5"/>
+          <p:cNvSpPr/>
+          <p:nvPr/>
+        </p:nvSpPr>
+        <p:spPr>
+          <a:xfrm>
+            <a:off x="3352605" y="1559402"/>
+            <a:ext cx="1800000" cy="432000"/>
+          </a:xfrm>
+          <a:prstGeom prst="rect">
+            <a:avLst/>
+          </a:prstGeom>
+          <a:solidFill>
+            <a:schemeClr val="accent1"/>
+          </a:solidFill>
+          <a:ln>
+            <a:noFill/>
+          </a:ln>
+        </p:spPr>
+        <p:style>
+          <a:lnRef idx="2">
+            <a:schemeClr val="accent1">
+              <a:shade val="50000"/>
+            </a:schemeClr>
+          </a:lnRef>
+          <a:fillRef idx="1">
+            <a:schemeClr val="accent1"/>
+          </a:fillRef>
+          <a:effectRef idx="0">
+            <a:schemeClr val="accent1"/>
+          </a:effectRef>
+          <a:fontRef idx="minor">
+            <a:schemeClr val="lt1"/>
+          </a:fontRef>
+        </p:style>
+        <p:txBody>
+          <a:bodyPr rtlCol="0" anchor="ctr"/>
+          <a:lstStyle/>
+          <a:p>
+            <a:pPr marL="0" marR="0" lvl="0" indent="0" algn="ctr" defTabSz="914400" rtl="0" eaLnBrk="1" fontAlgn="auto" latinLnBrk="0" hangingPunct="1">
+              <a:lnSpc>
+                <a:spcPct val="100000"/>
+              </a:lnSpc>
+              <a:spcBef>
+                <a:spcPts val="0"/>
+              </a:spcBef>
+              <a:spcAft>
+                <a:spcPts val="0"/>
+              </a:spcAft>
+              <a:buClrTx/>
+              <a:buSzTx/>
+              <a:buFontTx/>
+              <a:buNone/>
+              <a:tabLst/>
+              <a:defRPr/>
+            </a:pPr>
+            <a:r>
+              <a:rPr kumimoji="1" lang="en-US" altLang="zh-CN" sz="1400" b="0" i="0" u="none" strike="noStrike" kern="1200" cap="none" spc="0" normalizeH="0" baseline="0" noProof="0" dirty="0">
+                <a:ln>
+                  <a:noFill/>
+                </a:ln>
+                <a:solidFill>
+                  <a:prstClr val="white"/>
+                </a:solidFill>
+                <a:effectLst/>
+                <a:uLnTx/>
+                <a:uFillTx/>
+                <a:latin typeface="Century Gothic" charset="0"/>
+                <a:ea typeface="Century Gothic" charset="0"/>
+                <a:cs typeface="Century Gothic" charset="0"/>
+              </a:rPr>
+              <a:t>Array(64</a:t>
+            </a:r>
+            <a:r>
+              <a:rPr kumimoji="1" lang="zh-CN" altLang="en-US" sz="1400" b="0" i="0" u="none" strike="noStrike" kern="1200" cap="none" spc="0" normalizeH="0" baseline="0" noProof="0" dirty="0">
+                <a:ln>
+                  <a:noFill/>
+                </a:ln>
+                <a:solidFill>
+                  <a:prstClr val="white"/>
+                </a:solidFill>
+                <a:effectLst/>
+                <a:uLnTx/>
+                <a:uFillTx/>
+                <a:latin typeface="Century Gothic" charset="0"/>
+                <a:ea typeface="Century Gothic" charset="0"/>
+                <a:cs typeface="Century Gothic" charset="0"/>
+              </a:rPr>
+              <a:t> </a:t>
+            </a:r>
+            <a:r>
+              <a:rPr kumimoji="1" lang="en-US" altLang="zh-CN" sz="1400" b="0" i="0" u="none" strike="noStrike" kern="1200" cap="none" spc="0" normalizeH="0" baseline="0" noProof="0" dirty="0">
+                <a:ln>
+                  <a:noFill/>
+                </a:ln>
+                <a:solidFill>
+                  <a:prstClr val="white"/>
+                </a:solidFill>
+                <a:effectLst/>
+                <a:uLnTx/>
+                <a:uFillTx/>
+                <a:latin typeface="Century Gothic" charset="0"/>
+                <a:ea typeface="Century Gothic" charset="0"/>
+                <a:cs typeface="Century Gothic" charset="0"/>
+              </a:rPr>
+              <a:t>bit)</a:t>
+            </a:r>
+            <a:endParaRPr kumimoji="1" lang="zh-CN" altLang="en-US" sz="1400" b="0" i="0" u="none" strike="noStrike" kern="1200" cap="none" spc="0" normalizeH="0" baseline="0" noProof="0" dirty="0">
+              <a:ln>
+                <a:noFill/>
+              </a:ln>
+              <a:solidFill>
+                <a:prstClr val="white"/>
+              </a:solidFill>
+              <a:effectLst/>
+              <a:uLnTx/>
+              <a:uFillTx/>
+              <a:latin typeface="Century Gothic" charset="0"/>
+              <a:ea typeface="Century Gothic" charset="0"/>
+              <a:cs typeface="Century Gothic" charset="0"/>
+            </a:endParaRPr>
+          </a:p>
+        </p:txBody>
+      </p:sp>
+      <p:grpSp>
+        <p:nvGrpSpPr>
+          <p:cNvPr id="72" name="组 71"/>
+          <p:cNvGrpSpPr/>
+          <p:nvPr/>
+        </p:nvGrpSpPr>
+        <p:grpSpPr>
+          <a:xfrm>
+            <a:off x="6161626" y="636272"/>
+            <a:ext cx="5332885" cy="2078745"/>
+            <a:chOff x="6209235" y="649584"/>
+            <a:chExt cx="5332885" cy="2078745"/>
+          </a:xfrm>
+        </p:grpSpPr>
+        <p:sp>
+          <p:nvSpPr>
+            <p:cNvPr id="7" name="矩形 6"/>
+            <p:cNvSpPr/>
+            <p:nvPr/>
+          </p:nvSpPr>
+          <p:spPr>
+            <a:xfrm>
+              <a:off x="6209235" y="966313"/>
+              <a:ext cx="5332885" cy="1762016"/>
+            </a:xfrm>
+            <a:prstGeom prst="rect">
+              <a:avLst/>
+            </a:prstGeom>
+            <a:noFill/>
+          </p:spPr>
+          <p:style>
+            <a:lnRef idx="2">
+              <a:schemeClr val="accent1">
+                <a:shade val="50000"/>
+              </a:schemeClr>
+            </a:lnRef>
+            <a:fillRef idx="1">
+              <a:schemeClr val="accent1"/>
+            </a:fillRef>
+            <a:effectRef idx="0">
+              <a:schemeClr val="accent1"/>
+            </a:effectRef>
+            <a:fontRef idx="minor">
+              <a:schemeClr val="lt1"/>
+            </a:fontRef>
+          </p:style>
+          <p:txBody>
+            <a:bodyPr rtlCol="0" anchor="ctr"/>
+            <a:lstStyle/>
+            <a:p>
+              <a:pPr marL="0" marR="0" lvl="0" indent="0" algn="ctr" defTabSz="914400" rtl="0" eaLnBrk="1" fontAlgn="auto" latinLnBrk="0" hangingPunct="1">
+                <a:lnSpc>
+                  <a:spcPct val="100000"/>
+                </a:lnSpc>
+                <a:spcBef>
+                  <a:spcPts val="0"/>
+                </a:spcBef>
+                <a:spcAft>
+                  <a:spcPts val="0"/>
+                </a:spcAft>
+                <a:buClrTx/>
+                <a:buSzTx/>
+                <a:buFontTx/>
+                <a:buNone/>
+                <a:tabLst/>
+                <a:defRPr/>
+              </a:pPr>
+              <a:endParaRPr kumimoji="1" lang="zh-CN" altLang="en-US" sz="1400" b="0" i="0" u="none" strike="noStrike" kern="1200" cap="none" spc="0" normalizeH="0" baseline="0" noProof="0">
+                <a:ln>
+                  <a:noFill/>
+                </a:ln>
+                <a:solidFill>
+                  <a:prstClr val="white"/>
+                </a:solidFill>
+                <a:effectLst/>
+                <a:uLnTx/>
+                <a:uFillTx/>
+                <a:latin typeface="Century Gothic" charset="0"/>
+                <a:ea typeface="Century Gothic" charset="0"/>
+                <a:cs typeface="Century Gothic" charset="0"/>
+              </a:endParaRPr>
+            </a:p>
+          </p:txBody>
+        </p:sp>
+        <p:sp>
+          <p:nvSpPr>
+            <p:cNvPr id="8" name="文本框 7"/>
+            <p:cNvSpPr txBox="1"/>
+            <p:nvPr/>
+          </p:nvSpPr>
+          <p:spPr>
+            <a:xfrm>
+              <a:off x="6209235" y="649584"/>
+              <a:ext cx="2215671" cy="307777"/>
+            </a:xfrm>
+            <a:prstGeom prst="rect">
+              <a:avLst/>
+            </a:prstGeom>
+            <a:noFill/>
+          </p:spPr>
+          <p:txBody>
+            <a:bodyPr wrap="none" rtlCol="0">
+              <a:spAutoFit/>
+            </a:bodyPr>
+            <a:lstStyle/>
+            <a:p>
+              <a:pPr marL="0" marR="0" lvl="0" indent="0" algn="l" defTabSz="914400" rtl="0" eaLnBrk="1" fontAlgn="auto" latinLnBrk="0" hangingPunct="1">
+                <a:lnSpc>
+                  <a:spcPct val="100000"/>
+                </a:lnSpc>
+                <a:spcBef>
+                  <a:spcPts val="0"/>
+                </a:spcBef>
+                <a:spcAft>
+                  <a:spcPts val="0"/>
+                </a:spcAft>
+                <a:buClrTx/>
+                <a:buSzTx/>
+                <a:buFontTx/>
+                <a:buNone/>
+                <a:tabLst/>
+                <a:defRPr/>
+              </a:pPr>
+              <a:r>
+                <a:rPr kumimoji="1" lang="en-US" altLang="zh-CN" sz="1400" b="0" i="0" u="none" strike="noStrike" kern="1200" cap="none" spc="0" normalizeH="0" baseline="0" noProof="0" dirty="0" err="1">
+                  <a:ln>
+                    <a:noFill/>
+                  </a:ln>
+                  <a:solidFill>
+                    <a:prstClr val="black"/>
+                  </a:solidFill>
+                  <a:effectLst/>
+                  <a:uLnTx/>
+                  <a:uFillTx/>
+                  <a:latin typeface="Century Gothic" charset="0"/>
+                  <a:ea typeface="Century Gothic" charset="0"/>
+                  <a:cs typeface="Century Gothic" charset="0"/>
+                </a:rPr>
+                <a:t>Multichannel_Division.vi</a:t>
+              </a:r>
+              <a:endParaRPr kumimoji="1" lang="zh-CN" altLang="en-US" sz="1400" b="0" i="0" u="none" strike="noStrike" kern="1200" cap="none" spc="0" normalizeH="0" baseline="0" noProof="0" dirty="0">
+                <a:ln>
+                  <a:noFill/>
+                </a:ln>
+                <a:solidFill>
+                  <a:prstClr val="black"/>
+                </a:solidFill>
+                <a:effectLst/>
+                <a:uLnTx/>
+                <a:uFillTx/>
+                <a:latin typeface="Century Gothic" charset="0"/>
+                <a:ea typeface="Century Gothic" charset="0"/>
+                <a:cs typeface="Century Gothic" charset="0"/>
+              </a:endParaRPr>
+            </a:p>
+          </p:txBody>
+        </p:sp>
+      </p:grpSp>
+      <p:sp>
+        <p:nvSpPr>
+          <p:cNvPr id="10" name="椭圆 9"/>
+          <p:cNvSpPr/>
+          <p:nvPr/>
+        </p:nvSpPr>
+        <p:spPr>
+          <a:xfrm>
+            <a:off x="6411246" y="1557969"/>
+            <a:ext cx="1944000" cy="432000"/>
+          </a:xfrm>
+          <a:prstGeom prst="ellipse">
+            <a:avLst/>
+          </a:prstGeom>
+          <a:noFill/>
+          <a:ln>
+            <a:solidFill>
+              <a:srgbClr val="FF0000"/>
+            </a:solidFill>
+          </a:ln>
+        </p:spPr>
+        <p:style>
+          <a:lnRef idx="2">
+            <a:schemeClr val="accent1">
+              <a:shade val="50000"/>
+            </a:schemeClr>
+          </a:lnRef>
+          <a:fillRef idx="1">
+            <a:schemeClr val="accent1"/>
+          </a:fillRef>
+          <a:effectRef idx="0">
+            <a:schemeClr val="accent1"/>
+          </a:effectRef>
+          <a:fontRef idx="minor">
+            <a:schemeClr val="lt1"/>
+          </a:fontRef>
+        </p:style>
+        <p:txBody>
+          <a:bodyPr rtlCol="0" anchor="ctr"/>
+          <a:lstStyle/>
+          <a:p>
+            <a:pPr marL="0" marR="0" lvl="0" indent="0" algn="ctr" defTabSz="914400" rtl="0" eaLnBrk="1" fontAlgn="auto" latinLnBrk="0" hangingPunct="1">
+              <a:lnSpc>
+                <a:spcPct val="100000"/>
+              </a:lnSpc>
+              <a:spcBef>
+                <a:spcPts val="0"/>
+              </a:spcBef>
+              <a:spcAft>
+                <a:spcPts val="0"/>
+              </a:spcAft>
+              <a:buClrTx/>
+              <a:buSzTx/>
+              <a:buFontTx/>
+              <a:buNone/>
+              <a:tabLst/>
+              <a:defRPr/>
+            </a:pPr>
+            <a:r>
+              <a:rPr kumimoji="1" lang="en-US" altLang="zh-CN" sz="1400" b="0" i="0" u="none" strike="noStrike" kern="1200" cap="none" spc="0" normalizeH="0" baseline="0" noProof="0" dirty="0" err="1">
+                <a:ln>
+                  <a:noFill/>
+                </a:ln>
+                <a:solidFill>
+                  <a:prstClr val="black"/>
+                </a:solidFill>
+                <a:effectLst/>
+                <a:uLnTx/>
+                <a:uFillTx/>
+                <a:latin typeface="Century Gothic" charset="0"/>
+                <a:ea typeface="Century Gothic" charset="0"/>
+                <a:cs typeface="Century Gothic" charset="0"/>
+              </a:rPr>
+              <a:t>Div</a:t>
+            </a:r>
+            <a:r>
+              <a:rPr kumimoji="1" lang="zh-CN" altLang="en-US" sz="1400" b="0" i="0" u="none" strike="noStrike" kern="1200" cap="none" spc="0" normalizeH="0" baseline="0" noProof="0" dirty="0">
+                <a:ln>
+                  <a:noFill/>
+                </a:ln>
+                <a:solidFill>
+                  <a:prstClr val="black"/>
+                </a:solidFill>
+                <a:effectLst/>
+                <a:uLnTx/>
+                <a:uFillTx/>
+                <a:latin typeface="Century Gothic" charset="0"/>
+                <a:ea typeface="Century Gothic" charset="0"/>
+                <a:cs typeface="Century Gothic" charset="0"/>
+              </a:rPr>
+              <a:t> </a:t>
+            </a:r>
+            <a:r>
+              <a:rPr kumimoji="1" lang="en-US" altLang="zh-CN" sz="1400" b="0" i="0" u="none" strike="noStrike" kern="1200" cap="none" spc="0" normalizeH="0" baseline="0" noProof="0" dirty="0">
+                <a:ln>
+                  <a:noFill/>
+                </a:ln>
+                <a:solidFill>
+                  <a:prstClr val="black"/>
+                </a:solidFill>
+                <a:effectLst/>
+                <a:uLnTx/>
+                <a:uFillTx/>
+                <a:latin typeface="Century Gothic" charset="0"/>
+                <a:ea typeface="Century Gothic" charset="0"/>
+                <a:cs typeface="Century Gothic" charset="0"/>
+              </a:rPr>
+              <a:t>by</a:t>
+            </a:r>
+            <a:r>
+              <a:rPr kumimoji="1" lang="zh-CN" altLang="en-US" sz="1400" b="0" i="0" u="none" strike="noStrike" kern="1200" cap="none" spc="0" normalizeH="0" baseline="0" noProof="0" dirty="0">
+                <a:ln>
+                  <a:noFill/>
+                </a:ln>
+                <a:solidFill>
+                  <a:prstClr val="black"/>
+                </a:solidFill>
+                <a:effectLst/>
+                <a:uLnTx/>
+                <a:uFillTx/>
+                <a:latin typeface="Century Gothic" charset="0"/>
+                <a:ea typeface="Century Gothic" charset="0"/>
+                <a:cs typeface="Century Gothic" charset="0"/>
+              </a:rPr>
+              <a:t> </a:t>
+            </a:r>
+            <a:r>
+              <a:rPr kumimoji="1" lang="en-US" altLang="zh-CN" sz="1400" b="0" i="0" u="none" strike="noStrike" kern="1200" cap="none" spc="0" normalizeH="0" baseline="0" noProof="0" dirty="0">
+                <a:ln>
+                  <a:noFill/>
+                </a:ln>
+                <a:solidFill>
+                  <a:prstClr val="black"/>
+                </a:solidFill>
+                <a:effectLst/>
+                <a:uLnTx/>
+                <a:uFillTx/>
+                <a:latin typeface="Century Gothic" charset="0"/>
+                <a:ea typeface="Century Gothic" charset="0"/>
+                <a:cs typeface="Century Gothic" charset="0"/>
+              </a:rPr>
+              <a:t>2^32</a:t>
+            </a:r>
+            <a:endParaRPr kumimoji="1" lang="zh-CN" altLang="en-US" sz="1400" b="0" i="0" u="none" strike="noStrike" kern="1200" cap="none" spc="0" normalizeH="0" baseline="0" noProof="0" dirty="0">
+              <a:ln>
+                <a:noFill/>
+              </a:ln>
+              <a:solidFill>
+                <a:prstClr val="black"/>
+              </a:solidFill>
+              <a:effectLst/>
+              <a:uLnTx/>
+              <a:uFillTx/>
+              <a:latin typeface="Century Gothic" charset="0"/>
+              <a:ea typeface="Century Gothic" charset="0"/>
+              <a:cs typeface="Century Gothic" charset="0"/>
+            </a:endParaRPr>
+          </a:p>
+        </p:txBody>
+      </p:sp>
+      <p:sp>
+        <p:nvSpPr>
+          <p:cNvPr id="11" name="矩形 10"/>
+          <p:cNvSpPr/>
+          <p:nvPr/>
+        </p:nvSpPr>
+        <p:spPr>
+          <a:xfrm>
+            <a:off x="9472267" y="1182911"/>
+            <a:ext cx="1800000" cy="432000"/>
+          </a:xfrm>
+          <a:prstGeom prst="rect">
+            <a:avLst/>
+          </a:prstGeom>
+          <a:solidFill>
+            <a:schemeClr val="accent1"/>
+          </a:solidFill>
+          <a:ln>
+            <a:noFill/>
+          </a:ln>
+        </p:spPr>
+        <p:style>
+          <a:lnRef idx="2">
+            <a:schemeClr val="accent1">
+              <a:shade val="50000"/>
+            </a:schemeClr>
+          </a:lnRef>
+          <a:fillRef idx="1">
+            <a:schemeClr val="accent1"/>
+          </a:fillRef>
+          <a:effectRef idx="0">
+            <a:schemeClr val="accent1"/>
+          </a:effectRef>
+          <a:fontRef idx="minor">
+            <a:schemeClr val="lt1"/>
+          </a:fontRef>
+        </p:style>
+        <p:txBody>
+          <a:bodyPr rtlCol="0" anchor="ctr"/>
+          <a:lstStyle/>
+          <a:p>
+            <a:pPr marL="0" marR="0" lvl="0" indent="0" algn="ctr" defTabSz="914400" rtl="0" eaLnBrk="1" fontAlgn="auto" latinLnBrk="0" hangingPunct="1">
+              <a:lnSpc>
+                <a:spcPct val="100000"/>
+              </a:lnSpc>
+              <a:spcBef>
+                <a:spcPts val="0"/>
+              </a:spcBef>
+              <a:spcAft>
+                <a:spcPts val="0"/>
+              </a:spcAft>
+              <a:buClrTx/>
+              <a:buSzTx/>
+              <a:buFontTx/>
+              <a:buNone/>
+              <a:tabLst/>
+              <a:defRPr/>
+            </a:pPr>
+            <a:r>
+              <a:rPr kumimoji="1" lang="en-US" altLang="zh-CN" sz="1400" b="0" i="0" u="none" strike="noStrike" kern="1200" cap="none" spc="0" normalizeH="0" baseline="0" noProof="0" dirty="0">
+                <a:ln>
+                  <a:noFill/>
+                </a:ln>
+                <a:solidFill>
+                  <a:prstClr val="white"/>
+                </a:solidFill>
+                <a:effectLst/>
+                <a:uLnTx/>
+                <a:uFillTx/>
+                <a:latin typeface="Century Gothic" charset="0"/>
+                <a:ea typeface="Century Gothic" charset="0"/>
+                <a:cs typeface="Century Gothic" charset="0"/>
+              </a:rPr>
+              <a:t>Quotients(32bit)</a:t>
+            </a:r>
+            <a:endParaRPr kumimoji="1" lang="zh-CN" altLang="en-US" sz="1400" b="0" i="0" u="none" strike="noStrike" kern="1200" cap="none" spc="0" normalizeH="0" baseline="0" noProof="0" dirty="0">
+              <a:ln>
+                <a:noFill/>
+              </a:ln>
+              <a:solidFill>
+                <a:prstClr val="white"/>
+              </a:solidFill>
+              <a:effectLst/>
+              <a:uLnTx/>
+              <a:uFillTx/>
+              <a:latin typeface="Century Gothic" charset="0"/>
+              <a:ea typeface="Century Gothic" charset="0"/>
+              <a:cs typeface="Century Gothic" charset="0"/>
+            </a:endParaRPr>
+          </a:p>
+        </p:txBody>
+      </p:sp>
+      <p:sp>
+        <p:nvSpPr>
+          <p:cNvPr id="12" name="矩形 11"/>
+          <p:cNvSpPr/>
+          <p:nvPr/>
+        </p:nvSpPr>
+        <p:spPr>
+          <a:xfrm>
+            <a:off x="9472267" y="2017396"/>
+            <a:ext cx="1800000" cy="432000"/>
+          </a:xfrm>
+          <a:prstGeom prst="rect">
+            <a:avLst/>
+          </a:prstGeom>
+          <a:solidFill>
+            <a:schemeClr val="accent1"/>
+          </a:solidFill>
+          <a:ln>
+            <a:noFill/>
+          </a:ln>
+        </p:spPr>
+        <p:style>
+          <a:lnRef idx="2">
+            <a:schemeClr val="accent1">
+              <a:shade val="50000"/>
+            </a:schemeClr>
+          </a:lnRef>
+          <a:fillRef idx="1">
+            <a:schemeClr val="accent1"/>
+          </a:fillRef>
+          <a:effectRef idx="0">
+            <a:schemeClr val="accent1"/>
+          </a:effectRef>
+          <a:fontRef idx="minor">
+            <a:schemeClr val="lt1"/>
+          </a:fontRef>
+        </p:style>
+        <p:txBody>
+          <a:bodyPr rtlCol="0" anchor="ctr"/>
+          <a:lstStyle/>
+          <a:p>
+            <a:pPr marL="0" marR="0" lvl="0" indent="0" algn="ctr" defTabSz="914400" rtl="0" eaLnBrk="1" fontAlgn="auto" latinLnBrk="0" hangingPunct="1">
+              <a:lnSpc>
+                <a:spcPct val="100000"/>
+              </a:lnSpc>
+              <a:spcBef>
+                <a:spcPts val="0"/>
+              </a:spcBef>
+              <a:spcAft>
+                <a:spcPts val="0"/>
+              </a:spcAft>
+              <a:buClrTx/>
+              <a:buSzTx/>
+              <a:buFontTx/>
+              <a:buNone/>
+              <a:tabLst/>
+              <a:defRPr/>
+            </a:pPr>
+            <a:r>
+              <a:rPr kumimoji="1" lang="en-US" altLang="zh-CN" sz="1400" b="0" i="0" u="none" strike="noStrike" kern="1200" cap="none" spc="0" normalizeH="0" baseline="0" noProof="0" dirty="0">
+                <a:ln>
+                  <a:noFill/>
+                </a:ln>
+                <a:solidFill>
+                  <a:prstClr val="white"/>
+                </a:solidFill>
+                <a:effectLst/>
+                <a:uLnTx/>
+                <a:uFillTx/>
+                <a:latin typeface="Century Gothic" charset="0"/>
+                <a:ea typeface="Century Gothic" charset="0"/>
+                <a:cs typeface="Century Gothic" charset="0"/>
+              </a:rPr>
+              <a:t>Remainders(32bit)</a:t>
+            </a:r>
+            <a:endParaRPr kumimoji="1" lang="zh-CN" altLang="en-US" sz="1400" b="0" i="0" u="none" strike="noStrike" kern="1200" cap="none" spc="0" normalizeH="0" baseline="0" noProof="0" dirty="0">
+              <a:ln>
+                <a:noFill/>
+              </a:ln>
+              <a:solidFill>
+                <a:prstClr val="white"/>
+              </a:solidFill>
+              <a:effectLst/>
+              <a:uLnTx/>
+              <a:uFillTx/>
+              <a:latin typeface="Century Gothic" charset="0"/>
+              <a:ea typeface="Century Gothic" charset="0"/>
+              <a:cs typeface="Century Gothic" charset="0"/>
+            </a:endParaRPr>
+          </a:p>
+        </p:txBody>
+      </p:sp>
+      <p:grpSp>
+        <p:nvGrpSpPr>
+          <p:cNvPr id="2" name="组合 1">
+            <a:extLst>
+              <a:ext uri="{FF2B5EF4-FFF2-40B4-BE49-F238E27FC236}">
+                <a16:creationId xmlns:a16="http://schemas.microsoft.com/office/drawing/2014/main" id="{E4A4F78D-73FD-40AC-BD3E-81C4128559B9}"/>
+              </a:ext>
+            </a:extLst>
+          </p:cNvPr>
+          <p:cNvGrpSpPr/>
+          <p:nvPr/>
+        </p:nvGrpSpPr>
+        <p:grpSpPr>
+          <a:xfrm>
+            <a:off x="4118158" y="2919603"/>
+            <a:ext cx="5126636" cy="2863482"/>
+            <a:chOff x="3314265" y="2836477"/>
+            <a:chExt cx="5126636" cy="2863482"/>
+          </a:xfrm>
+        </p:grpSpPr>
+        <p:sp>
+          <p:nvSpPr>
+            <p:cNvPr id="15" name="矩形 14"/>
+            <p:cNvSpPr/>
+            <p:nvPr/>
+          </p:nvSpPr>
+          <p:spPr>
+            <a:xfrm>
+              <a:off x="3314265" y="3145613"/>
+              <a:ext cx="5126636" cy="2554346"/>
+            </a:xfrm>
+            <a:prstGeom prst="rect">
+              <a:avLst/>
+            </a:prstGeom>
+            <a:noFill/>
+          </p:spPr>
+          <p:style>
+            <a:lnRef idx="2">
+              <a:schemeClr val="accent1">
+                <a:shade val="50000"/>
+              </a:schemeClr>
+            </a:lnRef>
+            <a:fillRef idx="1">
+              <a:schemeClr val="accent1"/>
+            </a:fillRef>
+            <a:effectRef idx="0">
+              <a:schemeClr val="accent1"/>
+            </a:effectRef>
+            <a:fontRef idx="minor">
+              <a:schemeClr val="lt1"/>
+            </a:fontRef>
+          </p:style>
+          <p:txBody>
+            <a:bodyPr rtlCol="0" anchor="ctr"/>
+            <a:lstStyle/>
+            <a:p>
+              <a:pPr marL="0" marR="0" lvl="0" indent="0" algn="ctr" defTabSz="914400" rtl="0" eaLnBrk="1" fontAlgn="auto" latinLnBrk="0" hangingPunct="1">
+                <a:lnSpc>
+                  <a:spcPct val="100000"/>
+                </a:lnSpc>
+                <a:spcBef>
+                  <a:spcPts val="0"/>
+                </a:spcBef>
+                <a:spcAft>
+                  <a:spcPts val="0"/>
+                </a:spcAft>
+                <a:buClrTx/>
+                <a:buSzTx/>
+                <a:buFontTx/>
+                <a:buNone/>
+                <a:tabLst/>
+                <a:defRPr/>
+              </a:pPr>
+              <a:endParaRPr kumimoji="1" lang="zh-CN" altLang="en-US" sz="1400" b="0" i="0" u="none" strike="noStrike" kern="1200" cap="none" spc="0" normalizeH="0" baseline="0" noProof="0" dirty="0">
+                <a:ln>
+                  <a:noFill/>
+                </a:ln>
+                <a:solidFill>
+                  <a:prstClr val="white"/>
+                </a:solidFill>
+                <a:effectLst/>
+                <a:uLnTx/>
+                <a:uFillTx/>
+                <a:latin typeface="Century Gothic" charset="0"/>
+                <a:ea typeface="Century Gothic" charset="0"/>
+                <a:cs typeface="Century Gothic" charset="0"/>
+              </a:endParaRPr>
+            </a:p>
+          </p:txBody>
+        </p:sp>
+        <p:sp>
+          <p:nvSpPr>
+            <p:cNvPr id="16" name="文本框 15"/>
+            <p:cNvSpPr txBox="1"/>
+            <p:nvPr/>
+          </p:nvSpPr>
+          <p:spPr>
+            <a:xfrm>
+              <a:off x="3314265" y="2836477"/>
+              <a:ext cx="3876057" cy="307777"/>
+            </a:xfrm>
+            <a:prstGeom prst="rect">
+              <a:avLst/>
+            </a:prstGeom>
+            <a:noFill/>
+          </p:spPr>
+          <p:txBody>
+            <a:bodyPr wrap="square" rtlCol="0">
+              <a:spAutoFit/>
+            </a:bodyPr>
+            <a:lstStyle/>
+            <a:p>
+              <a:pPr marL="0" marR="0" lvl="0" indent="0" algn="l" defTabSz="914400" rtl="0" eaLnBrk="1" fontAlgn="auto" latinLnBrk="0" hangingPunct="1">
+                <a:lnSpc>
+                  <a:spcPct val="100000"/>
+                </a:lnSpc>
+                <a:spcBef>
+                  <a:spcPts val="0"/>
+                </a:spcBef>
+                <a:spcAft>
+                  <a:spcPts val="0"/>
+                </a:spcAft>
+                <a:buClrTx/>
+                <a:buSzTx/>
+                <a:buFontTx/>
+                <a:buNone/>
+                <a:tabLst/>
+                <a:defRPr/>
+              </a:pPr>
+              <a:r>
+                <a:rPr kumimoji="1" lang="en-US" altLang="zh-CN" sz="1400" b="0" i="0" u="none" strike="noStrike" kern="1200" cap="none" spc="0" normalizeH="0" baseline="0" noProof="0" dirty="0">
+                  <a:ln>
+                    <a:noFill/>
+                  </a:ln>
+                  <a:solidFill>
+                    <a:prstClr val="black"/>
+                  </a:solidFill>
+                  <a:effectLst/>
+                  <a:uLnTx/>
+                  <a:uFillTx/>
+                  <a:latin typeface="Century Gothic" charset="0"/>
+                  <a:ea typeface="Century Gothic" charset="0"/>
+                  <a:cs typeface="Century Gothic" charset="0"/>
+                </a:rPr>
+                <a:t>Array_to_Image.vi (Channel</a:t>
+              </a:r>
+              <a:r>
+                <a:rPr kumimoji="1" lang="zh-CN" altLang="en-US" sz="1400" b="0" i="0" u="none" strike="noStrike" kern="1200" cap="none" spc="0" normalizeH="0" baseline="0" noProof="0" dirty="0">
+                  <a:ln>
+                    <a:noFill/>
+                  </a:ln>
+                  <a:solidFill>
+                    <a:prstClr val="black"/>
+                  </a:solidFill>
+                  <a:effectLst/>
+                  <a:uLnTx/>
+                  <a:uFillTx/>
+                  <a:latin typeface="Century Gothic" charset="0"/>
+                  <a:ea typeface="Century Gothic" charset="0"/>
+                  <a:cs typeface="Century Gothic" charset="0"/>
+                </a:rPr>
+                <a:t> </a:t>
+              </a:r>
+              <a:r>
+                <a:rPr kumimoji="1" lang="en-US" altLang="zh-CN" sz="1400" b="0" i="0" u="none" strike="noStrike" kern="1200" cap="none" spc="0" normalizeH="0" baseline="0" noProof="0" dirty="0">
+                  <a:ln>
+                    <a:noFill/>
+                  </a:ln>
+                  <a:solidFill>
+                    <a:prstClr val="black"/>
+                  </a:solidFill>
+                  <a:effectLst/>
+                  <a:uLnTx/>
+                  <a:uFillTx/>
+                  <a:latin typeface="Century Gothic" charset="0"/>
+                  <a:ea typeface="Century Gothic" charset="0"/>
+                  <a:cs typeface="Century Gothic" charset="0"/>
+                </a:rPr>
+                <a:t>0)</a:t>
+              </a:r>
+              <a:endParaRPr kumimoji="1" lang="zh-CN" altLang="en-US" sz="1400" b="0" i="0" u="none" strike="noStrike" kern="1200" cap="none" spc="0" normalizeH="0" baseline="0" noProof="0" dirty="0">
+                <a:ln>
+                  <a:noFill/>
+                </a:ln>
+                <a:solidFill>
+                  <a:prstClr val="black"/>
+                </a:solidFill>
+                <a:effectLst/>
+                <a:uLnTx/>
+                <a:uFillTx/>
+                <a:latin typeface="Century Gothic" charset="0"/>
+                <a:ea typeface="Century Gothic" charset="0"/>
+                <a:cs typeface="Century Gothic" charset="0"/>
+              </a:endParaRPr>
+            </a:p>
+          </p:txBody>
+        </p:sp>
+      </p:grpSp>
+      <p:sp>
+        <p:nvSpPr>
+          <p:cNvPr id="18" name="矩形 17"/>
+          <p:cNvSpPr/>
+          <p:nvPr/>
+        </p:nvSpPr>
+        <p:spPr>
+          <a:xfrm>
+            <a:off x="4509030" y="3377846"/>
+            <a:ext cx="1800000" cy="432000"/>
+          </a:xfrm>
+          <a:prstGeom prst="rect">
+            <a:avLst/>
+          </a:prstGeom>
+          <a:solidFill>
+            <a:schemeClr val="accent1"/>
+          </a:solidFill>
+          <a:ln>
+            <a:noFill/>
+          </a:ln>
+        </p:spPr>
+        <p:style>
+          <a:lnRef idx="2">
+            <a:schemeClr val="accent1">
+              <a:shade val="50000"/>
+            </a:schemeClr>
+          </a:lnRef>
+          <a:fillRef idx="1">
+            <a:schemeClr val="accent1"/>
+          </a:fillRef>
+          <a:effectRef idx="0">
+            <a:schemeClr val="accent1"/>
+          </a:effectRef>
+          <a:fontRef idx="minor">
+            <a:schemeClr val="lt1"/>
+          </a:fontRef>
+        </p:style>
+        <p:txBody>
+          <a:bodyPr rtlCol="0" anchor="ctr"/>
+          <a:lstStyle/>
+          <a:p>
+            <a:pPr marL="0" marR="0" lvl="0" indent="0" algn="ctr" defTabSz="914400" rtl="0" eaLnBrk="1" fontAlgn="auto" latinLnBrk="0" hangingPunct="1">
+              <a:lnSpc>
+                <a:spcPct val="100000"/>
+              </a:lnSpc>
+              <a:spcBef>
+                <a:spcPts val="0"/>
+              </a:spcBef>
+              <a:spcAft>
+                <a:spcPts val="0"/>
+              </a:spcAft>
+              <a:buClrTx/>
+              <a:buSzTx/>
+              <a:buFontTx/>
+              <a:buNone/>
+              <a:tabLst/>
+              <a:defRPr/>
+            </a:pPr>
+            <a:r>
+              <a:rPr kumimoji="1" lang="en-US" altLang="zh-CN" sz="1400" b="0" i="0" u="none" strike="noStrike" kern="1200" cap="none" spc="0" normalizeH="0" baseline="0" noProof="0" dirty="0">
+                <a:ln>
+                  <a:noFill/>
+                </a:ln>
+                <a:solidFill>
+                  <a:prstClr val="white"/>
+                </a:solidFill>
+                <a:effectLst/>
+                <a:uLnTx/>
+                <a:uFillTx/>
+                <a:latin typeface="Century Gothic" charset="0"/>
+                <a:ea typeface="Century Gothic" charset="0"/>
+                <a:cs typeface="Century Gothic" charset="0"/>
+              </a:rPr>
+              <a:t>Array(32bit)</a:t>
+            </a:r>
+            <a:endParaRPr kumimoji="1" lang="zh-CN" altLang="en-US" sz="1400" b="0" i="0" u="none" strike="noStrike" kern="1200" cap="none" spc="0" normalizeH="0" baseline="0" noProof="0" dirty="0">
+              <a:ln>
+                <a:noFill/>
+              </a:ln>
+              <a:solidFill>
+                <a:prstClr val="white"/>
+              </a:solidFill>
+              <a:effectLst/>
+              <a:uLnTx/>
+              <a:uFillTx/>
+              <a:latin typeface="Century Gothic" charset="0"/>
+              <a:ea typeface="Century Gothic" charset="0"/>
+              <a:cs typeface="Century Gothic" charset="0"/>
+            </a:endParaRPr>
+          </a:p>
+        </p:txBody>
+      </p:sp>
+      <p:sp>
+        <p:nvSpPr>
+          <p:cNvPr id="21" name="椭圆 20"/>
+          <p:cNvSpPr/>
+          <p:nvPr/>
+        </p:nvSpPr>
+        <p:spPr>
+          <a:xfrm>
+            <a:off x="6656687" y="3323846"/>
+            <a:ext cx="1944000" cy="540000"/>
+          </a:xfrm>
+          <a:prstGeom prst="ellipse">
+            <a:avLst/>
+          </a:prstGeom>
+          <a:noFill/>
+          <a:ln>
+            <a:solidFill>
+              <a:srgbClr val="FF0000"/>
+            </a:solidFill>
+          </a:ln>
+        </p:spPr>
+        <p:style>
+          <a:lnRef idx="2">
+            <a:schemeClr val="accent1">
+              <a:shade val="50000"/>
+            </a:schemeClr>
+          </a:lnRef>
+          <a:fillRef idx="1">
+            <a:schemeClr val="accent1"/>
+          </a:fillRef>
+          <a:effectRef idx="0">
+            <a:schemeClr val="accent1"/>
+          </a:effectRef>
+          <a:fontRef idx="minor">
+            <a:schemeClr val="lt1"/>
+          </a:fontRef>
+        </p:style>
+        <p:txBody>
+          <a:bodyPr rtlCol="0" anchor="ctr"/>
+          <a:lstStyle/>
+          <a:p>
+            <a:pPr marL="0" marR="0" lvl="0" indent="0" algn="ctr" defTabSz="914400" rtl="0" eaLnBrk="1" fontAlgn="auto" latinLnBrk="0" hangingPunct="1">
+              <a:lnSpc>
+                <a:spcPct val="100000"/>
+              </a:lnSpc>
+              <a:spcBef>
+                <a:spcPts val="0"/>
+              </a:spcBef>
+              <a:spcAft>
+                <a:spcPts val="0"/>
+              </a:spcAft>
+              <a:buClrTx/>
+              <a:buSzTx/>
+              <a:buFontTx/>
+              <a:buNone/>
+              <a:tabLst/>
+              <a:defRPr/>
+            </a:pPr>
+            <a:r>
+              <a:rPr kumimoji="1" lang="en-US" altLang="zh-CN" sz="1400" b="0" i="0" u="none" strike="noStrike" kern="1200" cap="none" spc="0" normalizeH="0" baseline="0" noProof="0" dirty="0">
+                <a:ln>
+                  <a:noFill/>
+                </a:ln>
+                <a:solidFill>
+                  <a:prstClr val="black"/>
+                </a:solidFill>
+                <a:effectLst/>
+                <a:uLnTx/>
+                <a:uFillTx/>
+                <a:latin typeface="Century Gothic" charset="0"/>
+                <a:ea typeface="Century Gothic" charset="0"/>
+                <a:cs typeface="Century Gothic" charset="0"/>
+              </a:rPr>
+              <a:t>Normalization</a:t>
+            </a:r>
+            <a:endParaRPr kumimoji="1" lang="zh-CN" altLang="en-US" sz="1400" b="0" i="0" u="none" strike="noStrike" kern="1200" cap="none" spc="0" normalizeH="0" baseline="0" noProof="0" dirty="0">
+              <a:ln>
+                <a:noFill/>
+              </a:ln>
+              <a:solidFill>
+                <a:prstClr val="black"/>
+              </a:solidFill>
+              <a:effectLst/>
+              <a:uLnTx/>
+              <a:uFillTx/>
+              <a:latin typeface="Century Gothic" charset="0"/>
+              <a:ea typeface="Century Gothic" charset="0"/>
+              <a:cs typeface="Century Gothic" charset="0"/>
+            </a:endParaRPr>
+          </a:p>
+        </p:txBody>
+      </p:sp>
+      <p:grpSp>
+        <p:nvGrpSpPr>
+          <p:cNvPr id="80" name="组合 79">
+            <a:extLst>
+              <a:ext uri="{FF2B5EF4-FFF2-40B4-BE49-F238E27FC236}">
+                <a16:creationId xmlns:a16="http://schemas.microsoft.com/office/drawing/2014/main" id="{F6627C34-55EB-4531-AE18-73AA94F21B3D}"/>
+              </a:ext>
+            </a:extLst>
+          </p:cNvPr>
+          <p:cNvGrpSpPr/>
+          <p:nvPr/>
+        </p:nvGrpSpPr>
+        <p:grpSpPr>
+          <a:xfrm>
+            <a:off x="4436812" y="3939542"/>
+            <a:ext cx="4240084" cy="1696919"/>
+            <a:chOff x="3799069" y="3806109"/>
+            <a:chExt cx="4240084" cy="1696919"/>
+          </a:xfrm>
+        </p:grpSpPr>
+        <p:sp>
+          <p:nvSpPr>
+            <p:cNvPr id="22" name="矩形 21"/>
+            <p:cNvSpPr/>
+            <p:nvPr/>
+          </p:nvSpPr>
+          <p:spPr>
+            <a:xfrm>
+              <a:off x="3799069" y="4109045"/>
+              <a:ext cx="4240084" cy="1393983"/>
+            </a:xfrm>
+            <a:prstGeom prst="rect">
+              <a:avLst/>
+            </a:prstGeom>
+            <a:noFill/>
+          </p:spPr>
+          <p:style>
+            <a:lnRef idx="2">
+              <a:schemeClr val="accent1">
+                <a:shade val="50000"/>
+              </a:schemeClr>
+            </a:lnRef>
+            <a:fillRef idx="1">
+              <a:schemeClr val="accent1"/>
+            </a:fillRef>
+            <a:effectRef idx="0">
+              <a:schemeClr val="accent1"/>
+            </a:effectRef>
+            <a:fontRef idx="minor">
+              <a:schemeClr val="lt1"/>
+            </a:fontRef>
+          </p:style>
+          <p:txBody>
+            <a:bodyPr rtlCol="0" anchor="ctr"/>
+            <a:lstStyle/>
+            <a:p>
+              <a:pPr marL="0" marR="0" lvl="0" indent="0" algn="ctr" defTabSz="914400" rtl="0" eaLnBrk="1" fontAlgn="auto" latinLnBrk="0" hangingPunct="1">
+                <a:lnSpc>
+                  <a:spcPct val="100000"/>
+                </a:lnSpc>
+                <a:spcBef>
+                  <a:spcPts val="0"/>
+                </a:spcBef>
+                <a:spcAft>
+                  <a:spcPts val="0"/>
+                </a:spcAft>
+                <a:buClrTx/>
+                <a:buSzTx/>
+                <a:buFontTx/>
+                <a:buNone/>
+                <a:tabLst/>
+                <a:defRPr/>
+              </a:pPr>
+              <a:endParaRPr kumimoji="1" lang="zh-CN" altLang="en-US" sz="1400" b="0" i="0" u="none" strike="noStrike" kern="1200" cap="none" spc="0" normalizeH="0" baseline="0" noProof="0">
+                <a:ln>
+                  <a:noFill/>
+                </a:ln>
+                <a:solidFill>
+                  <a:prstClr val="white"/>
+                </a:solidFill>
+                <a:effectLst/>
+                <a:uLnTx/>
+                <a:uFillTx/>
+                <a:latin typeface="Century Gothic" charset="0"/>
+                <a:ea typeface="Century Gothic" charset="0"/>
+                <a:cs typeface="Century Gothic" charset="0"/>
+              </a:endParaRPr>
+            </a:p>
+          </p:txBody>
+        </p:sp>
+        <p:sp>
+          <p:nvSpPr>
+            <p:cNvPr id="23" name="文本框 22"/>
+            <p:cNvSpPr txBox="1"/>
+            <p:nvPr/>
+          </p:nvSpPr>
+          <p:spPr>
+            <a:xfrm>
+              <a:off x="3799069" y="3806109"/>
+              <a:ext cx="1721946" cy="307777"/>
+            </a:xfrm>
+            <a:prstGeom prst="rect">
+              <a:avLst/>
+            </a:prstGeom>
+            <a:noFill/>
+          </p:spPr>
+          <p:txBody>
+            <a:bodyPr wrap="none" rtlCol="0">
+              <a:spAutoFit/>
+            </a:bodyPr>
+            <a:lstStyle/>
+            <a:p>
+              <a:pPr marL="0" marR="0" lvl="0" indent="0" algn="l" defTabSz="914400" rtl="0" eaLnBrk="1" fontAlgn="auto" latinLnBrk="0" hangingPunct="1">
+                <a:lnSpc>
+                  <a:spcPct val="100000"/>
+                </a:lnSpc>
+                <a:spcBef>
+                  <a:spcPts val="0"/>
+                </a:spcBef>
+                <a:spcAft>
+                  <a:spcPts val="0"/>
+                </a:spcAft>
+                <a:buClrTx/>
+                <a:buSzTx/>
+                <a:buFontTx/>
+                <a:buNone/>
+                <a:tabLst/>
+                <a:defRPr/>
+              </a:pPr>
+              <a:r>
+                <a:rPr kumimoji="1" lang="en-US" altLang="zh-CN" sz="1400" b="0" i="0" u="none" strike="noStrike" kern="1200" cap="none" spc="0" normalizeH="0" baseline="0" noProof="0" dirty="0" err="1">
+                  <a:ln>
+                    <a:noFill/>
+                  </a:ln>
+                  <a:solidFill>
+                    <a:prstClr val="black"/>
+                  </a:solidFill>
+                  <a:effectLst/>
+                  <a:uLnTx/>
+                  <a:uFillTx/>
+                  <a:latin typeface="Century Gothic" charset="0"/>
+                  <a:ea typeface="Century Gothic" charset="0"/>
+                  <a:cs typeface="Century Gothic" charset="0"/>
+                </a:rPr>
+                <a:t>Contrast_adjust.vi</a:t>
+              </a:r>
+              <a:endParaRPr kumimoji="1" lang="zh-CN" altLang="en-US" sz="1400" b="0" i="0" u="none" strike="noStrike" kern="1200" cap="none" spc="0" normalizeH="0" baseline="0" noProof="0" dirty="0">
+                <a:ln>
+                  <a:noFill/>
+                </a:ln>
+                <a:solidFill>
+                  <a:prstClr val="black"/>
+                </a:solidFill>
+                <a:effectLst/>
+                <a:uLnTx/>
+                <a:uFillTx/>
+                <a:latin typeface="Century Gothic" charset="0"/>
+                <a:ea typeface="Century Gothic" charset="0"/>
+                <a:cs typeface="Century Gothic" charset="0"/>
+              </a:endParaRPr>
+            </a:p>
+          </p:txBody>
+        </p:sp>
+      </p:grpSp>
+      <p:sp>
+        <p:nvSpPr>
+          <p:cNvPr id="24" name="椭圆 23"/>
+          <p:cNvSpPr/>
+          <p:nvPr/>
+        </p:nvSpPr>
+        <p:spPr>
+          <a:xfrm>
+            <a:off x="4657387" y="4688122"/>
+            <a:ext cx="1800000" cy="540000"/>
+          </a:xfrm>
+          <a:prstGeom prst="ellipse">
+            <a:avLst/>
+          </a:prstGeom>
+          <a:noFill/>
+          <a:ln>
+            <a:solidFill>
+              <a:srgbClr val="FF0000"/>
+            </a:solidFill>
+          </a:ln>
+        </p:spPr>
+        <p:style>
+          <a:lnRef idx="2">
+            <a:schemeClr val="accent1">
+              <a:shade val="50000"/>
+            </a:schemeClr>
+          </a:lnRef>
+          <a:fillRef idx="1">
+            <a:schemeClr val="accent1"/>
+          </a:fillRef>
+          <a:effectRef idx="0">
+            <a:schemeClr val="accent1"/>
+          </a:effectRef>
+          <a:fontRef idx="minor">
+            <a:schemeClr val="lt1"/>
+          </a:fontRef>
+        </p:style>
+        <p:txBody>
+          <a:bodyPr rtlCol="0" anchor="ctr"/>
+          <a:lstStyle/>
+          <a:p>
+            <a:pPr marL="0" marR="0" lvl="0" indent="0" algn="ctr" defTabSz="914400" rtl="0" eaLnBrk="1" fontAlgn="auto" latinLnBrk="0" hangingPunct="1">
+              <a:lnSpc>
+                <a:spcPct val="100000"/>
+              </a:lnSpc>
+              <a:spcBef>
+                <a:spcPts val="0"/>
+              </a:spcBef>
+              <a:spcAft>
+                <a:spcPts val="0"/>
+              </a:spcAft>
+              <a:buClrTx/>
+              <a:buSzTx/>
+              <a:buFontTx/>
+              <a:buNone/>
+              <a:tabLst/>
+              <a:defRPr/>
+            </a:pPr>
+            <a:r>
+              <a:rPr kumimoji="1" lang="en-US" altLang="zh-CN" sz="1400" b="0" i="0" u="none" strike="noStrike" kern="1200" cap="none" spc="0" normalizeH="0" baseline="0" noProof="0" dirty="0">
+                <a:ln>
+                  <a:noFill/>
+                </a:ln>
+                <a:solidFill>
+                  <a:prstClr val="black"/>
+                </a:solidFill>
+                <a:effectLst/>
+                <a:uLnTx/>
+                <a:uFillTx/>
+                <a:latin typeface="Century Gothic" charset="0"/>
+                <a:ea typeface="Century Gothic" charset="0"/>
+                <a:cs typeface="Century Gothic" charset="0"/>
+              </a:rPr>
+              <a:t>Limit</a:t>
+            </a:r>
+            <a:r>
+              <a:rPr kumimoji="1" lang="zh-CN" altLang="en-US" sz="1400" b="0" i="0" u="none" strike="noStrike" kern="1200" cap="none" spc="0" normalizeH="0" baseline="0" noProof="0" dirty="0">
+                <a:ln>
+                  <a:noFill/>
+                </a:ln>
+                <a:solidFill>
+                  <a:prstClr val="black"/>
+                </a:solidFill>
+                <a:effectLst/>
+                <a:uLnTx/>
+                <a:uFillTx/>
+                <a:latin typeface="Century Gothic" charset="0"/>
+                <a:ea typeface="Century Gothic" charset="0"/>
+                <a:cs typeface="Century Gothic" charset="0"/>
+              </a:rPr>
+              <a:t> </a:t>
+            </a:r>
+            <a:r>
+              <a:rPr kumimoji="1" lang="en-US" altLang="zh-CN" sz="1400" b="0" i="0" u="none" strike="noStrike" kern="1200" cap="none" spc="0" normalizeH="0" baseline="0" noProof="0" dirty="0">
+                <a:ln>
+                  <a:noFill/>
+                </a:ln>
+                <a:solidFill>
+                  <a:prstClr val="black"/>
+                </a:solidFill>
+                <a:effectLst/>
+                <a:uLnTx/>
+                <a:uFillTx/>
+                <a:latin typeface="Century Gothic" charset="0"/>
+                <a:ea typeface="Century Gothic" charset="0"/>
+                <a:cs typeface="Century Gothic" charset="0"/>
+              </a:rPr>
+              <a:t>data</a:t>
+            </a:r>
+            <a:r>
+              <a:rPr kumimoji="1" lang="zh-CN" altLang="en-US" sz="1400" b="0" i="0" u="none" strike="noStrike" kern="1200" cap="none" spc="0" normalizeH="0" baseline="0" noProof="0" dirty="0">
+                <a:ln>
+                  <a:noFill/>
+                </a:ln>
+                <a:solidFill>
+                  <a:prstClr val="black"/>
+                </a:solidFill>
+                <a:effectLst/>
+                <a:uLnTx/>
+                <a:uFillTx/>
+                <a:latin typeface="Century Gothic" charset="0"/>
+                <a:ea typeface="Century Gothic" charset="0"/>
+                <a:cs typeface="Century Gothic" charset="0"/>
+              </a:rPr>
+              <a:t> </a:t>
+            </a:r>
+            <a:r>
+              <a:rPr kumimoji="1" lang="en-US" altLang="zh-CN" sz="1400" b="0" i="0" u="none" strike="noStrike" kern="1200" cap="none" spc="0" normalizeH="0" baseline="0" noProof="0" dirty="0">
+                <a:ln>
+                  <a:noFill/>
+                </a:ln>
+                <a:solidFill>
+                  <a:prstClr val="black"/>
+                </a:solidFill>
+                <a:effectLst/>
+                <a:uLnTx/>
+                <a:uFillTx/>
+                <a:latin typeface="Century Gothic" charset="0"/>
+                <a:ea typeface="Century Gothic" charset="0"/>
+                <a:cs typeface="Century Gothic" charset="0"/>
+              </a:rPr>
+              <a:t>in</a:t>
+            </a:r>
+            <a:r>
+              <a:rPr kumimoji="1" lang="zh-CN" altLang="en-US" sz="1400" b="0" i="0" u="none" strike="noStrike" kern="1200" cap="none" spc="0" normalizeH="0" baseline="0" noProof="0" dirty="0">
+                <a:ln>
+                  <a:noFill/>
+                </a:ln>
+                <a:solidFill>
+                  <a:prstClr val="black"/>
+                </a:solidFill>
+                <a:effectLst/>
+                <a:uLnTx/>
+                <a:uFillTx/>
+                <a:latin typeface="Century Gothic" charset="0"/>
+                <a:ea typeface="Century Gothic" charset="0"/>
+                <a:cs typeface="Century Gothic" charset="0"/>
+              </a:rPr>
+              <a:t> </a:t>
+            </a:r>
+            <a:r>
+              <a:rPr kumimoji="1" lang="en-US" altLang="zh-CN" sz="1400" b="0" i="0" u="none" strike="noStrike" kern="1200" cap="none" spc="0" normalizeH="0" baseline="0" noProof="0" dirty="0">
+                <a:ln>
+                  <a:noFill/>
+                </a:ln>
+                <a:solidFill>
+                  <a:prstClr val="black"/>
+                </a:solidFill>
+                <a:effectLst/>
+                <a:uLnTx/>
+                <a:uFillTx/>
+                <a:latin typeface="Century Gothic" charset="0"/>
+                <a:ea typeface="Century Gothic" charset="0"/>
+                <a:cs typeface="Century Gothic" charset="0"/>
+              </a:rPr>
+              <a:t>8</a:t>
+            </a:r>
+            <a:r>
+              <a:rPr kumimoji="1" lang="zh-CN" altLang="en-US" sz="1400" b="0" i="0" u="none" strike="noStrike" kern="1200" cap="none" spc="0" normalizeH="0" baseline="0" noProof="0" dirty="0">
+                <a:ln>
+                  <a:noFill/>
+                </a:ln>
+                <a:solidFill>
+                  <a:prstClr val="black"/>
+                </a:solidFill>
+                <a:effectLst/>
+                <a:uLnTx/>
+                <a:uFillTx/>
+                <a:latin typeface="Century Gothic" charset="0"/>
+                <a:ea typeface="Century Gothic" charset="0"/>
+                <a:cs typeface="Century Gothic" charset="0"/>
+              </a:rPr>
+              <a:t> </a:t>
+            </a:r>
+            <a:r>
+              <a:rPr kumimoji="1" lang="en-US" altLang="zh-CN" sz="1400" b="0" i="0" u="none" strike="noStrike" kern="1200" cap="none" spc="0" normalizeH="0" baseline="0" noProof="0" dirty="0">
+                <a:ln>
+                  <a:noFill/>
+                </a:ln>
+                <a:solidFill>
+                  <a:prstClr val="black"/>
+                </a:solidFill>
+                <a:effectLst/>
+                <a:uLnTx/>
+                <a:uFillTx/>
+                <a:latin typeface="Century Gothic" charset="0"/>
+                <a:ea typeface="Century Gothic" charset="0"/>
+                <a:cs typeface="Century Gothic" charset="0"/>
+              </a:rPr>
+              <a:t>bit</a:t>
+            </a:r>
+            <a:endParaRPr kumimoji="1" lang="zh-CN" altLang="en-US" sz="1400" b="0" i="0" u="none" strike="noStrike" kern="1200" cap="none" spc="0" normalizeH="0" baseline="0" noProof="0" dirty="0">
+              <a:ln>
+                <a:noFill/>
+              </a:ln>
+              <a:solidFill>
+                <a:prstClr val="black"/>
+              </a:solidFill>
+              <a:effectLst/>
+              <a:uLnTx/>
+              <a:uFillTx/>
+              <a:latin typeface="Century Gothic" charset="0"/>
+              <a:ea typeface="Century Gothic" charset="0"/>
+              <a:cs typeface="Century Gothic" charset="0"/>
+            </a:endParaRPr>
+          </a:p>
+        </p:txBody>
+      </p:sp>
+      <p:sp>
+        <p:nvSpPr>
+          <p:cNvPr id="27" name="文本框 26"/>
+          <p:cNvSpPr txBox="1"/>
+          <p:nvPr/>
+        </p:nvSpPr>
+        <p:spPr>
+          <a:xfrm>
+            <a:off x="4118158" y="6003839"/>
+            <a:ext cx="3035361" cy="307777"/>
+          </a:xfrm>
+          <a:prstGeom prst="rect">
+            <a:avLst/>
+          </a:prstGeom>
+          <a:noFill/>
+        </p:spPr>
+        <p:txBody>
+          <a:bodyPr wrap="square" rtlCol="0">
+            <a:spAutoFit/>
+          </a:bodyPr>
+          <a:lstStyle/>
+          <a:p>
+            <a:pPr marL="0" marR="0" lvl="0" indent="0" algn="l" defTabSz="914400" rtl="0" eaLnBrk="1" fontAlgn="auto" latinLnBrk="0" hangingPunct="1">
+              <a:lnSpc>
+                <a:spcPct val="100000"/>
+              </a:lnSpc>
+              <a:spcBef>
+                <a:spcPts val="0"/>
+              </a:spcBef>
+              <a:spcAft>
+                <a:spcPts val="0"/>
+              </a:spcAft>
+              <a:buClrTx/>
+              <a:buSzTx/>
+              <a:buFontTx/>
+              <a:buNone/>
+              <a:tabLst/>
+              <a:defRPr/>
+            </a:pPr>
+            <a:r>
+              <a:rPr kumimoji="1" lang="en-US" altLang="zh-CN" sz="1400" b="0" i="0" u="none" strike="noStrike" kern="1200" cap="none" spc="0" normalizeH="0" baseline="0" noProof="0" dirty="0">
+                <a:ln>
+                  <a:noFill/>
+                </a:ln>
+                <a:solidFill>
+                  <a:prstClr val="black"/>
+                </a:solidFill>
+                <a:effectLst/>
+                <a:uLnTx/>
+                <a:uFillTx/>
+                <a:latin typeface="Century Gothic" charset="0"/>
+                <a:ea typeface="Century Gothic" charset="0"/>
+                <a:cs typeface="Century Gothic" charset="0"/>
+              </a:rPr>
+              <a:t>Array_to_Image.vi</a:t>
+            </a:r>
+            <a:r>
+              <a:rPr kumimoji="1" lang="zh-CN" altLang="en-US" sz="1400" b="0" i="0" u="none" strike="noStrike" kern="1200" cap="none" spc="0" normalizeH="0" baseline="0" noProof="0" dirty="0">
+                <a:ln>
+                  <a:noFill/>
+                </a:ln>
+                <a:solidFill>
+                  <a:prstClr val="black"/>
+                </a:solidFill>
+                <a:effectLst/>
+                <a:uLnTx/>
+                <a:uFillTx/>
+                <a:latin typeface="Century Gothic" charset="0"/>
+                <a:ea typeface="Century Gothic" charset="0"/>
+                <a:cs typeface="Century Gothic" charset="0"/>
+              </a:rPr>
+              <a:t> </a:t>
+            </a:r>
+            <a:r>
+              <a:rPr kumimoji="1" lang="en-US" altLang="zh-CN" sz="1400" b="0" i="0" u="none" strike="noStrike" kern="1200" cap="none" spc="0" normalizeH="0" baseline="0" noProof="0" dirty="0">
+                <a:ln>
+                  <a:noFill/>
+                </a:ln>
+                <a:solidFill>
+                  <a:prstClr val="black"/>
+                </a:solidFill>
+                <a:effectLst/>
+                <a:uLnTx/>
+                <a:uFillTx/>
+                <a:latin typeface="Century Gothic" charset="0"/>
+                <a:ea typeface="Century Gothic" charset="0"/>
+                <a:cs typeface="Century Gothic" charset="0"/>
+              </a:rPr>
+              <a:t>(Channel</a:t>
+            </a:r>
+            <a:r>
+              <a:rPr kumimoji="1" lang="zh-CN" altLang="en-US" sz="1400" b="0" i="0" u="none" strike="noStrike" kern="1200" cap="none" spc="0" normalizeH="0" baseline="0" noProof="0" dirty="0">
+                <a:ln>
+                  <a:noFill/>
+                </a:ln>
+                <a:solidFill>
+                  <a:prstClr val="black"/>
+                </a:solidFill>
+                <a:effectLst/>
+                <a:uLnTx/>
+                <a:uFillTx/>
+                <a:latin typeface="Century Gothic" charset="0"/>
+                <a:ea typeface="Century Gothic" charset="0"/>
+                <a:cs typeface="Century Gothic" charset="0"/>
+              </a:rPr>
+              <a:t> </a:t>
+            </a:r>
+            <a:r>
+              <a:rPr kumimoji="1" lang="en-US" altLang="zh-CN" sz="1400" b="0" i="0" u="none" strike="noStrike" kern="1200" cap="none" spc="0" normalizeH="0" baseline="0" noProof="0" dirty="0">
+                <a:ln>
+                  <a:noFill/>
+                </a:ln>
+                <a:solidFill>
+                  <a:prstClr val="black"/>
+                </a:solidFill>
+                <a:effectLst/>
+                <a:uLnTx/>
+                <a:uFillTx/>
+                <a:latin typeface="Century Gothic" charset="0"/>
+                <a:ea typeface="Century Gothic" charset="0"/>
+                <a:cs typeface="Century Gothic" charset="0"/>
+              </a:rPr>
+              <a:t>1)</a:t>
+            </a:r>
+          </a:p>
+        </p:txBody>
+      </p:sp>
+      <p:sp>
+        <p:nvSpPr>
+          <p:cNvPr id="28" name="椭圆 27"/>
+          <p:cNvSpPr/>
+          <p:nvPr/>
+        </p:nvSpPr>
+        <p:spPr>
+          <a:xfrm>
+            <a:off x="9650321" y="4688901"/>
+            <a:ext cx="1944000" cy="540000"/>
+          </a:xfrm>
+          <a:prstGeom prst="ellipse">
+            <a:avLst/>
+          </a:prstGeom>
+          <a:noFill/>
+          <a:ln>
+            <a:solidFill>
+              <a:srgbClr val="FF0000"/>
+            </a:solidFill>
+          </a:ln>
+        </p:spPr>
+        <p:style>
+          <a:lnRef idx="2">
+            <a:schemeClr val="accent1">
+              <a:shade val="50000"/>
+            </a:schemeClr>
+          </a:lnRef>
+          <a:fillRef idx="1">
+            <a:schemeClr val="accent1"/>
+          </a:fillRef>
+          <a:effectRef idx="0">
+            <a:schemeClr val="accent1"/>
+          </a:effectRef>
+          <a:fontRef idx="minor">
+            <a:schemeClr val="lt1"/>
+          </a:fontRef>
+        </p:style>
+        <p:txBody>
+          <a:bodyPr rtlCol="0" anchor="ctr"/>
+          <a:lstStyle/>
+          <a:p>
+            <a:pPr marL="0" marR="0" lvl="0" indent="0" algn="ctr" defTabSz="914400" rtl="0" eaLnBrk="1" fontAlgn="auto" latinLnBrk="0" hangingPunct="1">
+              <a:lnSpc>
+                <a:spcPct val="100000"/>
+              </a:lnSpc>
+              <a:spcBef>
+                <a:spcPts val="0"/>
+              </a:spcBef>
+              <a:spcAft>
+                <a:spcPts val="0"/>
+              </a:spcAft>
+              <a:buClrTx/>
+              <a:buSzTx/>
+              <a:buFontTx/>
+              <a:buNone/>
+              <a:tabLst/>
+              <a:defRPr/>
+            </a:pPr>
+            <a:r>
+              <a:rPr kumimoji="1" lang="en-US" altLang="zh-CN" sz="1400" b="0" i="0" u="none" strike="noStrike" kern="1200" cap="none" spc="0" normalizeH="0" baseline="0" noProof="0">
+                <a:ln>
+                  <a:noFill/>
+                </a:ln>
+                <a:solidFill>
+                  <a:prstClr val="black"/>
+                </a:solidFill>
+                <a:effectLst/>
+                <a:uLnTx/>
+                <a:uFillTx/>
+                <a:latin typeface="Century Gothic" charset="0"/>
+                <a:ea typeface="Century Gothic" charset="0"/>
+                <a:cs typeface="Century Gothic" charset="0"/>
+              </a:rPr>
+              <a:t>IMAQ&amp;Image</a:t>
+            </a:r>
+            <a:endParaRPr kumimoji="1" lang="zh-CN" altLang="en-US" sz="1400" b="0" i="0" u="none" strike="noStrike" kern="1200" cap="none" spc="0" normalizeH="0" baseline="0" noProof="0" dirty="0">
+              <a:ln>
+                <a:noFill/>
+              </a:ln>
+              <a:solidFill>
+                <a:prstClr val="black"/>
+              </a:solidFill>
+              <a:effectLst/>
+              <a:uLnTx/>
+              <a:uFillTx/>
+              <a:latin typeface="Century Gothic" charset="0"/>
+              <a:ea typeface="Century Gothic" charset="0"/>
+              <a:cs typeface="Century Gothic" charset="0"/>
+            </a:endParaRPr>
+          </a:p>
+        </p:txBody>
+      </p:sp>
+      <p:cxnSp>
+        <p:nvCxnSpPr>
+          <p:cNvPr id="30" name="直线箭头连接符 29"/>
+          <p:cNvCxnSpPr>
+            <a:stCxn id="3" idx="3"/>
+            <a:endCxn id="5" idx="2"/>
+          </p:cNvCxnSpPr>
+          <p:nvPr/>
+        </p:nvCxnSpPr>
+        <p:spPr>
+          <a:xfrm>
+            <a:off x="2188408" y="1058012"/>
+            <a:ext cx="1092197" cy="0"/>
+          </a:xfrm>
+          <a:prstGeom prst="straightConnector1">
+            <a:avLst/>
+          </a:prstGeom>
+          <a:ln>
+            <a:tailEnd type="triangle"/>
+          </a:ln>
+        </p:spPr>
+        <p:style>
+          <a:lnRef idx="1">
+            <a:schemeClr val="accent1"/>
+          </a:lnRef>
+          <a:fillRef idx="0">
+            <a:schemeClr val="accent1"/>
+          </a:fillRef>
+          <a:effectRef idx="0">
+            <a:schemeClr val="accent1"/>
+          </a:effectRef>
+          <a:fontRef idx="minor">
+            <a:schemeClr val="tx1"/>
+          </a:fontRef>
+        </p:style>
+      </p:cxnSp>
+      <p:cxnSp>
+        <p:nvCxnSpPr>
+          <p:cNvPr id="32" name="直线箭头连接符 31"/>
+          <p:cNvCxnSpPr>
+            <a:stCxn id="5" idx="4"/>
+            <a:endCxn id="6" idx="0"/>
+          </p:cNvCxnSpPr>
+          <p:nvPr/>
+        </p:nvCxnSpPr>
+        <p:spPr>
+          <a:xfrm>
+            <a:off x="4252605" y="1328012"/>
+            <a:ext cx="0" cy="231390"/>
+          </a:xfrm>
+          <a:prstGeom prst="straightConnector1">
+            <a:avLst/>
+          </a:prstGeom>
+          <a:ln>
+            <a:tailEnd type="triangle"/>
+          </a:ln>
+        </p:spPr>
+        <p:style>
+          <a:lnRef idx="1">
+            <a:schemeClr val="accent1"/>
+          </a:lnRef>
+          <a:fillRef idx="0">
+            <a:schemeClr val="accent1"/>
+          </a:fillRef>
+          <a:effectRef idx="0">
+            <a:schemeClr val="accent1"/>
+          </a:effectRef>
+          <a:fontRef idx="minor">
+            <a:schemeClr val="tx1"/>
+          </a:fontRef>
+        </p:style>
+      </p:cxnSp>
+      <p:cxnSp>
+        <p:nvCxnSpPr>
+          <p:cNvPr id="35" name="直线箭头连接符 34"/>
+          <p:cNvCxnSpPr>
+            <a:stCxn id="6" idx="3"/>
+            <a:endCxn id="10" idx="2"/>
+          </p:cNvCxnSpPr>
+          <p:nvPr/>
+        </p:nvCxnSpPr>
+        <p:spPr>
+          <a:xfrm flipV="1">
+            <a:off x="5152605" y="1773969"/>
+            <a:ext cx="1258641" cy="1433"/>
+          </a:xfrm>
+          <a:prstGeom prst="straightConnector1">
+            <a:avLst/>
+          </a:prstGeom>
+          <a:ln>
+            <a:tailEnd type="triangle"/>
+          </a:ln>
+        </p:spPr>
+        <p:style>
+          <a:lnRef idx="1">
+            <a:schemeClr val="accent1"/>
+          </a:lnRef>
+          <a:fillRef idx="0">
+            <a:schemeClr val="accent1"/>
+          </a:fillRef>
+          <a:effectRef idx="0">
+            <a:schemeClr val="accent1"/>
+          </a:effectRef>
+          <a:fontRef idx="minor">
+            <a:schemeClr val="tx1"/>
+          </a:fontRef>
+        </p:style>
+      </p:cxnSp>
+      <p:cxnSp>
+        <p:nvCxnSpPr>
+          <p:cNvPr id="37" name="肘形连接符 36"/>
+          <p:cNvCxnSpPr>
+            <a:stCxn id="10" idx="6"/>
+            <a:endCxn id="11" idx="1"/>
+          </p:cNvCxnSpPr>
+          <p:nvPr/>
+        </p:nvCxnSpPr>
+        <p:spPr>
+          <a:xfrm flipV="1">
+            <a:off x="8355246" y="1398911"/>
+            <a:ext cx="1117021" cy="375058"/>
+          </a:xfrm>
+          <a:prstGeom prst="bentConnector3">
+            <a:avLst>
+              <a:gd name="adj1" fmla="val 24889"/>
+            </a:avLst>
+          </a:prstGeom>
+          <a:ln>
+            <a:tailEnd type="triangle"/>
+          </a:ln>
+        </p:spPr>
+        <p:style>
+          <a:lnRef idx="1">
+            <a:schemeClr val="accent1"/>
+          </a:lnRef>
+          <a:fillRef idx="0">
+            <a:schemeClr val="accent1"/>
+          </a:fillRef>
+          <a:effectRef idx="0">
+            <a:schemeClr val="accent1"/>
+          </a:effectRef>
+          <a:fontRef idx="minor">
+            <a:schemeClr val="tx1"/>
+          </a:fontRef>
+        </p:style>
+      </p:cxnSp>
+      <p:cxnSp>
+        <p:nvCxnSpPr>
+          <p:cNvPr id="39" name="肘形连接符 38"/>
+          <p:cNvCxnSpPr>
+            <a:stCxn id="10" idx="6"/>
+            <a:endCxn id="12" idx="1"/>
+          </p:cNvCxnSpPr>
+          <p:nvPr/>
+        </p:nvCxnSpPr>
+        <p:spPr>
+          <a:xfrm>
+            <a:off x="8355246" y="1773969"/>
+            <a:ext cx="1117021" cy="459427"/>
+          </a:xfrm>
+          <a:prstGeom prst="bentConnector3">
+            <a:avLst>
+              <a:gd name="adj1" fmla="val 24889"/>
+            </a:avLst>
+          </a:prstGeom>
+          <a:ln>
+            <a:tailEnd type="triangle"/>
+          </a:ln>
+        </p:spPr>
+        <p:style>
+          <a:lnRef idx="1">
+            <a:schemeClr val="accent1"/>
+          </a:lnRef>
+          <a:fillRef idx="0">
+            <a:schemeClr val="accent1"/>
+          </a:fillRef>
+          <a:effectRef idx="0">
+            <a:schemeClr val="accent1"/>
+          </a:effectRef>
+          <a:fontRef idx="minor">
+            <a:schemeClr val="tx1"/>
+          </a:fontRef>
+        </p:style>
+      </p:cxnSp>
+      <p:cxnSp>
+        <p:nvCxnSpPr>
+          <p:cNvPr id="47" name="直线箭头连接符 46"/>
+          <p:cNvCxnSpPr>
+            <a:stCxn id="18" idx="3"/>
+            <a:endCxn id="21" idx="2"/>
+          </p:cNvCxnSpPr>
+          <p:nvPr/>
+        </p:nvCxnSpPr>
+        <p:spPr>
+          <a:xfrm>
+            <a:off x="6309030" y="3593846"/>
+            <a:ext cx="347657" cy="0"/>
+          </a:xfrm>
+          <a:prstGeom prst="straightConnector1">
+            <a:avLst/>
+          </a:prstGeom>
+          <a:ln>
+            <a:tailEnd type="triangle"/>
+          </a:ln>
+        </p:spPr>
+        <p:style>
+          <a:lnRef idx="1">
+            <a:schemeClr val="accent1"/>
+          </a:lnRef>
+          <a:fillRef idx="0">
+            <a:schemeClr val="accent1"/>
+          </a:fillRef>
+          <a:effectRef idx="0">
+            <a:schemeClr val="accent1"/>
+          </a:effectRef>
+          <a:fontRef idx="minor">
+            <a:schemeClr val="tx1"/>
+          </a:fontRef>
+        </p:style>
+      </p:cxnSp>
+      <p:cxnSp>
+        <p:nvCxnSpPr>
+          <p:cNvPr id="49" name="肘形连接符 48"/>
+          <p:cNvCxnSpPr>
+            <a:cxnSpLocks/>
+            <a:stCxn id="21" idx="6"/>
+            <a:endCxn id="24" idx="0"/>
+          </p:cNvCxnSpPr>
+          <p:nvPr/>
+        </p:nvCxnSpPr>
+        <p:spPr>
+          <a:xfrm flipH="1">
+            <a:off x="5557387" y="3593846"/>
+            <a:ext cx="3043300" cy="1094276"/>
+          </a:xfrm>
+          <a:prstGeom prst="bentConnector4">
+            <a:avLst>
+              <a:gd name="adj1" fmla="val -7512"/>
+              <a:gd name="adj2" fmla="val 73615"/>
+            </a:avLst>
+          </a:prstGeom>
+          <a:ln>
+            <a:tailEnd type="triangle"/>
+          </a:ln>
+        </p:spPr>
+        <p:style>
+          <a:lnRef idx="1">
+            <a:schemeClr val="accent1"/>
+          </a:lnRef>
+          <a:fillRef idx="0">
+            <a:schemeClr val="accent1"/>
+          </a:fillRef>
+          <a:effectRef idx="0">
+            <a:schemeClr val="accent1"/>
+          </a:effectRef>
+          <a:fontRef idx="minor">
+            <a:schemeClr val="tx1"/>
+          </a:fontRef>
+        </p:style>
+      </p:cxnSp>
+      <p:cxnSp>
+        <p:nvCxnSpPr>
+          <p:cNvPr id="55" name="直线箭头连接符 54"/>
+          <p:cNvCxnSpPr>
+            <a:cxnSpLocks/>
+            <a:stCxn id="124" idx="6"/>
+            <a:endCxn id="28" idx="2"/>
+          </p:cNvCxnSpPr>
+          <p:nvPr/>
+        </p:nvCxnSpPr>
+        <p:spPr>
+          <a:xfrm>
+            <a:off x="8501596" y="4955701"/>
+            <a:ext cx="1148725" cy="3200"/>
+          </a:xfrm>
+          <a:prstGeom prst="straightConnector1">
+            <a:avLst/>
+          </a:prstGeom>
+          <a:ln>
+            <a:tailEnd type="triangle"/>
+          </a:ln>
+        </p:spPr>
+        <p:style>
+          <a:lnRef idx="1">
+            <a:schemeClr val="accent1"/>
+          </a:lnRef>
+          <a:fillRef idx="0">
+            <a:schemeClr val="accent1"/>
+          </a:fillRef>
+          <a:effectRef idx="0">
+            <a:schemeClr val="accent1"/>
+          </a:effectRef>
+          <a:fontRef idx="minor">
+            <a:schemeClr val="tx1"/>
+          </a:fontRef>
+        </p:style>
+      </p:cxnSp>
+      <p:grpSp>
+        <p:nvGrpSpPr>
+          <p:cNvPr id="58" name="组 57"/>
+          <p:cNvGrpSpPr/>
+          <p:nvPr/>
+        </p:nvGrpSpPr>
+        <p:grpSpPr>
+          <a:xfrm>
+            <a:off x="2558228" y="72384"/>
+            <a:ext cx="9210370" cy="6627895"/>
+            <a:chOff x="1815353" y="1505"/>
+            <a:chExt cx="9210370" cy="6627895"/>
+          </a:xfrm>
+        </p:grpSpPr>
+        <p:sp>
+          <p:nvSpPr>
+            <p:cNvPr id="26" name="矩形 25"/>
+            <p:cNvSpPr/>
+            <p:nvPr/>
+          </p:nvSpPr>
+          <p:spPr>
+            <a:xfrm>
+              <a:off x="1815353" y="309282"/>
+              <a:ext cx="9210370" cy="6320118"/>
+            </a:xfrm>
+            <a:prstGeom prst="rect">
+              <a:avLst/>
+            </a:prstGeom>
+            <a:noFill/>
+            <a:ln>
+              <a:prstDash val="dash"/>
+            </a:ln>
+          </p:spPr>
+          <p:style>
+            <a:lnRef idx="2">
+              <a:schemeClr val="accent1">
+                <a:shade val="50000"/>
+              </a:schemeClr>
+            </a:lnRef>
+            <a:fillRef idx="1">
+              <a:schemeClr val="accent1"/>
+            </a:fillRef>
+            <a:effectRef idx="0">
+              <a:schemeClr val="accent1"/>
+            </a:effectRef>
+            <a:fontRef idx="minor">
+              <a:schemeClr val="lt1"/>
+            </a:fontRef>
+          </p:style>
+          <p:txBody>
+            <a:bodyPr rtlCol="0" anchor="ctr"/>
+            <a:lstStyle/>
+            <a:p>
+              <a:pPr marL="0" marR="0" lvl="0" indent="0" algn="ctr" defTabSz="914400" rtl="0" eaLnBrk="1" fontAlgn="auto" latinLnBrk="0" hangingPunct="1">
+                <a:lnSpc>
+                  <a:spcPct val="100000"/>
+                </a:lnSpc>
+                <a:spcBef>
+                  <a:spcPts val="0"/>
+                </a:spcBef>
+                <a:spcAft>
+                  <a:spcPts val="0"/>
+                </a:spcAft>
+                <a:buClrTx/>
+                <a:buSzTx/>
+                <a:buFontTx/>
+                <a:buNone/>
+                <a:tabLst/>
+                <a:defRPr/>
+              </a:pPr>
+              <a:endParaRPr kumimoji="1" lang="zh-CN" altLang="en-US" sz="1400" b="0" i="0" u="none" strike="noStrike" kern="1200" cap="none" spc="0" normalizeH="0" baseline="0" noProof="0">
+                <a:ln>
+                  <a:noFill/>
+                </a:ln>
+                <a:solidFill>
+                  <a:prstClr val="white"/>
+                </a:solidFill>
+                <a:effectLst/>
+                <a:uLnTx/>
+                <a:uFillTx/>
+                <a:latin typeface="Century Gothic" charset="0"/>
+                <a:ea typeface="Century Gothic" charset="0"/>
+                <a:cs typeface="Century Gothic" charset="0"/>
+              </a:endParaRPr>
+            </a:p>
+          </p:txBody>
+        </p:sp>
+        <p:sp>
+          <p:nvSpPr>
+            <p:cNvPr id="57" name="文本框 56"/>
+            <p:cNvSpPr txBox="1"/>
+            <p:nvPr/>
+          </p:nvSpPr>
+          <p:spPr>
+            <a:xfrm>
+              <a:off x="1815353" y="1505"/>
+              <a:ext cx="2489271" cy="307777"/>
+            </a:xfrm>
+            <a:prstGeom prst="rect">
+              <a:avLst/>
+            </a:prstGeom>
+            <a:noFill/>
+          </p:spPr>
+          <p:txBody>
+            <a:bodyPr wrap="square" rtlCol="0">
+              <a:spAutoFit/>
+            </a:bodyPr>
+            <a:lstStyle/>
+            <a:p>
+              <a:pPr marL="0" marR="0" lvl="0" indent="0" algn="l" defTabSz="914400" rtl="0" eaLnBrk="1" fontAlgn="auto" latinLnBrk="0" hangingPunct="1">
+                <a:lnSpc>
+                  <a:spcPct val="100000"/>
+                </a:lnSpc>
+                <a:spcBef>
+                  <a:spcPts val="0"/>
+                </a:spcBef>
+                <a:spcAft>
+                  <a:spcPts val="0"/>
+                </a:spcAft>
+                <a:buClrTx/>
+                <a:buSzTx/>
+                <a:buFontTx/>
+                <a:buNone/>
+                <a:tabLst/>
+                <a:defRPr/>
+              </a:pPr>
+              <a:r>
+                <a:rPr kumimoji="1" lang="en-US" altLang="zh-CN" sz="1400" b="0" i="0" u="none" strike="noStrike" kern="1200" cap="none" spc="0" normalizeH="0" baseline="0" noProof="0" dirty="0">
+                  <a:ln>
+                    <a:noFill/>
+                  </a:ln>
+                  <a:solidFill>
+                    <a:prstClr val="black"/>
+                  </a:solidFill>
+                  <a:effectLst/>
+                  <a:uLnTx/>
+                  <a:uFillTx/>
+                  <a:latin typeface="Century Gothic" charset="0"/>
+                  <a:ea typeface="Century Gothic" charset="0"/>
+                  <a:cs typeface="Century Gothic" charset="0"/>
+                </a:rPr>
+                <a:t>Consumer</a:t>
+              </a:r>
+              <a:r>
+                <a:rPr kumimoji="1" lang="zh-CN" altLang="en-US" sz="1400" b="0" i="0" u="none" strike="noStrike" kern="1200" cap="none" spc="0" normalizeH="0" baseline="0" noProof="0" dirty="0">
+                  <a:ln>
+                    <a:noFill/>
+                  </a:ln>
+                  <a:solidFill>
+                    <a:prstClr val="black"/>
+                  </a:solidFill>
+                  <a:effectLst/>
+                  <a:uLnTx/>
+                  <a:uFillTx/>
+                  <a:latin typeface="Century Gothic" charset="0"/>
+                  <a:ea typeface="Century Gothic" charset="0"/>
+                  <a:cs typeface="Century Gothic" charset="0"/>
+                </a:rPr>
+                <a:t> </a:t>
+              </a:r>
+              <a:r>
+                <a:rPr kumimoji="1" lang="en-US" altLang="zh-CN" sz="1400" b="0" i="0" u="none" strike="noStrike" kern="1200" cap="none" spc="0" normalizeH="0" baseline="0" noProof="0" dirty="0">
+                  <a:ln>
+                    <a:noFill/>
+                  </a:ln>
+                  <a:solidFill>
+                    <a:prstClr val="black"/>
+                  </a:solidFill>
+                  <a:effectLst/>
+                  <a:uLnTx/>
+                  <a:uFillTx/>
+                  <a:latin typeface="Century Gothic" charset="0"/>
+                  <a:ea typeface="Century Gothic" charset="0"/>
+                  <a:cs typeface="Century Gothic" charset="0"/>
+                </a:rPr>
+                <a:t>Loop</a:t>
+              </a:r>
+              <a:endParaRPr kumimoji="1" lang="zh-CN" altLang="en-US" sz="1400" b="0" i="0" u="none" strike="noStrike" kern="1200" cap="none" spc="0" normalizeH="0" baseline="0" noProof="0" dirty="0">
+                <a:ln>
+                  <a:noFill/>
+                </a:ln>
+                <a:solidFill>
+                  <a:prstClr val="black"/>
+                </a:solidFill>
+                <a:effectLst/>
+                <a:uLnTx/>
+                <a:uFillTx/>
+                <a:latin typeface="Century Gothic" charset="0"/>
+                <a:ea typeface="Century Gothic" charset="0"/>
+                <a:cs typeface="Century Gothic" charset="0"/>
+              </a:endParaRPr>
+            </a:p>
+          </p:txBody>
+        </p:sp>
+      </p:grpSp>
+      <p:sp>
+        <p:nvSpPr>
+          <p:cNvPr id="34" name="文本框 33">
+            <a:extLst>
+              <a:ext uri="{FF2B5EF4-FFF2-40B4-BE49-F238E27FC236}">
+                <a16:creationId xmlns:a16="http://schemas.microsoft.com/office/drawing/2014/main" id="{F327044E-A65D-46A3-AF70-B3D823A7566B}"/>
+              </a:ext>
+            </a:extLst>
+          </p:cNvPr>
+          <p:cNvSpPr txBox="1"/>
+          <p:nvPr/>
+        </p:nvSpPr>
+        <p:spPr>
+          <a:xfrm>
+            <a:off x="8701267" y="1086504"/>
+            <a:ext cx="553357" cy="307777"/>
+          </a:xfrm>
+          <a:prstGeom prst="rect">
+            <a:avLst/>
+          </a:prstGeom>
+          <a:noFill/>
+        </p:spPr>
+        <p:txBody>
+          <a:bodyPr wrap="none" rtlCol="0">
+            <a:spAutoFit/>
+          </a:bodyPr>
+          <a:lstStyle/>
+          <a:p>
+            <a:pPr marL="0" marR="0" lvl="0" indent="0" algn="l" defTabSz="914400" rtl="0" eaLnBrk="1" fontAlgn="auto" latinLnBrk="0" hangingPunct="1">
+              <a:lnSpc>
+                <a:spcPct val="100000"/>
+              </a:lnSpc>
+              <a:spcBef>
+                <a:spcPts val="0"/>
+              </a:spcBef>
+              <a:spcAft>
+                <a:spcPts val="0"/>
+              </a:spcAft>
+              <a:buClrTx/>
+              <a:buSzTx/>
+              <a:buFontTx/>
+              <a:buNone/>
+              <a:tabLst/>
+              <a:defRPr/>
+            </a:pPr>
+            <a:r>
+              <a:rPr kumimoji="1" lang="en-US" altLang="zh-CN" sz="1400" b="0" i="0" u="none" strike="noStrike" kern="1200" cap="none" spc="0" normalizeH="0" baseline="0" noProof="0" dirty="0">
+                <a:ln>
+                  <a:noFill/>
+                </a:ln>
+                <a:solidFill>
+                  <a:prstClr val="black"/>
+                </a:solidFill>
+                <a:effectLst/>
+                <a:uLnTx/>
+                <a:uFillTx/>
+                <a:latin typeface="Century Gothic" charset="0"/>
+                <a:ea typeface="Century Gothic" charset="0"/>
+                <a:cs typeface="Century Gothic" charset="0"/>
+              </a:rPr>
+              <a:t>CH0</a:t>
+            </a:r>
+            <a:endParaRPr kumimoji="1" lang="zh-CN" altLang="en-US" sz="1400" b="0" i="0" u="none" strike="noStrike" kern="1200" cap="none" spc="0" normalizeH="0" baseline="0" noProof="0" dirty="0">
+              <a:ln>
+                <a:noFill/>
+              </a:ln>
+              <a:solidFill>
+                <a:prstClr val="black"/>
+              </a:solidFill>
+              <a:effectLst/>
+              <a:uLnTx/>
+              <a:uFillTx/>
+              <a:latin typeface="Century Gothic" charset="0"/>
+              <a:ea typeface="Century Gothic" charset="0"/>
+              <a:cs typeface="Century Gothic" charset="0"/>
+            </a:endParaRPr>
+          </a:p>
+        </p:txBody>
+      </p:sp>
+      <p:sp>
+        <p:nvSpPr>
+          <p:cNvPr id="36" name="文本框 35">
+            <a:extLst>
+              <a:ext uri="{FF2B5EF4-FFF2-40B4-BE49-F238E27FC236}">
+                <a16:creationId xmlns:a16="http://schemas.microsoft.com/office/drawing/2014/main" id="{5EDF3EDD-8B1B-4C8D-9A37-890AE5D10B11}"/>
+              </a:ext>
+            </a:extLst>
+          </p:cNvPr>
+          <p:cNvSpPr txBox="1"/>
+          <p:nvPr/>
+        </p:nvSpPr>
+        <p:spPr>
+          <a:xfrm>
+            <a:off x="8701267" y="1934571"/>
+            <a:ext cx="553357" cy="307777"/>
+          </a:xfrm>
+          <a:prstGeom prst="rect">
+            <a:avLst/>
+          </a:prstGeom>
+          <a:noFill/>
+        </p:spPr>
+        <p:txBody>
+          <a:bodyPr wrap="none" rtlCol="0">
+            <a:spAutoFit/>
+          </a:bodyPr>
+          <a:lstStyle/>
+          <a:p>
+            <a:pPr marL="0" marR="0" lvl="0" indent="0" algn="l" defTabSz="914400" rtl="0" eaLnBrk="1" fontAlgn="auto" latinLnBrk="0" hangingPunct="1">
+              <a:lnSpc>
+                <a:spcPct val="100000"/>
+              </a:lnSpc>
+              <a:spcBef>
+                <a:spcPts val="0"/>
+              </a:spcBef>
+              <a:spcAft>
+                <a:spcPts val="0"/>
+              </a:spcAft>
+              <a:buClrTx/>
+              <a:buSzTx/>
+              <a:buFontTx/>
+              <a:buNone/>
+              <a:tabLst/>
+              <a:defRPr/>
+            </a:pPr>
+            <a:r>
+              <a:rPr kumimoji="1" lang="en-US" altLang="zh-CN" sz="1400" b="0" i="0" u="none" strike="noStrike" kern="1200" cap="none" spc="0" normalizeH="0" baseline="0" noProof="0" dirty="0">
+                <a:ln>
+                  <a:noFill/>
+                </a:ln>
+                <a:solidFill>
+                  <a:prstClr val="black"/>
+                </a:solidFill>
+                <a:effectLst/>
+                <a:uLnTx/>
+                <a:uFillTx/>
+                <a:latin typeface="Century Gothic" charset="0"/>
+                <a:ea typeface="Century Gothic" charset="0"/>
+                <a:cs typeface="Century Gothic" charset="0"/>
+              </a:rPr>
+              <a:t>CH1</a:t>
+            </a:r>
+            <a:endParaRPr kumimoji="1" lang="zh-CN" altLang="en-US" sz="1400" b="0" i="0" u="none" strike="noStrike" kern="1200" cap="none" spc="0" normalizeH="0" baseline="0" noProof="0" dirty="0">
+              <a:ln>
+                <a:noFill/>
+              </a:ln>
+              <a:solidFill>
+                <a:prstClr val="black"/>
+              </a:solidFill>
+              <a:effectLst/>
+              <a:uLnTx/>
+              <a:uFillTx/>
+              <a:latin typeface="Century Gothic" charset="0"/>
+              <a:ea typeface="Century Gothic" charset="0"/>
+              <a:cs typeface="Century Gothic" charset="0"/>
+            </a:endParaRPr>
+          </a:p>
+        </p:txBody>
+      </p:sp>
+      <p:cxnSp>
+        <p:nvCxnSpPr>
+          <p:cNvPr id="45" name="连接符: 肘形 44">
+            <a:extLst>
+              <a:ext uri="{FF2B5EF4-FFF2-40B4-BE49-F238E27FC236}">
+                <a16:creationId xmlns:a16="http://schemas.microsoft.com/office/drawing/2014/main" id="{A0748326-13DB-4122-9F7D-C8E14E759414}"/>
+              </a:ext>
+            </a:extLst>
+          </p:cNvPr>
+          <p:cNvCxnSpPr>
+            <a:cxnSpLocks/>
+            <a:stCxn id="11" idx="3"/>
+            <a:endCxn id="18" idx="1"/>
+          </p:cNvCxnSpPr>
+          <p:nvPr/>
+        </p:nvCxnSpPr>
+        <p:spPr>
+          <a:xfrm flipH="1">
+            <a:off x="4509030" y="1398911"/>
+            <a:ext cx="6763237" cy="2194935"/>
+          </a:xfrm>
+          <a:prstGeom prst="bentConnector5">
+            <a:avLst>
+              <a:gd name="adj1" fmla="val -5702"/>
+              <a:gd name="adj2" fmla="val 69680"/>
+              <a:gd name="adj3" fmla="val 111177"/>
+            </a:avLst>
+          </a:prstGeom>
+          <a:ln>
+            <a:tailEnd type="triangle"/>
+          </a:ln>
+        </p:spPr>
+        <p:style>
+          <a:lnRef idx="1">
+            <a:schemeClr val="accent1"/>
+          </a:lnRef>
+          <a:fillRef idx="0">
+            <a:schemeClr val="accent1"/>
+          </a:fillRef>
+          <a:effectRef idx="0">
+            <a:schemeClr val="accent1"/>
+          </a:effectRef>
+          <a:fontRef idx="minor">
+            <a:schemeClr val="tx1"/>
+          </a:fontRef>
+        </p:style>
+      </p:cxnSp>
+      <p:cxnSp>
+        <p:nvCxnSpPr>
+          <p:cNvPr id="61" name="连接符: 肘形 60">
+            <a:extLst>
+              <a:ext uri="{FF2B5EF4-FFF2-40B4-BE49-F238E27FC236}">
+                <a16:creationId xmlns:a16="http://schemas.microsoft.com/office/drawing/2014/main" id="{A119C742-8D12-45DC-B2BE-663A5E76608C}"/>
+              </a:ext>
+            </a:extLst>
+          </p:cNvPr>
+          <p:cNvCxnSpPr>
+            <a:cxnSpLocks/>
+            <a:stCxn id="12" idx="3"/>
+            <a:endCxn id="143" idx="1"/>
+          </p:cNvCxnSpPr>
+          <p:nvPr/>
+        </p:nvCxnSpPr>
+        <p:spPr>
+          <a:xfrm flipH="1">
+            <a:off x="4113553" y="2233396"/>
+            <a:ext cx="7158714" cy="4256535"/>
+          </a:xfrm>
+          <a:prstGeom prst="bentConnector5">
+            <a:avLst>
+              <a:gd name="adj1" fmla="val -1547"/>
+              <a:gd name="adj2" fmla="val 14637"/>
+              <a:gd name="adj3" fmla="val 120433"/>
+            </a:avLst>
+          </a:prstGeom>
+          <a:ln>
+            <a:tailEnd type="triangle"/>
+          </a:ln>
+        </p:spPr>
+        <p:style>
+          <a:lnRef idx="1">
+            <a:schemeClr val="accent1"/>
+          </a:lnRef>
+          <a:fillRef idx="0">
+            <a:schemeClr val="accent1"/>
+          </a:fillRef>
+          <a:effectRef idx="0">
+            <a:schemeClr val="accent1"/>
+          </a:effectRef>
+          <a:fontRef idx="minor">
+            <a:schemeClr val="tx1"/>
+          </a:fontRef>
+        </p:style>
+      </p:cxnSp>
+      <p:sp>
+        <p:nvSpPr>
+          <p:cNvPr id="110" name="矩形 109">
+            <a:extLst>
+              <a:ext uri="{FF2B5EF4-FFF2-40B4-BE49-F238E27FC236}">
+                <a16:creationId xmlns:a16="http://schemas.microsoft.com/office/drawing/2014/main" id="{AF23159E-B7BF-448B-914B-FDA6411558BC}"/>
+              </a:ext>
+            </a:extLst>
+          </p:cNvPr>
+          <p:cNvSpPr/>
+          <p:nvPr/>
+        </p:nvSpPr>
+        <p:spPr>
+          <a:xfrm>
+            <a:off x="2780675" y="4289912"/>
+            <a:ext cx="1080000" cy="432000"/>
+          </a:xfrm>
+          <a:prstGeom prst="rect">
+            <a:avLst/>
+          </a:prstGeom>
+          <a:solidFill>
+            <a:schemeClr val="accent1"/>
+          </a:solidFill>
+          <a:ln>
+            <a:noFill/>
+          </a:ln>
+        </p:spPr>
+        <p:style>
+          <a:lnRef idx="2">
+            <a:schemeClr val="accent1">
+              <a:shade val="50000"/>
+            </a:schemeClr>
+          </a:lnRef>
+          <a:fillRef idx="1">
+            <a:schemeClr val="accent1"/>
+          </a:fillRef>
+          <a:effectRef idx="0">
+            <a:schemeClr val="accent1"/>
+          </a:effectRef>
+          <a:fontRef idx="minor">
+            <a:schemeClr val="lt1"/>
+          </a:fontRef>
+        </p:style>
+        <p:txBody>
+          <a:bodyPr rtlCol="0" anchor="ctr"/>
+          <a:lstStyle/>
+          <a:p>
+            <a:pPr marL="0" marR="0" lvl="0" indent="0" algn="ctr" defTabSz="914400" rtl="0" eaLnBrk="1" fontAlgn="auto" latinLnBrk="0" hangingPunct="1">
+              <a:lnSpc>
+                <a:spcPct val="100000"/>
+              </a:lnSpc>
+              <a:spcBef>
+                <a:spcPts val="0"/>
+              </a:spcBef>
+              <a:spcAft>
+                <a:spcPts val="0"/>
+              </a:spcAft>
+              <a:buClrTx/>
+              <a:buSzTx/>
+              <a:buFontTx/>
+              <a:buNone/>
+              <a:tabLst/>
+              <a:defRPr/>
+            </a:pPr>
+            <a:r>
+              <a:rPr kumimoji="1" lang="en-US" altLang="zh-CN" sz="1400" b="0" i="0" u="none" strike="noStrike" kern="1200" cap="none" spc="0" normalizeH="0" baseline="0" noProof="0" dirty="0">
+                <a:ln>
+                  <a:noFill/>
+                </a:ln>
+                <a:solidFill>
+                  <a:prstClr val="white"/>
+                </a:solidFill>
+                <a:effectLst/>
+                <a:uLnTx/>
+                <a:uFillTx/>
+                <a:latin typeface="Century Gothic" charset="0"/>
+                <a:ea typeface="Century Gothic" charset="0"/>
+                <a:cs typeface="Century Gothic" charset="0"/>
+              </a:rPr>
+              <a:t>Red (16)</a:t>
+            </a:r>
+            <a:endParaRPr kumimoji="1" lang="zh-CN" altLang="en-US" sz="1400" b="0" i="0" u="none" strike="noStrike" kern="1200" cap="none" spc="0" normalizeH="0" baseline="0" noProof="0" dirty="0">
+              <a:ln>
+                <a:noFill/>
+              </a:ln>
+              <a:solidFill>
+                <a:prstClr val="white"/>
+              </a:solidFill>
+              <a:effectLst/>
+              <a:uLnTx/>
+              <a:uFillTx/>
+              <a:latin typeface="Century Gothic" charset="0"/>
+              <a:ea typeface="Century Gothic" charset="0"/>
+              <a:cs typeface="Century Gothic" charset="0"/>
+            </a:endParaRPr>
+          </a:p>
+        </p:txBody>
+      </p:sp>
+      <p:sp>
+        <p:nvSpPr>
+          <p:cNvPr id="111" name="矩形 110">
+            <a:extLst>
+              <a:ext uri="{FF2B5EF4-FFF2-40B4-BE49-F238E27FC236}">
+                <a16:creationId xmlns:a16="http://schemas.microsoft.com/office/drawing/2014/main" id="{B25AAE22-C190-4C50-8966-419AAA16EB92}"/>
+              </a:ext>
+            </a:extLst>
+          </p:cNvPr>
+          <p:cNvSpPr/>
+          <p:nvPr/>
+        </p:nvSpPr>
+        <p:spPr>
+          <a:xfrm>
+            <a:off x="2780675" y="5818940"/>
+            <a:ext cx="1080000" cy="432000"/>
+          </a:xfrm>
+          <a:prstGeom prst="rect">
+            <a:avLst/>
+          </a:prstGeom>
+          <a:solidFill>
+            <a:schemeClr val="accent1"/>
+          </a:solidFill>
+          <a:ln>
+            <a:noFill/>
+          </a:ln>
+        </p:spPr>
+        <p:style>
+          <a:lnRef idx="2">
+            <a:schemeClr val="accent1">
+              <a:shade val="50000"/>
+            </a:schemeClr>
+          </a:lnRef>
+          <a:fillRef idx="1">
+            <a:schemeClr val="accent1"/>
+          </a:fillRef>
+          <a:effectRef idx="0">
+            <a:schemeClr val="accent1"/>
+          </a:effectRef>
+          <a:fontRef idx="minor">
+            <a:schemeClr val="lt1"/>
+          </a:fontRef>
+        </p:style>
+        <p:txBody>
+          <a:bodyPr rtlCol="0" anchor="ctr"/>
+          <a:lstStyle/>
+          <a:p>
+            <a:pPr marL="0" marR="0" lvl="0" indent="0" algn="ctr" defTabSz="914400" rtl="0" eaLnBrk="1" fontAlgn="auto" latinLnBrk="0" hangingPunct="1">
+              <a:lnSpc>
+                <a:spcPct val="100000"/>
+              </a:lnSpc>
+              <a:spcBef>
+                <a:spcPts val="0"/>
+              </a:spcBef>
+              <a:spcAft>
+                <a:spcPts val="0"/>
+              </a:spcAft>
+              <a:buClrTx/>
+              <a:buSzTx/>
+              <a:buFontTx/>
+              <a:buNone/>
+              <a:tabLst/>
+              <a:defRPr/>
+            </a:pPr>
+            <a:r>
+              <a:rPr kumimoji="1" lang="en-US" altLang="zh-CN" sz="1400" b="0" i="0" u="none" strike="noStrike" kern="1200" cap="none" spc="0" normalizeH="0" baseline="0" noProof="0" dirty="0">
+                <a:ln>
+                  <a:noFill/>
+                </a:ln>
+                <a:solidFill>
+                  <a:prstClr val="white"/>
+                </a:solidFill>
+                <a:effectLst/>
+                <a:uLnTx/>
+                <a:uFillTx/>
+                <a:latin typeface="Century Gothic" charset="0"/>
+                <a:ea typeface="Century Gothic" charset="0"/>
+                <a:cs typeface="Century Gothic" charset="0"/>
+              </a:rPr>
+              <a:t>Green (8)</a:t>
+            </a:r>
+            <a:endParaRPr kumimoji="1" lang="zh-CN" altLang="en-US" sz="1400" b="0" i="0" u="none" strike="noStrike" kern="1200" cap="none" spc="0" normalizeH="0" baseline="0" noProof="0" dirty="0">
+              <a:ln>
+                <a:noFill/>
+              </a:ln>
+              <a:solidFill>
+                <a:prstClr val="white"/>
+              </a:solidFill>
+              <a:effectLst/>
+              <a:uLnTx/>
+              <a:uFillTx/>
+              <a:latin typeface="Century Gothic" charset="0"/>
+              <a:ea typeface="Century Gothic" charset="0"/>
+              <a:cs typeface="Century Gothic" charset="0"/>
+            </a:endParaRPr>
+          </a:p>
+        </p:txBody>
+      </p:sp>
+      <p:cxnSp>
+        <p:nvCxnSpPr>
+          <p:cNvPr id="117" name="直接箭头连接符 116">
+            <a:extLst>
+              <a:ext uri="{FF2B5EF4-FFF2-40B4-BE49-F238E27FC236}">
+                <a16:creationId xmlns:a16="http://schemas.microsoft.com/office/drawing/2014/main" id="{DC747544-B57A-44AE-B9EB-BC398CD802A7}"/>
+              </a:ext>
+            </a:extLst>
+          </p:cNvPr>
+          <p:cNvCxnSpPr>
+            <a:cxnSpLocks/>
+            <a:stCxn id="110" idx="3"/>
+            <a:endCxn id="15" idx="1"/>
+          </p:cNvCxnSpPr>
+          <p:nvPr/>
+        </p:nvCxnSpPr>
+        <p:spPr>
+          <a:xfrm>
+            <a:off x="3860675" y="4505912"/>
+            <a:ext cx="257483" cy="0"/>
+          </a:xfrm>
+          <a:prstGeom prst="straightConnector1">
+            <a:avLst/>
+          </a:prstGeom>
+          <a:ln>
+            <a:tailEnd type="triangle"/>
+          </a:ln>
+        </p:spPr>
+        <p:style>
+          <a:lnRef idx="1">
+            <a:schemeClr val="accent1"/>
+          </a:lnRef>
+          <a:fillRef idx="0">
+            <a:schemeClr val="accent1"/>
+          </a:fillRef>
+          <a:effectRef idx="0">
+            <a:schemeClr val="accent1"/>
+          </a:effectRef>
+          <a:fontRef idx="minor">
+            <a:schemeClr val="tx1"/>
+          </a:fontRef>
+        </p:style>
+      </p:cxnSp>
+      <p:sp>
+        <p:nvSpPr>
+          <p:cNvPr id="124" name="椭圆 123">
+            <a:extLst>
+              <a:ext uri="{FF2B5EF4-FFF2-40B4-BE49-F238E27FC236}">
+                <a16:creationId xmlns:a16="http://schemas.microsoft.com/office/drawing/2014/main" id="{7555F85C-3ECF-424C-8842-7C11B97F80FE}"/>
+              </a:ext>
+            </a:extLst>
+          </p:cNvPr>
+          <p:cNvSpPr/>
+          <p:nvPr/>
+        </p:nvSpPr>
+        <p:spPr>
+          <a:xfrm>
+            <a:off x="6701596" y="4685701"/>
+            <a:ext cx="1800000" cy="540000"/>
+          </a:xfrm>
+          <a:prstGeom prst="ellipse">
+            <a:avLst/>
+          </a:prstGeom>
+          <a:noFill/>
+          <a:ln>
+            <a:solidFill>
+              <a:srgbClr val="FF0000"/>
+            </a:solidFill>
+          </a:ln>
+        </p:spPr>
+        <p:style>
+          <a:lnRef idx="2">
+            <a:schemeClr val="accent1">
+              <a:shade val="50000"/>
+            </a:schemeClr>
+          </a:lnRef>
+          <a:fillRef idx="1">
+            <a:schemeClr val="accent1"/>
+          </a:fillRef>
+          <a:effectRef idx="0">
+            <a:schemeClr val="accent1"/>
+          </a:effectRef>
+          <a:fontRef idx="minor">
+            <a:schemeClr val="lt1"/>
+          </a:fontRef>
+        </p:style>
+        <p:txBody>
+          <a:bodyPr rtlCol="0" anchor="ctr"/>
+          <a:lstStyle/>
+          <a:p>
+            <a:pPr marL="0" marR="0" lvl="0" indent="0" algn="ctr" defTabSz="914400" rtl="0" eaLnBrk="1" fontAlgn="auto" latinLnBrk="0" hangingPunct="1">
+              <a:lnSpc>
+                <a:spcPct val="100000"/>
+              </a:lnSpc>
+              <a:spcBef>
+                <a:spcPts val="0"/>
+              </a:spcBef>
+              <a:spcAft>
+                <a:spcPts val="0"/>
+              </a:spcAft>
+              <a:buClrTx/>
+              <a:buSzTx/>
+              <a:buFontTx/>
+              <a:buNone/>
+              <a:tabLst/>
+              <a:defRPr/>
+            </a:pPr>
+            <a:r>
+              <a:rPr kumimoji="1" lang="en-US" altLang="zh-CN" sz="1400" b="0" i="0" u="none" strike="noStrike" kern="1200" cap="none" spc="0" normalizeH="0" baseline="0" noProof="0" dirty="0">
+                <a:ln>
+                  <a:noFill/>
+                </a:ln>
+                <a:solidFill>
+                  <a:prstClr val="black"/>
+                </a:solidFill>
+                <a:effectLst/>
+                <a:uLnTx/>
+                <a:uFillTx/>
+                <a:latin typeface="Century Gothic" charset="0"/>
+                <a:ea typeface="Century Gothic" charset="0"/>
+                <a:cs typeface="Century Gothic" charset="0"/>
+              </a:rPr>
+              <a:t>Add Color</a:t>
+            </a:r>
+            <a:endParaRPr kumimoji="1" lang="zh-CN" altLang="en-US" sz="1400" b="0" i="0" u="none" strike="noStrike" kern="1200" cap="none" spc="0" normalizeH="0" baseline="0" noProof="0" dirty="0">
+              <a:ln>
+                <a:noFill/>
+              </a:ln>
+              <a:solidFill>
+                <a:prstClr val="black"/>
+              </a:solidFill>
+              <a:effectLst/>
+              <a:uLnTx/>
+              <a:uFillTx/>
+              <a:latin typeface="Century Gothic" charset="0"/>
+              <a:ea typeface="Century Gothic" charset="0"/>
+              <a:cs typeface="Century Gothic" charset="0"/>
+            </a:endParaRPr>
+          </a:p>
+        </p:txBody>
+      </p:sp>
+      <p:cxnSp>
+        <p:nvCxnSpPr>
+          <p:cNvPr id="129" name="直线箭头连接符 54">
+            <a:extLst>
+              <a:ext uri="{FF2B5EF4-FFF2-40B4-BE49-F238E27FC236}">
+                <a16:creationId xmlns:a16="http://schemas.microsoft.com/office/drawing/2014/main" id="{F7439E44-4885-49F5-B9ED-94ED49C21D26}"/>
+              </a:ext>
+            </a:extLst>
+          </p:cNvPr>
+          <p:cNvCxnSpPr>
+            <a:cxnSpLocks/>
+            <a:stCxn id="24" idx="6"/>
+            <a:endCxn id="124" idx="2"/>
+          </p:cNvCxnSpPr>
+          <p:nvPr/>
+        </p:nvCxnSpPr>
+        <p:spPr>
+          <a:xfrm flipV="1">
+            <a:off x="6457387" y="4955701"/>
+            <a:ext cx="244209" cy="2421"/>
+          </a:xfrm>
+          <a:prstGeom prst="straightConnector1">
+            <a:avLst/>
+          </a:prstGeom>
+          <a:ln>
+            <a:tailEnd type="triangle"/>
+          </a:ln>
+        </p:spPr>
+        <p:style>
+          <a:lnRef idx="1">
+            <a:schemeClr val="accent1"/>
+          </a:lnRef>
+          <a:fillRef idx="0">
+            <a:schemeClr val="accent1"/>
+          </a:fillRef>
+          <a:effectRef idx="0">
+            <a:schemeClr val="accent1"/>
+          </a:effectRef>
+          <a:fontRef idx="minor">
+            <a:schemeClr val="tx1"/>
+          </a:fontRef>
+        </p:style>
+      </p:cxnSp>
+      <p:cxnSp>
+        <p:nvCxnSpPr>
+          <p:cNvPr id="132" name="直接箭头连接符 131">
+            <a:extLst>
+              <a:ext uri="{FF2B5EF4-FFF2-40B4-BE49-F238E27FC236}">
+                <a16:creationId xmlns:a16="http://schemas.microsoft.com/office/drawing/2014/main" id="{AD33076B-7727-4A4C-AE3B-5B80433AA85C}"/>
+              </a:ext>
+            </a:extLst>
+          </p:cNvPr>
+          <p:cNvCxnSpPr>
+            <a:cxnSpLocks/>
+            <a:stCxn id="111" idx="3"/>
+            <a:endCxn id="143" idx="1"/>
+          </p:cNvCxnSpPr>
+          <p:nvPr/>
+        </p:nvCxnSpPr>
+        <p:spPr>
+          <a:xfrm>
+            <a:off x="3860675" y="6034940"/>
+            <a:ext cx="252878" cy="454991"/>
+          </a:xfrm>
+          <a:prstGeom prst="straightConnector1">
+            <a:avLst/>
+          </a:prstGeom>
+          <a:ln>
+            <a:tailEnd type="triangle"/>
+          </a:ln>
+        </p:spPr>
+        <p:style>
+          <a:lnRef idx="1">
+            <a:schemeClr val="accent1"/>
+          </a:lnRef>
+          <a:fillRef idx="0">
+            <a:schemeClr val="accent1"/>
+          </a:fillRef>
+          <a:effectRef idx="0">
+            <a:schemeClr val="accent1"/>
+          </a:effectRef>
+          <a:fontRef idx="minor">
+            <a:schemeClr val="tx1"/>
+          </a:fontRef>
+        </p:style>
+      </p:cxnSp>
+      <p:cxnSp>
+        <p:nvCxnSpPr>
+          <p:cNvPr id="138" name="肘形连接符 48">
+            <a:extLst>
+              <a:ext uri="{FF2B5EF4-FFF2-40B4-BE49-F238E27FC236}">
+                <a16:creationId xmlns:a16="http://schemas.microsoft.com/office/drawing/2014/main" id="{4103AFC8-5202-4075-8E78-9040F38840EF}"/>
+              </a:ext>
+            </a:extLst>
+          </p:cNvPr>
+          <p:cNvCxnSpPr>
+            <a:cxnSpLocks/>
+            <a:stCxn id="143" idx="3"/>
+            <a:endCxn id="28" idx="2"/>
+          </p:cNvCxnSpPr>
+          <p:nvPr/>
+        </p:nvCxnSpPr>
+        <p:spPr>
+          <a:xfrm flipV="1">
+            <a:off x="9240189" y="4958901"/>
+            <a:ext cx="410132" cy="1531030"/>
+          </a:xfrm>
+          <a:prstGeom prst="bentConnector3">
+            <a:avLst>
+              <a:gd name="adj1" fmla="val 50000"/>
+            </a:avLst>
+          </a:prstGeom>
+          <a:ln>
+            <a:tailEnd type="triangle"/>
+          </a:ln>
+        </p:spPr>
+        <p:style>
+          <a:lnRef idx="1">
+            <a:schemeClr val="accent1"/>
+          </a:lnRef>
+          <a:fillRef idx="0">
+            <a:schemeClr val="accent1"/>
+          </a:fillRef>
+          <a:effectRef idx="0">
+            <a:schemeClr val="accent1"/>
+          </a:effectRef>
+          <a:fontRef idx="minor">
+            <a:schemeClr val="tx1"/>
+          </a:fontRef>
+        </p:style>
+      </p:cxnSp>
+      <p:sp>
+        <p:nvSpPr>
+          <p:cNvPr id="143" name="矩形 142">
+            <a:extLst>
+              <a:ext uri="{FF2B5EF4-FFF2-40B4-BE49-F238E27FC236}">
+                <a16:creationId xmlns:a16="http://schemas.microsoft.com/office/drawing/2014/main" id="{F13F600E-C594-45CE-A30A-6437516F8890}"/>
+              </a:ext>
+            </a:extLst>
+          </p:cNvPr>
+          <p:cNvSpPr/>
+          <p:nvPr/>
+        </p:nvSpPr>
+        <p:spPr>
+          <a:xfrm>
+            <a:off x="4113553" y="6382490"/>
+            <a:ext cx="5126636" cy="214881"/>
+          </a:xfrm>
+          <a:prstGeom prst="rect">
+            <a:avLst/>
+          </a:prstGeom>
+          <a:noFill/>
+        </p:spPr>
+        <p:style>
+          <a:lnRef idx="2">
+            <a:schemeClr val="accent1">
+              <a:shade val="50000"/>
+            </a:schemeClr>
+          </a:lnRef>
+          <a:fillRef idx="1">
+            <a:schemeClr val="accent1"/>
+          </a:fillRef>
+          <a:effectRef idx="0">
+            <a:schemeClr val="accent1"/>
+          </a:effectRef>
+          <a:fontRef idx="minor">
+            <a:schemeClr val="lt1"/>
+          </a:fontRef>
+        </p:style>
+        <p:txBody>
+          <a:bodyPr rtlCol="0" anchor="ctr"/>
+          <a:lstStyle/>
+          <a:p>
+            <a:pPr marL="0" marR="0" lvl="0" indent="0" algn="ctr" defTabSz="914400" rtl="0" eaLnBrk="1" fontAlgn="auto" latinLnBrk="0" hangingPunct="1">
+              <a:lnSpc>
+                <a:spcPct val="100000"/>
+              </a:lnSpc>
+              <a:spcBef>
+                <a:spcPts val="0"/>
+              </a:spcBef>
+              <a:spcAft>
+                <a:spcPts val="0"/>
+              </a:spcAft>
+              <a:buClrTx/>
+              <a:buSzTx/>
+              <a:buFontTx/>
+              <a:buNone/>
+              <a:tabLst/>
+              <a:defRPr/>
+            </a:pPr>
+            <a:r>
+              <a:rPr kumimoji="1" lang="en-US" altLang="zh-CN" sz="1400" b="0" i="0" u="none" strike="noStrike" kern="1200" cap="none" spc="0" normalizeH="0" baseline="0" noProof="0" dirty="0">
+                <a:ln>
+                  <a:noFill/>
+                </a:ln>
+                <a:solidFill>
+                  <a:prstClr val="black"/>
+                </a:solidFill>
+                <a:effectLst/>
+                <a:uLnTx/>
+                <a:uFillTx/>
+                <a:latin typeface="Century Gothic" charset="0"/>
+                <a:ea typeface="Century Gothic" charset="0"/>
+                <a:cs typeface="Century Gothic" charset="0"/>
+              </a:rPr>
+              <a:t>…</a:t>
+            </a:r>
+            <a:endParaRPr kumimoji="1" lang="zh-CN" altLang="en-US" sz="1400" b="0" i="0" u="none" strike="noStrike" kern="1200" cap="none" spc="0" normalizeH="0" baseline="0" noProof="0" dirty="0">
+              <a:ln>
+                <a:noFill/>
+              </a:ln>
+              <a:solidFill>
+                <a:prstClr val="black"/>
+              </a:solidFill>
+              <a:effectLst/>
+              <a:uLnTx/>
+              <a:uFillTx/>
+              <a:latin typeface="Century Gothic" charset="0"/>
+              <a:ea typeface="Century Gothic" charset="0"/>
+              <a:cs typeface="Century Gothic" charset="0"/>
+            </a:endParaRPr>
+          </a:p>
+        </p:txBody>
+      </p:sp>
+    </p:spTree>
+    <p:extLst>
+      <p:ext uri="{BB962C8B-B14F-4D97-AF65-F5344CB8AC3E}">
+        <p14:creationId xmlns:p14="http://schemas.microsoft.com/office/powerpoint/2010/main" val="1220002632"/>
       </p:ext>
     </p:extLst>
   </p:cSld>
